--- a/6TH SEMESTER/Business Process Engineering/Lectures/Business Process Engineering_WEEK 01.pptx
+++ b/6TH SEMESTER/Business Process Engineering/Lectures/Business Process Engineering_WEEK 01.pptx
@@ -1,53 +1,53 @@
 
 <file path=ppt/presentation.xml><?xml version="1.0" encoding="utf-8"?>
-<p:presentation xmlns:a="http://schemas.openxmlformats.org/drawingml/2006/main" xmlns:r="http://schemas.openxmlformats.org/officeDocument/2006/relationships" xmlns:p="http://schemas.openxmlformats.org/presentationml/2006/main" saveSubsetFonts="1">
+<p:presentation xmlns:a="http://schemas.openxmlformats.org/drawingml/2006/main" xmlns:r="http://schemas.openxmlformats.org/officeDocument/2006/relationships" xmlns:p="http://schemas.openxmlformats.org/presentationml/2006/main">
   <p:sldMasterIdLst>
-    <p:sldMasterId id="2147483851" r:id="rId1"/>
+    <p:sldMasterId id="2147483648" r:id="rId1"/>
   </p:sldMasterIdLst>
   <p:sldIdLst>
-    <p:sldId id="256" r:id="rId2"/>
-    <p:sldId id="294" r:id="rId3"/>
-    <p:sldId id="259" r:id="rId4"/>
-    <p:sldId id="303" r:id="rId5"/>
-    <p:sldId id="304" r:id="rId6"/>
-    <p:sldId id="305" r:id="rId7"/>
-    <p:sldId id="263" r:id="rId8"/>
-    <p:sldId id="296" r:id="rId9"/>
-    <p:sldId id="271" r:id="rId10"/>
-    <p:sldId id="292" r:id="rId11"/>
-    <p:sldId id="297" r:id="rId12"/>
-    <p:sldId id="298" r:id="rId13"/>
-    <p:sldId id="267" r:id="rId14"/>
-    <p:sldId id="300" r:id="rId15"/>
-    <p:sldId id="269" r:id="rId16"/>
-    <p:sldId id="301" r:id="rId17"/>
-    <p:sldId id="274" r:id="rId18"/>
-    <p:sldId id="314" r:id="rId19"/>
-    <p:sldId id="289" r:id="rId20"/>
-    <p:sldId id="302" r:id="rId21"/>
-    <p:sldId id="313" r:id="rId22"/>
-    <p:sldId id="278" r:id="rId23"/>
-    <p:sldId id="279" r:id="rId24"/>
-    <p:sldId id="290" r:id="rId25"/>
-    <p:sldId id="315" r:id="rId26"/>
-    <p:sldId id="316" r:id="rId27"/>
-    <p:sldId id="317" r:id="rId28"/>
-    <p:sldId id="318" r:id="rId29"/>
-    <p:sldId id="319" r:id="rId30"/>
-    <p:sldId id="320" r:id="rId31"/>
-    <p:sldId id="321" r:id="rId32"/>
-    <p:sldId id="322" r:id="rId33"/>
-    <p:sldId id="323" r:id="rId34"/>
-    <p:sldId id="324" r:id="rId35"/>
-    <p:sldId id="283" r:id="rId36"/>
-    <p:sldId id="284" r:id="rId37"/>
-    <p:sldId id="285" r:id="rId38"/>
-    <p:sldId id="286" r:id="rId39"/>
-    <p:sldId id="310" r:id="rId40"/>
-    <p:sldId id="311" r:id="rId41"/>
-    <p:sldId id="325" r:id="rId42"/>
-    <p:sldId id="326" r:id="rId43"/>
-    <p:sldId id="312" r:id="rId44"/>
+    <p:sldId id="256" r:id="rId3"/>
+    <p:sldId id="294" r:id="rId4"/>
+    <p:sldId id="259" r:id="rId5"/>
+    <p:sldId id="303" r:id="rId6"/>
+    <p:sldId id="304" r:id="rId7"/>
+    <p:sldId id="305" r:id="rId8"/>
+    <p:sldId id="263" r:id="rId9"/>
+    <p:sldId id="296" r:id="rId10"/>
+    <p:sldId id="271" r:id="rId11"/>
+    <p:sldId id="292" r:id="rId12"/>
+    <p:sldId id="297" r:id="rId13"/>
+    <p:sldId id="298" r:id="rId14"/>
+    <p:sldId id="267" r:id="rId15"/>
+    <p:sldId id="300" r:id="rId16"/>
+    <p:sldId id="269" r:id="rId17"/>
+    <p:sldId id="301" r:id="rId18"/>
+    <p:sldId id="274" r:id="rId19"/>
+    <p:sldId id="314" r:id="rId20"/>
+    <p:sldId id="289" r:id="rId21"/>
+    <p:sldId id="302" r:id="rId22"/>
+    <p:sldId id="313" r:id="rId23"/>
+    <p:sldId id="278" r:id="rId24"/>
+    <p:sldId id="279" r:id="rId25"/>
+    <p:sldId id="290" r:id="rId26"/>
+    <p:sldId id="315" r:id="rId27"/>
+    <p:sldId id="316" r:id="rId28"/>
+    <p:sldId id="317" r:id="rId29"/>
+    <p:sldId id="318" r:id="rId30"/>
+    <p:sldId id="319" r:id="rId31"/>
+    <p:sldId id="320" r:id="rId32"/>
+    <p:sldId id="321" r:id="rId33"/>
+    <p:sldId id="322" r:id="rId34"/>
+    <p:sldId id="323" r:id="rId35"/>
+    <p:sldId id="324" r:id="rId36"/>
+    <p:sldId id="283" r:id="rId37"/>
+    <p:sldId id="284" r:id="rId38"/>
+    <p:sldId id="285" r:id="rId39"/>
+    <p:sldId id="286" r:id="rId40"/>
+    <p:sldId id="310" r:id="rId41"/>
+    <p:sldId id="311" r:id="rId42"/>
+    <p:sldId id="325" r:id="rId43"/>
+    <p:sldId id="326" r:id="rId44"/>
+    <p:sldId id="312" r:id="rId45"/>
   </p:sldIdLst>
   <p:sldSz cx="12192000" cy="6858000"/>
   <p:notesSz cx="6858000" cy="9144000"/>
@@ -146,11 +146,6 @@
       </a:defRPr>
     </a:lvl9pPr>
   </p:defaultTextStyle>
-  <p:extLst>
-    <p:ext uri="{EFAFB233-063F-42B5-8137-9DF3F51BA10A}">
-      <p15:sldGuideLst xmlns:p15="http://schemas.microsoft.com/office/powerpoint/2012/main"/>
-    </p:ext>
-  </p:extLst>
 </p:presentation>
 </file>
 
@@ -161,117 +156,39 @@
   <dgm:catLst>
     <dgm:cat type="accent1" pri="11200"/>
   </dgm:catLst>
-  <dgm:styleLbl name="node0">
+  <dgm:styleLbl name="alignAcc1">
     <dgm:fillClrLst meth="repeat">
-      <a:schemeClr val="accent1"/>
-    </dgm:fillClrLst>
-    <dgm:linClrLst meth="repeat">
-      <a:schemeClr val="lt1"/>
-    </dgm:linClrLst>
-    <dgm:effectClrLst/>
-    <dgm:txLinClrLst/>
-    <dgm:txFillClrLst/>
-    <dgm:txEffectClrLst/>
-  </dgm:styleLbl>
-  <dgm:styleLbl name="alignNode1">
-    <dgm:fillClrLst meth="repeat">
-      <a:schemeClr val="accent1"/>
+      <a:schemeClr val="lt1">
+        <a:alpha val="90000"/>
+      </a:schemeClr>
     </dgm:fillClrLst>
     <dgm:linClrLst meth="repeat">
       <a:schemeClr val="accent1"/>
     </dgm:linClrLst>
     <dgm:effectClrLst/>
     <dgm:txLinClrLst/>
-    <dgm:txFillClrLst/>
+    <dgm:txFillClrLst meth="repeat">
+      <a:schemeClr val="dk1"/>
+    </dgm:txFillClrLst>
     <dgm:txEffectClrLst/>
   </dgm:styleLbl>
-  <dgm:styleLbl name="node1">
-    <dgm:fillClrLst meth="repeat">
-      <a:schemeClr val="accent1"/>
-    </dgm:fillClrLst>
-    <dgm:linClrLst meth="repeat">
-      <a:schemeClr val="lt1"/>
-    </dgm:linClrLst>
-    <dgm:effectClrLst/>
-    <dgm:txLinClrLst/>
-    <dgm:txFillClrLst/>
-    <dgm:txEffectClrLst/>
-  </dgm:styleLbl>
-  <dgm:styleLbl name="lnNode1">
-    <dgm:fillClrLst meth="repeat">
-      <a:schemeClr val="accent1"/>
-    </dgm:fillClrLst>
-    <dgm:linClrLst meth="repeat">
-      <a:schemeClr val="lt1"/>
-    </dgm:linClrLst>
-    <dgm:effectClrLst/>
-    <dgm:txLinClrLst/>
-    <dgm:txFillClrLst/>
-    <dgm:txEffectClrLst/>
-  </dgm:styleLbl>
-  <dgm:styleLbl name="vennNode1">
+  <dgm:styleLbl name="alignAccFollowNode1">
     <dgm:fillClrLst meth="repeat">
       <a:schemeClr val="accent1">
-        <a:alpha val="50000"/>
+        <a:alpha val="90000"/>
+        <a:tint val="40000"/>
       </a:schemeClr>
     </dgm:fillClrLst>
     <dgm:linClrLst meth="repeat">
-      <a:schemeClr val="lt1"/>
-    </dgm:linClrLst>
-    <dgm:effectClrLst/>
-    <dgm:txLinClrLst/>
-    <dgm:txFillClrLst/>
-    <dgm:txEffectClrLst/>
-  </dgm:styleLbl>
-  <dgm:styleLbl name="node2">
-    <dgm:fillClrLst meth="repeat">
-      <a:schemeClr val="accent1"/>
-    </dgm:fillClrLst>
-    <dgm:linClrLst meth="repeat">
-      <a:schemeClr val="lt1"/>
-    </dgm:linClrLst>
-    <dgm:effectClrLst/>
-    <dgm:txLinClrLst/>
-    <dgm:txFillClrLst/>
-    <dgm:txEffectClrLst/>
-  </dgm:styleLbl>
-  <dgm:styleLbl name="node3">
-    <dgm:fillClrLst meth="repeat">
-      <a:schemeClr val="accent1"/>
-    </dgm:fillClrLst>
-    <dgm:linClrLst meth="repeat">
-      <a:schemeClr val="lt1"/>
-    </dgm:linClrLst>
-    <dgm:effectClrLst/>
-    <dgm:txLinClrLst/>
-    <dgm:txFillClrLst/>
-    <dgm:txEffectClrLst/>
-  </dgm:styleLbl>
-  <dgm:styleLbl name="node4">
-    <dgm:fillClrLst meth="repeat">
-      <a:schemeClr val="accent1"/>
-    </dgm:fillClrLst>
-    <dgm:linClrLst meth="repeat">
-      <a:schemeClr val="lt1"/>
-    </dgm:linClrLst>
-    <dgm:effectClrLst/>
-    <dgm:txLinClrLst/>
-    <dgm:txFillClrLst/>
-    <dgm:txEffectClrLst/>
-  </dgm:styleLbl>
-  <dgm:styleLbl name="fgImgPlace1">
-    <dgm:fillClrLst meth="repeat">
       <a:schemeClr val="accent1">
-        <a:tint val="50000"/>
+        <a:alpha val="90000"/>
+        <a:tint val="40000"/>
       </a:schemeClr>
-    </dgm:fillClrLst>
-    <dgm:linClrLst meth="repeat">
-      <a:schemeClr val="lt1"/>
     </dgm:linClrLst>
     <dgm:effectClrLst/>
     <dgm:txLinClrLst/>
     <dgm:txFillClrLst meth="repeat">
-      <a:schemeClr val="lt1"/>
+      <a:schemeClr val="dk1"/>
     </dgm:txFillClrLst>
     <dgm:txEffectClrLst/>
   </dgm:styleLbl>
@@ -291,71 +208,7 @@
     </dgm:txFillClrLst>
     <dgm:txEffectClrLst/>
   </dgm:styleLbl>
-  <dgm:styleLbl name="bgImgPlace1">
-    <dgm:fillClrLst meth="repeat">
-      <a:schemeClr val="accent1">
-        <a:tint val="50000"/>
-      </a:schemeClr>
-    </dgm:fillClrLst>
-    <dgm:linClrLst meth="repeat">
-      <a:schemeClr val="lt1"/>
-    </dgm:linClrLst>
-    <dgm:effectClrLst/>
-    <dgm:txLinClrLst/>
-    <dgm:txFillClrLst meth="repeat">
-      <a:schemeClr val="lt1"/>
-    </dgm:txFillClrLst>
-    <dgm:txEffectClrLst/>
-  </dgm:styleLbl>
-  <dgm:styleLbl name="sibTrans2D1">
-    <dgm:fillClrLst meth="repeat">
-      <a:schemeClr val="accent1">
-        <a:tint val="60000"/>
-      </a:schemeClr>
-    </dgm:fillClrLst>
-    <dgm:linClrLst meth="repeat">
-      <a:schemeClr val="accent1">
-        <a:tint val="60000"/>
-      </a:schemeClr>
-    </dgm:linClrLst>
-    <dgm:effectClrLst/>
-    <dgm:txLinClrLst/>
-    <dgm:txFillClrLst/>
-    <dgm:txEffectClrLst/>
-  </dgm:styleLbl>
-  <dgm:styleLbl name="fgSibTrans2D1">
-    <dgm:fillClrLst meth="repeat">
-      <a:schemeClr val="accent1">
-        <a:tint val="60000"/>
-      </a:schemeClr>
-    </dgm:fillClrLst>
-    <dgm:linClrLst meth="repeat">
-      <a:schemeClr val="accent1">
-        <a:tint val="60000"/>
-      </a:schemeClr>
-    </dgm:linClrLst>
-    <dgm:effectClrLst/>
-    <dgm:txLinClrLst/>
-    <dgm:txFillClrLst/>
-    <dgm:txEffectClrLst/>
-  </dgm:styleLbl>
-  <dgm:styleLbl name="bgSibTrans2D1">
-    <dgm:fillClrLst meth="repeat">
-      <a:schemeClr val="accent1">
-        <a:tint val="60000"/>
-      </a:schemeClr>
-    </dgm:fillClrLst>
-    <dgm:linClrLst meth="repeat">
-      <a:schemeClr val="accent1">
-        <a:tint val="60000"/>
-      </a:schemeClr>
-    </dgm:linClrLst>
-    <dgm:effectClrLst/>
-    <dgm:txLinClrLst/>
-    <dgm:txFillClrLst/>
-    <dgm:txEffectClrLst/>
-  </dgm:styleLbl>
-  <dgm:styleLbl name="sibTrans1D1">
+  <dgm:styleLbl name="alignNode1">
     <dgm:fillClrLst meth="repeat">
       <a:schemeClr val="accent1"/>
     </dgm:fillClrLst>
@@ -364,25 +217,7 @@
     </dgm:linClrLst>
     <dgm:effectClrLst/>
     <dgm:txLinClrLst/>
-    <dgm:txFillClrLst meth="repeat">
-      <a:schemeClr val="tx1"/>
-    </dgm:txFillClrLst>
-    <dgm:txEffectClrLst/>
-  </dgm:styleLbl>
-  <dgm:styleLbl name="callout">
-    <dgm:fillClrLst meth="repeat">
-      <a:schemeClr val="accent1"/>
-    </dgm:fillClrLst>
-    <dgm:linClrLst meth="repeat">
-      <a:schemeClr val="accent1">
-        <a:tint val="50000"/>
-      </a:schemeClr>
-    </dgm:linClrLst>
-    <dgm:effectClrLst/>
-    <dgm:txLinClrLst/>
-    <dgm:txFillClrLst meth="repeat">
-      <a:schemeClr val="tx1"/>
-    </dgm:txFillClrLst>
+    <dgm:txFillClrLst/>
     <dgm:txEffectClrLst/>
   </dgm:styleLbl>
   <dgm:styleLbl name="asst0">
@@ -445,7 +280,75 @@
     <dgm:txFillClrLst/>
     <dgm:txEffectClrLst/>
   </dgm:styleLbl>
-  <dgm:styleLbl name="parChTrans2D1">
+  <dgm:styleLbl name="bgAcc1">
+    <dgm:fillClrLst meth="repeat">
+      <a:schemeClr val="lt1">
+        <a:alpha val="90000"/>
+      </a:schemeClr>
+    </dgm:fillClrLst>
+    <dgm:linClrLst meth="repeat">
+      <a:schemeClr val="accent1"/>
+    </dgm:linClrLst>
+    <dgm:effectClrLst/>
+    <dgm:txLinClrLst/>
+    <dgm:txFillClrLst meth="repeat">
+      <a:schemeClr val="dk1"/>
+    </dgm:txFillClrLst>
+    <dgm:txEffectClrLst/>
+  </dgm:styleLbl>
+  <dgm:styleLbl name="bgAccFollowNode1">
+    <dgm:fillClrLst meth="repeat">
+      <a:schemeClr val="accent1">
+        <a:alpha val="90000"/>
+        <a:tint val="40000"/>
+      </a:schemeClr>
+    </dgm:fillClrLst>
+    <dgm:linClrLst meth="repeat">
+      <a:schemeClr val="accent1">
+        <a:alpha val="90000"/>
+        <a:tint val="40000"/>
+      </a:schemeClr>
+    </dgm:linClrLst>
+    <dgm:effectClrLst/>
+    <dgm:txLinClrLst/>
+    <dgm:txFillClrLst meth="repeat">
+      <a:schemeClr val="dk1"/>
+    </dgm:txFillClrLst>
+    <dgm:txEffectClrLst/>
+  </dgm:styleLbl>
+  <dgm:styleLbl name="bgImgPlace1">
+    <dgm:fillClrLst meth="repeat">
+      <a:schemeClr val="accent1">
+        <a:tint val="50000"/>
+      </a:schemeClr>
+    </dgm:fillClrLst>
+    <dgm:linClrLst meth="repeat">
+      <a:schemeClr val="lt1"/>
+    </dgm:linClrLst>
+    <dgm:effectClrLst/>
+    <dgm:txLinClrLst/>
+    <dgm:txFillClrLst meth="repeat">
+      <a:schemeClr val="lt1"/>
+    </dgm:txFillClrLst>
+    <dgm:txEffectClrLst/>
+  </dgm:styleLbl>
+  <dgm:styleLbl name="bgShp">
+    <dgm:fillClrLst meth="repeat">
+      <a:schemeClr val="accent1">
+        <a:tint val="40000"/>
+      </a:schemeClr>
+    </dgm:fillClrLst>
+    <dgm:linClrLst meth="repeat">
+      <a:schemeClr val="accent1"/>
+    </dgm:linClrLst>
+    <dgm:effectClrLst/>
+    <dgm:txLinClrLst/>
+    <dgm:txFillClrLst meth="repeat">
+      <a:schemeClr val="dk1"/>
+    </dgm:txFillClrLst>
+    <dgm:txEffectClrLst/>
+  </dgm:styleLbl>
+  <dgm:styleLbl name="bgSibTrans2D1">
     <dgm:fillClrLst meth="repeat">
       <a:schemeClr val="accent1">
         <a:tint val="60000"/>
@@ -458,14 +361,46 @@
     </dgm:linClrLst>
     <dgm:effectClrLst/>
     <dgm:txLinClrLst/>
+    <dgm:txFillClrLst/>
+    <dgm:txEffectClrLst/>
+  </dgm:styleLbl>
+  <dgm:styleLbl name="callout">
+    <dgm:fillClrLst meth="repeat">
+      <a:schemeClr val="accent1"/>
+    </dgm:fillClrLst>
+    <dgm:linClrLst meth="repeat">
+      <a:schemeClr val="accent1">
+        <a:tint val="50000"/>
+      </a:schemeClr>
+    </dgm:linClrLst>
+    <dgm:effectClrLst/>
+    <dgm:txLinClrLst/>
     <dgm:txFillClrLst meth="repeat">
-      <a:schemeClr val="lt1"/>
+      <a:schemeClr val="tx1"/>
     </dgm:txFillClrLst>
     <dgm:txEffectClrLst/>
   </dgm:styleLbl>
-  <dgm:styleLbl name="parChTrans2D2">
+  <dgm:styleLbl name="conFgAcc1">
     <dgm:fillClrLst meth="repeat">
+      <a:schemeClr val="lt1">
+        <a:alpha val="90000"/>
+      </a:schemeClr>
+    </dgm:fillClrLst>
+    <dgm:linClrLst meth="repeat">
       <a:schemeClr val="accent1"/>
+    </dgm:linClrLst>
+    <dgm:effectClrLst/>
+    <dgm:txLinClrLst/>
+    <dgm:txFillClrLst meth="repeat">
+      <a:schemeClr val="dk1"/>
+    </dgm:txFillClrLst>
+    <dgm:txEffectClrLst/>
+  </dgm:styleLbl>
+  <dgm:styleLbl name="dkBgShp">
+    <dgm:fillClrLst meth="repeat">
+      <a:schemeClr val="accent1">
+        <a:shade val="80000"/>
+      </a:schemeClr>
     </dgm:fillClrLst>
     <dgm:linClrLst meth="repeat">
       <a:schemeClr val="accent1"/>
@@ -477,12 +412,114 @@
     </dgm:txFillClrLst>
     <dgm:txEffectClrLst/>
   </dgm:styleLbl>
-  <dgm:styleLbl name="parChTrans2D3">
+  <dgm:styleLbl name="fgAcc0">
     <dgm:fillClrLst meth="repeat">
-      <a:schemeClr val="accent1"/>
+      <a:schemeClr val="lt1">
+        <a:alpha val="90000"/>
+      </a:schemeClr>
     </dgm:fillClrLst>
     <dgm:linClrLst meth="repeat">
       <a:schemeClr val="accent1"/>
+    </dgm:linClrLst>
+    <dgm:effectClrLst/>
+    <dgm:txLinClrLst/>
+    <dgm:txFillClrLst meth="repeat">
+      <a:schemeClr val="dk1"/>
+    </dgm:txFillClrLst>
+    <dgm:txEffectClrLst/>
+  </dgm:styleLbl>
+  <dgm:styleLbl name="fgAcc1">
+    <dgm:fillClrLst meth="repeat">
+      <a:schemeClr val="lt1">
+        <a:alpha val="90000"/>
+      </a:schemeClr>
+    </dgm:fillClrLst>
+    <dgm:linClrLst meth="repeat">
+      <a:schemeClr val="accent1"/>
+    </dgm:linClrLst>
+    <dgm:effectClrLst/>
+    <dgm:txLinClrLst/>
+    <dgm:txFillClrLst meth="repeat">
+      <a:schemeClr val="dk1"/>
+    </dgm:txFillClrLst>
+    <dgm:txEffectClrLst/>
+  </dgm:styleLbl>
+  <dgm:styleLbl name="fgAcc2">
+    <dgm:fillClrLst meth="repeat">
+      <a:schemeClr val="lt1">
+        <a:alpha val="90000"/>
+      </a:schemeClr>
+    </dgm:fillClrLst>
+    <dgm:linClrLst meth="repeat">
+      <a:schemeClr val="accent1"/>
+    </dgm:linClrLst>
+    <dgm:effectClrLst/>
+    <dgm:txLinClrLst/>
+    <dgm:txFillClrLst meth="repeat">
+      <a:schemeClr val="dk1"/>
+    </dgm:txFillClrLst>
+    <dgm:txEffectClrLst/>
+  </dgm:styleLbl>
+  <dgm:styleLbl name="fgAcc3">
+    <dgm:fillClrLst meth="repeat">
+      <a:schemeClr val="lt1">
+        <a:alpha val="90000"/>
+      </a:schemeClr>
+    </dgm:fillClrLst>
+    <dgm:linClrLst meth="repeat">
+      <a:schemeClr val="accent1"/>
+    </dgm:linClrLst>
+    <dgm:effectClrLst/>
+    <dgm:txLinClrLst/>
+    <dgm:txFillClrLst meth="repeat">
+      <a:schemeClr val="dk1"/>
+    </dgm:txFillClrLst>
+    <dgm:txEffectClrLst/>
+  </dgm:styleLbl>
+  <dgm:styleLbl name="fgAcc4">
+    <dgm:fillClrLst meth="repeat">
+      <a:schemeClr val="lt1">
+        <a:alpha val="90000"/>
+      </a:schemeClr>
+    </dgm:fillClrLst>
+    <dgm:linClrLst meth="repeat">
+      <a:schemeClr val="accent1"/>
+    </dgm:linClrLst>
+    <dgm:effectClrLst/>
+    <dgm:txLinClrLst/>
+    <dgm:txFillClrLst meth="repeat">
+      <a:schemeClr val="dk1"/>
+    </dgm:txFillClrLst>
+    <dgm:txEffectClrLst/>
+  </dgm:styleLbl>
+  <dgm:styleLbl name="fgAccFollowNode1">
+    <dgm:fillClrLst meth="repeat">
+      <a:schemeClr val="accent1">
+        <a:alpha val="90000"/>
+        <a:tint val="40000"/>
+      </a:schemeClr>
+    </dgm:fillClrLst>
+    <dgm:linClrLst meth="repeat">
+      <a:schemeClr val="accent1">
+        <a:alpha val="90000"/>
+        <a:tint val="40000"/>
+      </a:schemeClr>
+    </dgm:linClrLst>
+    <dgm:effectClrLst/>
+    <dgm:txLinClrLst/>
+    <dgm:txFillClrLst meth="repeat">
+      <a:schemeClr val="dk1"/>
+    </dgm:txFillClrLst>
+    <dgm:txEffectClrLst/>
+  </dgm:styleLbl>
+  <dgm:styleLbl name="fgImgPlace1">
+    <dgm:fillClrLst meth="repeat">
+      <a:schemeClr val="accent1">
+        <a:tint val="50000"/>
+      </a:schemeClr>
+    </dgm:fillClrLst>
+    <dgm:linClrLst meth="repeat">
+      <a:schemeClr val="lt1"/>
     </dgm:linClrLst>
     <dgm:effectClrLst/>
     <dgm:txLinClrLst/>
@@ -491,18 +528,108 @@
     </dgm:txFillClrLst>
     <dgm:txEffectClrLst/>
   </dgm:styleLbl>
-  <dgm:styleLbl name="parChTrans2D4">
+  <dgm:styleLbl name="fgShp">
+    <dgm:fillClrLst meth="repeat">
+      <a:schemeClr val="accent1">
+        <a:tint val="60000"/>
+      </a:schemeClr>
+    </dgm:fillClrLst>
+    <dgm:linClrLst meth="repeat">
+      <a:schemeClr val="lt1"/>
+    </dgm:linClrLst>
+    <dgm:effectClrLst/>
+    <dgm:txLinClrLst/>
+    <dgm:txFillClrLst meth="repeat">
+      <a:schemeClr val="dk1"/>
+    </dgm:txFillClrLst>
+    <dgm:txEffectClrLst/>
+  </dgm:styleLbl>
+  <dgm:styleLbl name="fgSibTrans2D1">
+    <dgm:fillClrLst meth="repeat">
+      <a:schemeClr val="accent1">
+        <a:tint val="60000"/>
+      </a:schemeClr>
+    </dgm:fillClrLst>
+    <dgm:linClrLst meth="repeat">
+      <a:schemeClr val="accent1">
+        <a:tint val="60000"/>
+      </a:schemeClr>
+    </dgm:linClrLst>
+    <dgm:effectClrLst/>
+    <dgm:txLinClrLst/>
+    <dgm:txFillClrLst/>
+    <dgm:txEffectClrLst/>
+  </dgm:styleLbl>
+  <dgm:styleLbl name="lnNode1">
     <dgm:fillClrLst meth="repeat">
       <a:schemeClr val="accent1"/>
     </dgm:fillClrLst>
     <dgm:linClrLst meth="repeat">
-      <a:schemeClr val="accent1"/>
+      <a:schemeClr val="lt1"/>
     </dgm:linClrLst>
     <dgm:effectClrLst/>
     <dgm:txLinClrLst/>
-    <dgm:txFillClrLst meth="repeat">
+    <dgm:txFillClrLst/>
+    <dgm:txEffectClrLst/>
+  </dgm:styleLbl>
+  <dgm:styleLbl name="node0">
+    <dgm:fillClrLst meth="repeat">
+      <a:schemeClr val="accent1"/>
+    </dgm:fillClrLst>
+    <dgm:linClrLst meth="repeat">
       <a:schemeClr val="lt1"/>
-    </dgm:txFillClrLst>
+    </dgm:linClrLst>
+    <dgm:effectClrLst/>
+    <dgm:txLinClrLst/>
+    <dgm:txFillClrLst/>
+    <dgm:txEffectClrLst/>
+  </dgm:styleLbl>
+  <dgm:styleLbl name="node1">
+    <dgm:fillClrLst meth="repeat">
+      <a:schemeClr val="accent1"/>
+    </dgm:fillClrLst>
+    <dgm:linClrLst meth="repeat">
+      <a:schemeClr val="lt1"/>
+    </dgm:linClrLst>
+    <dgm:effectClrLst/>
+    <dgm:txLinClrLst/>
+    <dgm:txFillClrLst/>
+    <dgm:txEffectClrLst/>
+  </dgm:styleLbl>
+  <dgm:styleLbl name="node2">
+    <dgm:fillClrLst meth="repeat">
+      <a:schemeClr val="accent1"/>
+    </dgm:fillClrLst>
+    <dgm:linClrLst meth="repeat">
+      <a:schemeClr val="lt1"/>
+    </dgm:linClrLst>
+    <dgm:effectClrLst/>
+    <dgm:txLinClrLst/>
+    <dgm:txFillClrLst/>
+    <dgm:txEffectClrLst/>
+  </dgm:styleLbl>
+  <dgm:styleLbl name="node3">
+    <dgm:fillClrLst meth="repeat">
+      <a:schemeClr val="accent1"/>
+    </dgm:fillClrLst>
+    <dgm:linClrLst meth="repeat">
+      <a:schemeClr val="lt1"/>
+    </dgm:linClrLst>
+    <dgm:effectClrLst/>
+    <dgm:txLinClrLst/>
+    <dgm:txFillClrLst/>
+    <dgm:txEffectClrLst/>
+  </dgm:styleLbl>
+  <dgm:styleLbl name="node4">
+    <dgm:fillClrLst meth="repeat">
+      <a:schemeClr val="accent1"/>
+    </dgm:fillClrLst>
+    <dgm:linClrLst meth="repeat">
+      <a:schemeClr val="lt1"/>
+    </dgm:linClrLst>
+    <dgm:effectClrLst/>
+    <dgm:txLinClrLst/>
+    <dgm:txFillClrLst/>
     <dgm:txEffectClrLst/>
   </dgm:styleLbl>
   <dgm:styleLbl name="parChTrans1D1">
@@ -569,11 +696,27 @@
     </dgm:txFillClrLst>
     <dgm:txEffectClrLst/>
   </dgm:styleLbl>
-  <dgm:styleLbl name="fgAcc1">
+  <dgm:styleLbl name="parChTrans2D1">
     <dgm:fillClrLst meth="repeat">
-      <a:schemeClr val="lt1">
-        <a:alpha val="90000"/>
+      <a:schemeClr val="accent1">
+        <a:tint val="60000"/>
       </a:schemeClr>
+    </dgm:fillClrLst>
+    <dgm:linClrLst meth="repeat">
+      <a:schemeClr val="accent1">
+        <a:tint val="60000"/>
+      </a:schemeClr>
+    </dgm:linClrLst>
+    <dgm:effectClrLst/>
+    <dgm:txLinClrLst/>
+    <dgm:txFillClrLst meth="repeat">
+      <a:schemeClr val="lt1"/>
+    </dgm:txFillClrLst>
+    <dgm:txEffectClrLst/>
+  </dgm:styleLbl>
+  <dgm:styleLbl name="parChTrans2D2">
+    <dgm:fillClrLst meth="repeat">
+      <a:schemeClr val="accent1"/>
     </dgm:fillClrLst>
     <dgm:linClrLst meth="repeat">
       <a:schemeClr val="accent1"/>
@@ -581,15 +724,13 @@
     <dgm:effectClrLst/>
     <dgm:txLinClrLst/>
     <dgm:txFillClrLst meth="repeat">
-      <a:schemeClr val="dk1"/>
+      <a:schemeClr val="lt1"/>
     </dgm:txFillClrLst>
     <dgm:txEffectClrLst/>
   </dgm:styleLbl>
-  <dgm:styleLbl name="conFgAcc1">
+  <dgm:styleLbl name="parChTrans2D3">
     <dgm:fillClrLst meth="repeat">
-      <a:schemeClr val="lt1">
-        <a:alpha val="90000"/>
-      </a:schemeClr>
+      <a:schemeClr val="accent1"/>
     </dgm:fillClrLst>
     <dgm:linClrLst meth="repeat">
       <a:schemeClr val="accent1"/>
@@ -597,15 +738,13 @@
     <dgm:effectClrLst/>
     <dgm:txLinClrLst/>
     <dgm:txFillClrLst meth="repeat">
-      <a:schemeClr val="dk1"/>
+      <a:schemeClr val="lt1"/>
     </dgm:txFillClrLst>
     <dgm:txEffectClrLst/>
   </dgm:styleLbl>
-  <dgm:styleLbl name="alignAcc1">
+  <dgm:styleLbl name="parChTrans2D4">
     <dgm:fillClrLst meth="repeat">
-      <a:schemeClr val="lt1">
-        <a:alpha val="90000"/>
-      </a:schemeClr>
+      <a:schemeClr val="accent1"/>
     </dgm:fillClrLst>
     <dgm:linClrLst meth="repeat">
       <a:schemeClr val="accent1"/>
@@ -613,15 +752,31 @@
     <dgm:effectClrLst/>
     <dgm:txLinClrLst/>
     <dgm:txFillClrLst meth="repeat">
-      <a:schemeClr val="dk1"/>
+      <a:schemeClr val="lt1"/>
     </dgm:txFillClrLst>
     <dgm:txEffectClrLst/>
   </dgm:styleLbl>
-  <dgm:styleLbl name="trAlignAcc1">
+  <dgm:styleLbl name="revTx">
     <dgm:fillClrLst meth="repeat">
       <a:schemeClr val="lt1">
-        <a:alpha val="40000"/>
+        <a:alpha val="0"/>
       </a:schemeClr>
+    </dgm:fillClrLst>
+    <dgm:linClrLst meth="repeat">
+      <a:schemeClr val="dk1">
+        <a:alpha val="0"/>
+      </a:schemeClr>
+    </dgm:linClrLst>
+    <dgm:effectClrLst/>
+    <dgm:txLinClrLst/>
+    <dgm:txFillClrLst meth="repeat">
+      <a:schemeClr val="tx1"/>
+    </dgm:txFillClrLst>
+    <dgm:txEffectClrLst/>
+  </dgm:styleLbl>
+  <dgm:styleLbl name="sibTrans1D1">
+    <dgm:fillClrLst meth="repeat">
+      <a:schemeClr val="accent1"/>
     </dgm:fillClrLst>
     <dgm:linClrLst meth="repeat">
       <a:schemeClr val="accent1"/>
@@ -629,38 +784,24 @@
     <dgm:effectClrLst/>
     <dgm:txLinClrLst/>
     <dgm:txFillClrLst meth="repeat">
-      <a:schemeClr val="dk1"/>
+      <a:schemeClr val="tx1"/>
     </dgm:txFillClrLst>
     <dgm:txEffectClrLst/>
   </dgm:styleLbl>
-  <dgm:styleLbl name="bgAcc1">
+  <dgm:styleLbl name="sibTrans2D1">
     <dgm:fillClrLst meth="repeat">
-      <a:schemeClr val="lt1">
-        <a:alpha val="90000"/>
+      <a:schemeClr val="accent1">
+        <a:tint val="60000"/>
       </a:schemeClr>
     </dgm:fillClrLst>
     <dgm:linClrLst meth="repeat">
-      <a:schemeClr val="accent1"/>
+      <a:schemeClr val="accent1">
+        <a:tint val="60000"/>
+      </a:schemeClr>
     </dgm:linClrLst>
     <dgm:effectClrLst/>
     <dgm:txLinClrLst/>
-    <dgm:txFillClrLst meth="repeat">
-      <a:schemeClr val="dk1"/>
-    </dgm:txFillClrLst>
-    <dgm:txEffectClrLst/>
-  </dgm:styleLbl>
-  <dgm:styleLbl name="solidFgAcc1">
-    <dgm:fillClrLst meth="repeat">
-      <a:schemeClr val="lt1"/>
-    </dgm:fillClrLst>
-    <dgm:linClrLst meth="repeat">
-      <a:schemeClr val="accent1"/>
-    </dgm:linClrLst>
-    <dgm:effectClrLst/>
-    <dgm:txLinClrLst/>
-    <dgm:txFillClrLst meth="repeat">
-      <a:schemeClr val="dk1"/>
-    </dgm:txFillClrLst>
+    <dgm:txFillClrLst/>
     <dgm:txEffectClrLst/>
   </dgm:styleLbl>
   <dgm:styleLbl name="solidAlignAcc1">
@@ -691,18 +832,85 @@
     </dgm:txFillClrLst>
     <dgm:txEffectClrLst/>
   </dgm:styleLbl>
-  <dgm:styleLbl name="fgAccFollowNode1">
+  <dgm:styleLbl name="solidFgAcc1">
     <dgm:fillClrLst meth="repeat">
-      <a:schemeClr val="accent1">
-        <a:alpha val="90000"/>
-        <a:tint val="40000"/>
+      <a:schemeClr val="lt1"/>
+    </dgm:fillClrLst>
+    <dgm:linClrLst meth="repeat">
+      <a:schemeClr val="accent1"/>
+    </dgm:linClrLst>
+    <dgm:effectClrLst/>
+    <dgm:txLinClrLst/>
+    <dgm:txFillClrLst meth="repeat">
+      <a:schemeClr val="dk1"/>
+    </dgm:txFillClrLst>
+    <dgm:txEffectClrLst/>
+  </dgm:styleLbl>
+  <dgm:styleLbl name="trAlignAcc1">
+    <dgm:fillClrLst meth="repeat">
+      <a:schemeClr val="lt1">
+        <a:alpha val="40000"/>
       </a:schemeClr>
     </dgm:fillClrLst>
     <dgm:linClrLst meth="repeat">
+      <a:schemeClr val="accent1"/>
+    </dgm:linClrLst>
+    <dgm:effectClrLst/>
+    <dgm:txLinClrLst/>
+    <dgm:txFillClrLst meth="repeat">
+      <a:schemeClr val="dk1"/>
+    </dgm:txFillClrLst>
+    <dgm:txEffectClrLst/>
+  </dgm:styleLbl>
+  <dgm:styleLbl name="trBgShp">
+    <dgm:fillClrLst meth="repeat">
       <a:schemeClr val="accent1">
+        <a:tint val="50000"/>
+        <a:alpha val="40000"/>
+      </a:schemeClr>
+    </dgm:fillClrLst>
+    <dgm:linClrLst meth="repeat">
+      <a:schemeClr val="accent1"/>
+    </dgm:linClrLst>
+    <dgm:effectClrLst/>
+    <dgm:txLinClrLst/>
+    <dgm:txFillClrLst meth="repeat">
+      <a:schemeClr val="lt1"/>
+    </dgm:txFillClrLst>
+    <dgm:txEffectClrLst/>
+  </dgm:styleLbl>
+  <dgm:styleLbl name="vennNode1">
+    <dgm:fillClrLst meth="repeat">
+      <a:schemeClr val="accent1">
+        <a:alpha val="50000"/>
+      </a:schemeClr>
+    </dgm:fillClrLst>
+    <dgm:linClrLst meth="repeat">
+      <a:schemeClr val="lt1"/>
+    </dgm:linClrLst>
+    <dgm:effectClrLst/>
+    <dgm:txLinClrLst/>
+    <dgm:txFillClrLst/>
+    <dgm:txEffectClrLst/>
+  </dgm:styleLbl>
+</dgm:colorsDef>
+</file>
+
+<file path=ppt/diagrams/colors2.xml><?xml version="1.0" encoding="utf-8"?>
+<dgm:colorsDef xmlns:dgm="http://schemas.openxmlformats.org/drawingml/2006/diagram" xmlns:a="http://schemas.openxmlformats.org/drawingml/2006/main" uniqueId="urn:microsoft.com/office/officeart/2005/8/colors/accent1_2">
+  <dgm:title val=""/>
+  <dgm:desc val=""/>
+  <dgm:catLst>
+    <dgm:cat type="accent1" pri="11200"/>
+  </dgm:catLst>
+  <dgm:styleLbl name="alignAcc1">
+    <dgm:fillClrLst meth="repeat">
+      <a:schemeClr val="lt1">
         <a:alpha val="90000"/>
-        <a:tint val="40000"/>
       </a:schemeClr>
+    </dgm:fillClrLst>
+    <dgm:linClrLst meth="repeat">
+      <a:schemeClr val="accent1"/>
     </dgm:linClrLst>
     <dgm:effectClrLst/>
     <dgm:txLinClrLst/>
@@ -731,6 +939,110 @@
     </dgm:txFillClrLst>
     <dgm:txEffectClrLst/>
   </dgm:styleLbl>
+  <dgm:styleLbl name="alignImgPlace1">
+    <dgm:fillClrLst meth="repeat">
+      <a:schemeClr val="accent1">
+        <a:tint val="50000"/>
+      </a:schemeClr>
+    </dgm:fillClrLst>
+    <dgm:linClrLst meth="repeat">
+      <a:schemeClr val="lt1"/>
+    </dgm:linClrLst>
+    <dgm:effectClrLst/>
+    <dgm:txLinClrLst/>
+    <dgm:txFillClrLst meth="repeat">
+      <a:schemeClr val="lt1"/>
+    </dgm:txFillClrLst>
+    <dgm:txEffectClrLst/>
+  </dgm:styleLbl>
+  <dgm:styleLbl name="alignNode1">
+    <dgm:fillClrLst meth="repeat">
+      <a:schemeClr val="accent1"/>
+    </dgm:fillClrLst>
+    <dgm:linClrLst meth="repeat">
+      <a:schemeClr val="accent1"/>
+    </dgm:linClrLst>
+    <dgm:effectClrLst/>
+    <dgm:txLinClrLst/>
+    <dgm:txFillClrLst/>
+    <dgm:txEffectClrLst/>
+  </dgm:styleLbl>
+  <dgm:styleLbl name="asst0">
+    <dgm:fillClrLst meth="repeat">
+      <a:schemeClr val="accent1"/>
+    </dgm:fillClrLst>
+    <dgm:linClrLst meth="repeat">
+      <a:schemeClr val="lt1"/>
+    </dgm:linClrLst>
+    <dgm:effectClrLst/>
+    <dgm:txLinClrLst/>
+    <dgm:txFillClrLst/>
+    <dgm:txEffectClrLst/>
+  </dgm:styleLbl>
+  <dgm:styleLbl name="asst1">
+    <dgm:fillClrLst meth="repeat">
+      <a:schemeClr val="accent1"/>
+    </dgm:fillClrLst>
+    <dgm:linClrLst meth="repeat">
+      <a:schemeClr val="lt1"/>
+    </dgm:linClrLst>
+    <dgm:effectClrLst/>
+    <dgm:txLinClrLst/>
+    <dgm:txFillClrLst/>
+    <dgm:txEffectClrLst/>
+  </dgm:styleLbl>
+  <dgm:styleLbl name="asst2">
+    <dgm:fillClrLst meth="repeat">
+      <a:schemeClr val="accent1"/>
+    </dgm:fillClrLst>
+    <dgm:linClrLst meth="repeat">
+      <a:schemeClr val="lt1"/>
+    </dgm:linClrLst>
+    <dgm:effectClrLst/>
+    <dgm:txLinClrLst/>
+    <dgm:txFillClrLst/>
+    <dgm:txEffectClrLst/>
+  </dgm:styleLbl>
+  <dgm:styleLbl name="asst3">
+    <dgm:fillClrLst meth="repeat">
+      <a:schemeClr val="accent1"/>
+    </dgm:fillClrLst>
+    <dgm:linClrLst meth="repeat">
+      <a:schemeClr val="lt1"/>
+    </dgm:linClrLst>
+    <dgm:effectClrLst/>
+    <dgm:txLinClrLst/>
+    <dgm:txFillClrLst/>
+    <dgm:txEffectClrLst/>
+  </dgm:styleLbl>
+  <dgm:styleLbl name="asst4">
+    <dgm:fillClrLst meth="repeat">
+      <a:schemeClr val="accent1"/>
+    </dgm:fillClrLst>
+    <dgm:linClrLst meth="repeat">
+      <a:schemeClr val="lt1"/>
+    </dgm:linClrLst>
+    <dgm:effectClrLst/>
+    <dgm:txLinClrLst/>
+    <dgm:txFillClrLst/>
+    <dgm:txEffectClrLst/>
+  </dgm:styleLbl>
+  <dgm:styleLbl name="bgAcc1">
+    <dgm:fillClrLst meth="repeat">
+      <a:schemeClr val="lt1">
+        <a:alpha val="90000"/>
+      </a:schemeClr>
+    </dgm:fillClrLst>
+    <dgm:linClrLst meth="repeat">
+      <a:schemeClr val="accent1"/>
+    </dgm:linClrLst>
+    <dgm:effectClrLst/>
+    <dgm:txLinClrLst/>
+    <dgm:txFillClrLst meth="repeat">
+      <a:schemeClr val="dk1"/>
+    </dgm:txFillClrLst>
+    <dgm:txEffectClrLst/>
+  </dgm:styleLbl>
   <dgm:styleLbl name="bgAccFollowNode1">
     <dgm:fillClrLst meth="repeat">
       <a:schemeClr val="accent1">
@@ -751,7 +1063,119 @@
     </dgm:txFillClrLst>
     <dgm:txEffectClrLst/>
   </dgm:styleLbl>
+  <dgm:styleLbl name="bgImgPlace1">
+    <dgm:fillClrLst meth="repeat">
+      <a:schemeClr val="accent1">
+        <a:tint val="50000"/>
+      </a:schemeClr>
+    </dgm:fillClrLst>
+    <dgm:linClrLst meth="repeat">
+      <a:schemeClr val="lt1"/>
+    </dgm:linClrLst>
+    <dgm:effectClrLst/>
+    <dgm:txLinClrLst/>
+    <dgm:txFillClrLst meth="repeat">
+      <a:schemeClr val="lt1"/>
+    </dgm:txFillClrLst>
+    <dgm:txEffectClrLst/>
+  </dgm:styleLbl>
+  <dgm:styleLbl name="bgShp">
+    <dgm:fillClrLst meth="repeat">
+      <a:schemeClr val="accent1">
+        <a:tint val="40000"/>
+      </a:schemeClr>
+    </dgm:fillClrLst>
+    <dgm:linClrLst meth="repeat">
+      <a:schemeClr val="accent1"/>
+    </dgm:linClrLst>
+    <dgm:effectClrLst/>
+    <dgm:txLinClrLst/>
+    <dgm:txFillClrLst meth="repeat">
+      <a:schemeClr val="dk1"/>
+    </dgm:txFillClrLst>
+    <dgm:txEffectClrLst/>
+  </dgm:styleLbl>
+  <dgm:styleLbl name="bgSibTrans2D1">
+    <dgm:fillClrLst meth="repeat">
+      <a:schemeClr val="accent1">
+        <a:tint val="60000"/>
+      </a:schemeClr>
+    </dgm:fillClrLst>
+    <dgm:linClrLst meth="repeat">
+      <a:schemeClr val="accent1">
+        <a:tint val="60000"/>
+      </a:schemeClr>
+    </dgm:linClrLst>
+    <dgm:effectClrLst/>
+    <dgm:txLinClrLst/>
+    <dgm:txFillClrLst/>
+    <dgm:txEffectClrLst/>
+  </dgm:styleLbl>
+  <dgm:styleLbl name="callout">
+    <dgm:fillClrLst meth="repeat">
+      <a:schemeClr val="accent1"/>
+    </dgm:fillClrLst>
+    <dgm:linClrLst meth="repeat">
+      <a:schemeClr val="accent1">
+        <a:tint val="50000"/>
+      </a:schemeClr>
+    </dgm:linClrLst>
+    <dgm:effectClrLst/>
+    <dgm:txLinClrLst/>
+    <dgm:txFillClrLst meth="repeat">
+      <a:schemeClr val="tx1"/>
+    </dgm:txFillClrLst>
+    <dgm:txEffectClrLst/>
+  </dgm:styleLbl>
+  <dgm:styleLbl name="conFgAcc1">
+    <dgm:fillClrLst meth="repeat">
+      <a:schemeClr val="lt1">
+        <a:alpha val="90000"/>
+      </a:schemeClr>
+    </dgm:fillClrLst>
+    <dgm:linClrLst meth="repeat">
+      <a:schemeClr val="accent1"/>
+    </dgm:linClrLst>
+    <dgm:effectClrLst/>
+    <dgm:txLinClrLst/>
+    <dgm:txFillClrLst meth="repeat">
+      <a:schemeClr val="dk1"/>
+    </dgm:txFillClrLst>
+    <dgm:txEffectClrLst/>
+  </dgm:styleLbl>
+  <dgm:styleLbl name="dkBgShp">
+    <dgm:fillClrLst meth="repeat">
+      <a:schemeClr val="accent1">
+        <a:shade val="80000"/>
+      </a:schemeClr>
+    </dgm:fillClrLst>
+    <dgm:linClrLst meth="repeat">
+      <a:schemeClr val="accent1"/>
+    </dgm:linClrLst>
+    <dgm:effectClrLst/>
+    <dgm:txLinClrLst/>
+    <dgm:txFillClrLst meth="repeat">
+      <a:schemeClr val="lt1"/>
+    </dgm:txFillClrLst>
+    <dgm:txEffectClrLst/>
+  </dgm:styleLbl>
   <dgm:styleLbl name="fgAcc0">
+    <dgm:fillClrLst meth="repeat">
+      <a:schemeClr val="lt1">
+        <a:alpha val="90000"/>
+      </a:schemeClr>
+    </dgm:fillClrLst>
+    <dgm:linClrLst meth="repeat">
+      <a:schemeClr val="accent1"/>
+    </dgm:linClrLst>
+    <dgm:effectClrLst/>
+    <dgm:txLinClrLst/>
+    <dgm:txFillClrLst meth="repeat">
+      <a:schemeClr val="dk1"/>
+    </dgm:txFillClrLst>
+    <dgm:txEffectClrLst/>
+  </dgm:styleLbl>
+  <dgm:styleLbl name="fgAcc1">
     <dgm:fillClrLst meth="repeat">
       <a:schemeClr val="lt1">
         <a:alpha val="90000"/>
@@ -815,14 +1239,18 @@
     </dgm:txFillClrLst>
     <dgm:txEffectClrLst/>
   </dgm:styleLbl>
-  <dgm:styleLbl name="bgShp">
+  <dgm:styleLbl name="fgAccFollowNode1">
     <dgm:fillClrLst meth="repeat">
       <a:schemeClr val="accent1">
+        <a:alpha val="90000"/>
         <a:tint val="40000"/>
       </a:schemeClr>
     </dgm:fillClrLst>
     <dgm:linClrLst meth="repeat">
-      <a:schemeClr val="accent1"/>
+      <a:schemeClr val="accent1">
+        <a:alpha val="90000"/>
+        <a:tint val="40000"/>
+      </a:schemeClr>
     </dgm:linClrLst>
     <dgm:effectClrLst/>
     <dgm:txLinClrLst/>
@@ -831,31 +1259,14 @@
     </dgm:txFillClrLst>
     <dgm:txEffectClrLst/>
   </dgm:styleLbl>
-  <dgm:styleLbl name="dkBgShp">
+  <dgm:styleLbl name="fgImgPlace1">
     <dgm:fillClrLst meth="repeat">
       <a:schemeClr val="accent1">
-        <a:shade val="80000"/>
+        <a:tint val="50000"/>
       </a:schemeClr>
     </dgm:fillClrLst>
     <dgm:linClrLst meth="repeat">
-      <a:schemeClr val="accent1"/>
-    </dgm:linClrLst>
-    <dgm:effectClrLst/>
-    <dgm:txLinClrLst/>
-    <dgm:txFillClrLst meth="repeat">
       <a:schemeClr val="lt1"/>
-    </dgm:txFillClrLst>
-    <dgm:txEffectClrLst/>
-  </dgm:styleLbl>
-  <dgm:styleLbl name="trBgShp">
-    <dgm:fillClrLst meth="repeat">
-      <a:schemeClr val="accent1">
-        <a:tint val="50000"/>
-        <a:alpha val="40000"/>
-      </a:schemeClr>
-    </dgm:fillClrLst>
-    <dgm:linClrLst meth="repeat">
-      <a:schemeClr val="accent1"/>
     </dgm:linClrLst>
     <dgm:effectClrLst/>
     <dgm:txLinClrLst/>
@@ -880,64 +1291,16 @@
     </dgm:txFillClrLst>
     <dgm:txEffectClrLst/>
   </dgm:styleLbl>
-  <dgm:styleLbl name="revTx">
+  <dgm:styleLbl name="fgSibTrans2D1">
     <dgm:fillClrLst meth="repeat">
-      <a:schemeClr val="lt1">
-        <a:alpha val="0"/>
+      <a:schemeClr val="accent1">
+        <a:tint val="60000"/>
       </a:schemeClr>
     </dgm:fillClrLst>
     <dgm:linClrLst meth="repeat">
-      <a:schemeClr val="dk1">
-        <a:alpha val="0"/>
+      <a:schemeClr val="accent1">
+        <a:tint val="60000"/>
       </a:schemeClr>
-    </dgm:linClrLst>
-    <dgm:effectClrLst/>
-    <dgm:txLinClrLst/>
-    <dgm:txFillClrLst meth="repeat">
-      <a:schemeClr val="tx1"/>
-    </dgm:txFillClrLst>
-    <dgm:txEffectClrLst/>
-  </dgm:styleLbl>
-</dgm:colorsDef>
-</file>
-
-<file path=ppt/diagrams/colors2.xml><?xml version="1.0" encoding="utf-8"?>
-<dgm:colorsDef xmlns:dgm="http://schemas.openxmlformats.org/drawingml/2006/diagram" xmlns:a="http://schemas.openxmlformats.org/drawingml/2006/main" uniqueId="urn:microsoft.com/office/officeart/2005/8/colors/accent1_2">
-  <dgm:title val=""/>
-  <dgm:desc val=""/>
-  <dgm:catLst>
-    <dgm:cat type="accent1" pri="11200"/>
-  </dgm:catLst>
-  <dgm:styleLbl name="node0">
-    <dgm:fillClrLst meth="repeat">
-      <a:schemeClr val="accent1"/>
-    </dgm:fillClrLst>
-    <dgm:linClrLst meth="repeat">
-      <a:schemeClr val="lt1"/>
-    </dgm:linClrLst>
-    <dgm:effectClrLst/>
-    <dgm:txLinClrLst/>
-    <dgm:txFillClrLst/>
-    <dgm:txEffectClrLst/>
-  </dgm:styleLbl>
-  <dgm:styleLbl name="alignNode1">
-    <dgm:fillClrLst meth="repeat">
-      <a:schemeClr val="accent1"/>
-    </dgm:fillClrLst>
-    <dgm:linClrLst meth="repeat">
-      <a:schemeClr val="accent1"/>
-    </dgm:linClrLst>
-    <dgm:effectClrLst/>
-    <dgm:txLinClrLst/>
-    <dgm:txFillClrLst/>
-    <dgm:txEffectClrLst/>
-  </dgm:styleLbl>
-  <dgm:styleLbl name="node1">
-    <dgm:fillClrLst meth="repeat">
-      <a:schemeClr val="accent1"/>
-    </dgm:fillClrLst>
-    <dgm:linClrLst meth="repeat">
-      <a:schemeClr val="lt1"/>
     </dgm:linClrLst>
     <dgm:effectClrLst/>
     <dgm:txLinClrLst/>
@@ -956,11 +1319,21 @@
     <dgm:txFillClrLst/>
     <dgm:txEffectClrLst/>
   </dgm:styleLbl>
-  <dgm:styleLbl name="vennNode1">
+  <dgm:styleLbl name="node0">
     <dgm:fillClrLst meth="repeat">
-      <a:schemeClr val="accent1">
-        <a:alpha val="50000"/>
-      </a:schemeClr>
+      <a:schemeClr val="accent1"/>
+    </dgm:fillClrLst>
+    <dgm:linClrLst meth="repeat">
+      <a:schemeClr val="lt1"/>
+    </dgm:linClrLst>
+    <dgm:effectClrLst/>
+    <dgm:txLinClrLst/>
+    <dgm:txFillClrLst/>
+    <dgm:txEffectClrLst/>
+  </dgm:styleLbl>
+  <dgm:styleLbl name="node1">
+    <dgm:fillClrLst meth="repeat">
+      <a:schemeClr val="accent1"/>
     </dgm:fillClrLst>
     <dgm:linClrLst meth="repeat">
       <a:schemeClr val="lt1"/>
@@ -1004,252 +1377,6 @@
     <dgm:effectClrLst/>
     <dgm:txLinClrLst/>
     <dgm:txFillClrLst/>
-    <dgm:txEffectClrLst/>
-  </dgm:styleLbl>
-  <dgm:styleLbl name="fgImgPlace1">
-    <dgm:fillClrLst meth="repeat">
-      <a:schemeClr val="accent1">
-        <a:tint val="50000"/>
-      </a:schemeClr>
-    </dgm:fillClrLst>
-    <dgm:linClrLst meth="repeat">
-      <a:schemeClr val="lt1"/>
-    </dgm:linClrLst>
-    <dgm:effectClrLst/>
-    <dgm:txLinClrLst/>
-    <dgm:txFillClrLst meth="repeat">
-      <a:schemeClr val="lt1"/>
-    </dgm:txFillClrLst>
-    <dgm:txEffectClrLst/>
-  </dgm:styleLbl>
-  <dgm:styleLbl name="alignImgPlace1">
-    <dgm:fillClrLst meth="repeat">
-      <a:schemeClr val="accent1">
-        <a:tint val="50000"/>
-      </a:schemeClr>
-    </dgm:fillClrLst>
-    <dgm:linClrLst meth="repeat">
-      <a:schemeClr val="lt1"/>
-    </dgm:linClrLst>
-    <dgm:effectClrLst/>
-    <dgm:txLinClrLst/>
-    <dgm:txFillClrLst meth="repeat">
-      <a:schemeClr val="lt1"/>
-    </dgm:txFillClrLst>
-    <dgm:txEffectClrLst/>
-  </dgm:styleLbl>
-  <dgm:styleLbl name="bgImgPlace1">
-    <dgm:fillClrLst meth="repeat">
-      <a:schemeClr val="accent1">
-        <a:tint val="50000"/>
-      </a:schemeClr>
-    </dgm:fillClrLst>
-    <dgm:linClrLst meth="repeat">
-      <a:schemeClr val="lt1"/>
-    </dgm:linClrLst>
-    <dgm:effectClrLst/>
-    <dgm:txLinClrLst/>
-    <dgm:txFillClrLst meth="repeat">
-      <a:schemeClr val="lt1"/>
-    </dgm:txFillClrLst>
-    <dgm:txEffectClrLst/>
-  </dgm:styleLbl>
-  <dgm:styleLbl name="sibTrans2D1">
-    <dgm:fillClrLst meth="repeat">
-      <a:schemeClr val="accent1">
-        <a:tint val="60000"/>
-      </a:schemeClr>
-    </dgm:fillClrLst>
-    <dgm:linClrLst meth="repeat">
-      <a:schemeClr val="accent1">
-        <a:tint val="60000"/>
-      </a:schemeClr>
-    </dgm:linClrLst>
-    <dgm:effectClrLst/>
-    <dgm:txLinClrLst/>
-    <dgm:txFillClrLst/>
-    <dgm:txEffectClrLst/>
-  </dgm:styleLbl>
-  <dgm:styleLbl name="fgSibTrans2D1">
-    <dgm:fillClrLst meth="repeat">
-      <a:schemeClr val="accent1">
-        <a:tint val="60000"/>
-      </a:schemeClr>
-    </dgm:fillClrLst>
-    <dgm:linClrLst meth="repeat">
-      <a:schemeClr val="accent1">
-        <a:tint val="60000"/>
-      </a:schemeClr>
-    </dgm:linClrLst>
-    <dgm:effectClrLst/>
-    <dgm:txLinClrLst/>
-    <dgm:txFillClrLst/>
-    <dgm:txEffectClrLst/>
-  </dgm:styleLbl>
-  <dgm:styleLbl name="bgSibTrans2D1">
-    <dgm:fillClrLst meth="repeat">
-      <a:schemeClr val="accent1">
-        <a:tint val="60000"/>
-      </a:schemeClr>
-    </dgm:fillClrLst>
-    <dgm:linClrLst meth="repeat">
-      <a:schemeClr val="accent1">
-        <a:tint val="60000"/>
-      </a:schemeClr>
-    </dgm:linClrLst>
-    <dgm:effectClrLst/>
-    <dgm:txLinClrLst/>
-    <dgm:txFillClrLst/>
-    <dgm:txEffectClrLst/>
-  </dgm:styleLbl>
-  <dgm:styleLbl name="sibTrans1D1">
-    <dgm:fillClrLst meth="repeat">
-      <a:schemeClr val="accent1"/>
-    </dgm:fillClrLst>
-    <dgm:linClrLst meth="repeat">
-      <a:schemeClr val="accent1"/>
-    </dgm:linClrLst>
-    <dgm:effectClrLst/>
-    <dgm:txLinClrLst/>
-    <dgm:txFillClrLst meth="repeat">
-      <a:schemeClr val="tx1"/>
-    </dgm:txFillClrLst>
-    <dgm:txEffectClrLst/>
-  </dgm:styleLbl>
-  <dgm:styleLbl name="callout">
-    <dgm:fillClrLst meth="repeat">
-      <a:schemeClr val="accent1"/>
-    </dgm:fillClrLst>
-    <dgm:linClrLst meth="repeat">
-      <a:schemeClr val="accent1">
-        <a:tint val="50000"/>
-      </a:schemeClr>
-    </dgm:linClrLst>
-    <dgm:effectClrLst/>
-    <dgm:txLinClrLst/>
-    <dgm:txFillClrLst meth="repeat">
-      <a:schemeClr val="tx1"/>
-    </dgm:txFillClrLst>
-    <dgm:txEffectClrLst/>
-  </dgm:styleLbl>
-  <dgm:styleLbl name="asst0">
-    <dgm:fillClrLst meth="repeat">
-      <a:schemeClr val="accent1"/>
-    </dgm:fillClrLst>
-    <dgm:linClrLst meth="repeat">
-      <a:schemeClr val="lt1"/>
-    </dgm:linClrLst>
-    <dgm:effectClrLst/>
-    <dgm:txLinClrLst/>
-    <dgm:txFillClrLst/>
-    <dgm:txEffectClrLst/>
-  </dgm:styleLbl>
-  <dgm:styleLbl name="asst1">
-    <dgm:fillClrLst meth="repeat">
-      <a:schemeClr val="accent1"/>
-    </dgm:fillClrLst>
-    <dgm:linClrLst meth="repeat">
-      <a:schemeClr val="lt1"/>
-    </dgm:linClrLst>
-    <dgm:effectClrLst/>
-    <dgm:txLinClrLst/>
-    <dgm:txFillClrLst/>
-    <dgm:txEffectClrLst/>
-  </dgm:styleLbl>
-  <dgm:styleLbl name="asst2">
-    <dgm:fillClrLst meth="repeat">
-      <a:schemeClr val="accent1"/>
-    </dgm:fillClrLst>
-    <dgm:linClrLst meth="repeat">
-      <a:schemeClr val="lt1"/>
-    </dgm:linClrLst>
-    <dgm:effectClrLst/>
-    <dgm:txLinClrLst/>
-    <dgm:txFillClrLst/>
-    <dgm:txEffectClrLst/>
-  </dgm:styleLbl>
-  <dgm:styleLbl name="asst3">
-    <dgm:fillClrLst meth="repeat">
-      <a:schemeClr val="accent1"/>
-    </dgm:fillClrLst>
-    <dgm:linClrLst meth="repeat">
-      <a:schemeClr val="lt1"/>
-    </dgm:linClrLst>
-    <dgm:effectClrLst/>
-    <dgm:txLinClrLst/>
-    <dgm:txFillClrLst/>
-    <dgm:txEffectClrLst/>
-  </dgm:styleLbl>
-  <dgm:styleLbl name="asst4">
-    <dgm:fillClrLst meth="repeat">
-      <a:schemeClr val="accent1"/>
-    </dgm:fillClrLst>
-    <dgm:linClrLst meth="repeat">
-      <a:schemeClr val="lt1"/>
-    </dgm:linClrLst>
-    <dgm:effectClrLst/>
-    <dgm:txLinClrLst/>
-    <dgm:txFillClrLst/>
-    <dgm:txEffectClrLst/>
-  </dgm:styleLbl>
-  <dgm:styleLbl name="parChTrans2D1">
-    <dgm:fillClrLst meth="repeat">
-      <a:schemeClr val="accent1">
-        <a:tint val="60000"/>
-      </a:schemeClr>
-    </dgm:fillClrLst>
-    <dgm:linClrLst meth="repeat">
-      <a:schemeClr val="accent1">
-        <a:tint val="60000"/>
-      </a:schemeClr>
-    </dgm:linClrLst>
-    <dgm:effectClrLst/>
-    <dgm:txLinClrLst/>
-    <dgm:txFillClrLst meth="repeat">
-      <a:schemeClr val="lt1"/>
-    </dgm:txFillClrLst>
-    <dgm:txEffectClrLst/>
-  </dgm:styleLbl>
-  <dgm:styleLbl name="parChTrans2D2">
-    <dgm:fillClrLst meth="repeat">
-      <a:schemeClr val="accent1"/>
-    </dgm:fillClrLst>
-    <dgm:linClrLst meth="repeat">
-      <a:schemeClr val="accent1"/>
-    </dgm:linClrLst>
-    <dgm:effectClrLst/>
-    <dgm:txLinClrLst/>
-    <dgm:txFillClrLst meth="repeat">
-      <a:schemeClr val="lt1"/>
-    </dgm:txFillClrLst>
-    <dgm:txEffectClrLst/>
-  </dgm:styleLbl>
-  <dgm:styleLbl name="parChTrans2D3">
-    <dgm:fillClrLst meth="repeat">
-      <a:schemeClr val="accent1"/>
-    </dgm:fillClrLst>
-    <dgm:linClrLst meth="repeat">
-      <a:schemeClr val="accent1"/>
-    </dgm:linClrLst>
-    <dgm:effectClrLst/>
-    <dgm:txLinClrLst/>
-    <dgm:txFillClrLst meth="repeat">
-      <a:schemeClr val="lt1"/>
-    </dgm:txFillClrLst>
-    <dgm:txEffectClrLst/>
-  </dgm:styleLbl>
-  <dgm:styleLbl name="parChTrans2D4">
-    <dgm:fillClrLst meth="repeat">
-      <a:schemeClr val="accent1"/>
-    </dgm:fillClrLst>
-    <dgm:linClrLst meth="repeat">
-      <a:schemeClr val="accent1"/>
-    </dgm:linClrLst>
-    <dgm:effectClrLst/>
-    <dgm:txLinClrLst/>
-    <dgm:txFillClrLst meth="repeat">
-      <a:schemeClr val="lt1"/>
-    </dgm:txFillClrLst>
     <dgm:txEffectClrLst/>
   </dgm:styleLbl>
   <dgm:styleLbl name="parChTrans1D1">
@@ -1316,11 +1443,27 @@
     </dgm:txFillClrLst>
     <dgm:txEffectClrLst/>
   </dgm:styleLbl>
-  <dgm:styleLbl name="fgAcc1">
+  <dgm:styleLbl name="parChTrans2D1">
     <dgm:fillClrLst meth="repeat">
-      <a:schemeClr val="lt1">
-        <a:alpha val="90000"/>
+      <a:schemeClr val="accent1">
+        <a:tint val="60000"/>
       </a:schemeClr>
+    </dgm:fillClrLst>
+    <dgm:linClrLst meth="repeat">
+      <a:schemeClr val="accent1">
+        <a:tint val="60000"/>
+      </a:schemeClr>
+    </dgm:linClrLst>
+    <dgm:effectClrLst/>
+    <dgm:txLinClrLst/>
+    <dgm:txFillClrLst meth="repeat">
+      <a:schemeClr val="lt1"/>
+    </dgm:txFillClrLst>
+    <dgm:txEffectClrLst/>
+  </dgm:styleLbl>
+  <dgm:styleLbl name="parChTrans2D2">
+    <dgm:fillClrLst meth="repeat">
+      <a:schemeClr val="accent1"/>
     </dgm:fillClrLst>
     <dgm:linClrLst meth="repeat">
       <a:schemeClr val="accent1"/>
@@ -1328,15 +1471,13 @@
     <dgm:effectClrLst/>
     <dgm:txLinClrLst/>
     <dgm:txFillClrLst meth="repeat">
-      <a:schemeClr val="dk1"/>
+      <a:schemeClr val="lt1"/>
     </dgm:txFillClrLst>
     <dgm:txEffectClrLst/>
   </dgm:styleLbl>
-  <dgm:styleLbl name="conFgAcc1">
+  <dgm:styleLbl name="parChTrans2D3">
     <dgm:fillClrLst meth="repeat">
-      <a:schemeClr val="lt1">
-        <a:alpha val="90000"/>
-      </a:schemeClr>
+      <a:schemeClr val="accent1"/>
     </dgm:fillClrLst>
     <dgm:linClrLst meth="repeat">
       <a:schemeClr val="accent1"/>
@@ -1344,15 +1485,13 @@
     <dgm:effectClrLst/>
     <dgm:txLinClrLst/>
     <dgm:txFillClrLst meth="repeat">
-      <a:schemeClr val="dk1"/>
+      <a:schemeClr val="lt1"/>
     </dgm:txFillClrLst>
     <dgm:txEffectClrLst/>
   </dgm:styleLbl>
-  <dgm:styleLbl name="alignAcc1">
+  <dgm:styleLbl name="parChTrans2D4">
     <dgm:fillClrLst meth="repeat">
-      <a:schemeClr val="lt1">
-        <a:alpha val="90000"/>
-      </a:schemeClr>
+      <a:schemeClr val="accent1"/>
     </dgm:fillClrLst>
     <dgm:linClrLst meth="repeat">
       <a:schemeClr val="accent1"/>
@@ -1360,15 +1499,31 @@
     <dgm:effectClrLst/>
     <dgm:txLinClrLst/>
     <dgm:txFillClrLst meth="repeat">
-      <a:schemeClr val="dk1"/>
+      <a:schemeClr val="lt1"/>
     </dgm:txFillClrLst>
     <dgm:txEffectClrLst/>
   </dgm:styleLbl>
-  <dgm:styleLbl name="trAlignAcc1">
+  <dgm:styleLbl name="revTx">
     <dgm:fillClrLst meth="repeat">
       <a:schemeClr val="lt1">
-        <a:alpha val="40000"/>
+        <a:alpha val="0"/>
       </a:schemeClr>
+    </dgm:fillClrLst>
+    <dgm:linClrLst meth="repeat">
+      <a:schemeClr val="dk1">
+        <a:alpha val="0"/>
+      </a:schemeClr>
+    </dgm:linClrLst>
+    <dgm:effectClrLst/>
+    <dgm:txLinClrLst/>
+    <dgm:txFillClrLst meth="repeat">
+      <a:schemeClr val="tx1"/>
+    </dgm:txFillClrLst>
+    <dgm:txEffectClrLst/>
+  </dgm:styleLbl>
+  <dgm:styleLbl name="sibTrans1D1">
+    <dgm:fillClrLst meth="repeat">
+      <a:schemeClr val="accent1"/>
     </dgm:fillClrLst>
     <dgm:linClrLst meth="repeat">
       <a:schemeClr val="accent1"/>
@@ -1376,38 +1531,24 @@
     <dgm:effectClrLst/>
     <dgm:txLinClrLst/>
     <dgm:txFillClrLst meth="repeat">
-      <a:schemeClr val="dk1"/>
+      <a:schemeClr val="tx1"/>
     </dgm:txFillClrLst>
     <dgm:txEffectClrLst/>
   </dgm:styleLbl>
-  <dgm:styleLbl name="bgAcc1">
+  <dgm:styleLbl name="sibTrans2D1">
     <dgm:fillClrLst meth="repeat">
-      <a:schemeClr val="lt1">
-        <a:alpha val="90000"/>
+      <a:schemeClr val="accent1">
+        <a:tint val="60000"/>
       </a:schemeClr>
     </dgm:fillClrLst>
     <dgm:linClrLst meth="repeat">
-      <a:schemeClr val="accent1"/>
+      <a:schemeClr val="accent1">
+        <a:tint val="60000"/>
+      </a:schemeClr>
     </dgm:linClrLst>
     <dgm:effectClrLst/>
     <dgm:txLinClrLst/>
-    <dgm:txFillClrLst meth="repeat">
-      <a:schemeClr val="dk1"/>
-    </dgm:txFillClrLst>
-    <dgm:txEffectClrLst/>
-  </dgm:styleLbl>
-  <dgm:styleLbl name="solidFgAcc1">
-    <dgm:fillClrLst meth="repeat">
-      <a:schemeClr val="lt1"/>
-    </dgm:fillClrLst>
-    <dgm:linClrLst meth="repeat">
-      <a:schemeClr val="accent1"/>
-    </dgm:linClrLst>
-    <dgm:effectClrLst/>
-    <dgm:txLinClrLst/>
-    <dgm:txFillClrLst meth="repeat">
-      <a:schemeClr val="dk1"/>
-    </dgm:txFillClrLst>
+    <dgm:txFillClrLst/>
     <dgm:txEffectClrLst/>
   </dgm:styleLbl>
   <dgm:styleLbl name="solidAlignAcc1">
@@ -1438,71 +1579,9 @@
     </dgm:txFillClrLst>
     <dgm:txEffectClrLst/>
   </dgm:styleLbl>
-  <dgm:styleLbl name="fgAccFollowNode1">
+  <dgm:styleLbl name="solidFgAcc1">
     <dgm:fillClrLst meth="repeat">
-      <a:schemeClr val="accent1">
-        <a:alpha val="90000"/>
-        <a:tint val="40000"/>
-      </a:schemeClr>
-    </dgm:fillClrLst>
-    <dgm:linClrLst meth="repeat">
-      <a:schemeClr val="accent1">
-        <a:alpha val="90000"/>
-        <a:tint val="40000"/>
-      </a:schemeClr>
-    </dgm:linClrLst>
-    <dgm:effectClrLst/>
-    <dgm:txLinClrLst/>
-    <dgm:txFillClrLst meth="repeat">
-      <a:schemeClr val="dk1"/>
-    </dgm:txFillClrLst>
-    <dgm:txEffectClrLst/>
-  </dgm:styleLbl>
-  <dgm:styleLbl name="alignAccFollowNode1">
-    <dgm:fillClrLst meth="repeat">
-      <a:schemeClr val="accent1">
-        <a:alpha val="90000"/>
-        <a:tint val="40000"/>
-      </a:schemeClr>
-    </dgm:fillClrLst>
-    <dgm:linClrLst meth="repeat">
-      <a:schemeClr val="accent1">
-        <a:alpha val="90000"/>
-        <a:tint val="40000"/>
-      </a:schemeClr>
-    </dgm:linClrLst>
-    <dgm:effectClrLst/>
-    <dgm:txLinClrLst/>
-    <dgm:txFillClrLst meth="repeat">
-      <a:schemeClr val="dk1"/>
-    </dgm:txFillClrLst>
-    <dgm:txEffectClrLst/>
-  </dgm:styleLbl>
-  <dgm:styleLbl name="bgAccFollowNode1">
-    <dgm:fillClrLst meth="repeat">
-      <a:schemeClr val="accent1">
-        <a:alpha val="90000"/>
-        <a:tint val="40000"/>
-      </a:schemeClr>
-    </dgm:fillClrLst>
-    <dgm:linClrLst meth="repeat">
-      <a:schemeClr val="accent1">
-        <a:alpha val="90000"/>
-        <a:tint val="40000"/>
-      </a:schemeClr>
-    </dgm:linClrLst>
-    <dgm:effectClrLst/>
-    <dgm:txLinClrLst/>
-    <dgm:txFillClrLst meth="repeat">
-      <a:schemeClr val="dk1"/>
-    </dgm:txFillClrLst>
-    <dgm:txEffectClrLst/>
-  </dgm:styleLbl>
-  <dgm:styleLbl name="fgAcc0">
-    <dgm:fillClrLst meth="repeat">
-      <a:schemeClr val="lt1">
-        <a:alpha val="90000"/>
-      </a:schemeClr>
+      <a:schemeClr val="lt1"/>
     </dgm:fillClrLst>
     <dgm:linClrLst meth="repeat">
       <a:schemeClr val="accent1"/>
@@ -1514,10 +1593,10 @@
     </dgm:txFillClrLst>
     <dgm:txEffectClrLst/>
   </dgm:styleLbl>
-  <dgm:styleLbl name="fgAcc2">
+  <dgm:styleLbl name="trAlignAcc1">
     <dgm:fillClrLst meth="repeat">
       <a:schemeClr val="lt1">
-        <a:alpha val="90000"/>
+        <a:alpha val="40000"/>
       </a:schemeClr>
     </dgm:fillClrLst>
     <dgm:linClrLst meth="repeat">
@@ -1527,70 +1606,6 @@
     <dgm:txLinClrLst/>
     <dgm:txFillClrLst meth="repeat">
       <a:schemeClr val="dk1"/>
-    </dgm:txFillClrLst>
-    <dgm:txEffectClrLst/>
-  </dgm:styleLbl>
-  <dgm:styleLbl name="fgAcc3">
-    <dgm:fillClrLst meth="repeat">
-      <a:schemeClr val="lt1">
-        <a:alpha val="90000"/>
-      </a:schemeClr>
-    </dgm:fillClrLst>
-    <dgm:linClrLst meth="repeat">
-      <a:schemeClr val="accent1"/>
-    </dgm:linClrLst>
-    <dgm:effectClrLst/>
-    <dgm:txLinClrLst/>
-    <dgm:txFillClrLst meth="repeat">
-      <a:schemeClr val="dk1"/>
-    </dgm:txFillClrLst>
-    <dgm:txEffectClrLst/>
-  </dgm:styleLbl>
-  <dgm:styleLbl name="fgAcc4">
-    <dgm:fillClrLst meth="repeat">
-      <a:schemeClr val="lt1">
-        <a:alpha val="90000"/>
-      </a:schemeClr>
-    </dgm:fillClrLst>
-    <dgm:linClrLst meth="repeat">
-      <a:schemeClr val="accent1"/>
-    </dgm:linClrLst>
-    <dgm:effectClrLst/>
-    <dgm:txLinClrLst/>
-    <dgm:txFillClrLst meth="repeat">
-      <a:schemeClr val="dk1"/>
-    </dgm:txFillClrLst>
-    <dgm:txEffectClrLst/>
-  </dgm:styleLbl>
-  <dgm:styleLbl name="bgShp">
-    <dgm:fillClrLst meth="repeat">
-      <a:schemeClr val="accent1">
-        <a:tint val="40000"/>
-      </a:schemeClr>
-    </dgm:fillClrLst>
-    <dgm:linClrLst meth="repeat">
-      <a:schemeClr val="accent1"/>
-    </dgm:linClrLst>
-    <dgm:effectClrLst/>
-    <dgm:txLinClrLst/>
-    <dgm:txFillClrLst meth="repeat">
-      <a:schemeClr val="dk1"/>
-    </dgm:txFillClrLst>
-    <dgm:txEffectClrLst/>
-  </dgm:styleLbl>
-  <dgm:styleLbl name="dkBgShp">
-    <dgm:fillClrLst meth="repeat">
-      <a:schemeClr val="accent1">
-        <a:shade val="80000"/>
-      </a:schemeClr>
-    </dgm:fillClrLst>
-    <dgm:linClrLst meth="repeat">
-      <a:schemeClr val="accent1"/>
-    </dgm:linClrLst>
-    <dgm:effectClrLst/>
-    <dgm:txLinClrLst/>
-    <dgm:txFillClrLst meth="repeat">
-      <a:schemeClr val="lt1"/>
     </dgm:txFillClrLst>
     <dgm:txEffectClrLst/>
   </dgm:styleLbl>
@@ -1611,10 +1626,10 @@
     </dgm:txFillClrLst>
     <dgm:txEffectClrLst/>
   </dgm:styleLbl>
-  <dgm:styleLbl name="fgShp">
+  <dgm:styleLbl name="vennNode1">
     <dgm:fillClrLst meth="repeat">
       <a:schemeClr val="accent1">
-        <a:tint val="60000"/>
+        <a:alpha val="50000"/>
       </a:schemeClr>
     </dgm:fillClrLst>
     <dgm:linClrLst meth="repeat">
@@ -1622,27 +1637,7 @@
     </dgm:linClrLst>
     <dgm:effectClrLst/>
     <dgm:txLinClrLst/>
-    <dgm:txFillClrLst meth="repeat">
-      <a:schemeClr val="dk1"/>
-    </dgm:txFillClrLst>
-    <dgm:txEffectClrLst/>
-  </dgm:styleLbl>
-  <dgm:styleLbl name="revTx">
-    <dgm:fillClrLst meth="repeat">
-      <a:schemeClr val="lt1">
-        <a:alpha val="0"/>
-      </a:schemeClr>
-    </dgm:fillClrLst>
-    <dgm:linClrLst meth="repeat">
-      <a:schemeClr val="dk1">
-        <a:alpha val="0"/>
-      </a:schemeClr>
-    </dgm:linClrLst>
-    <dgm:effectClrLst/>
-    <dgm:txLinClrLst/>
-    <dgm:txFillClrLst meth="repeat">
-      <a:schemeClr val="tx1"/>
-    </dgm:txFillClrLst>
+    <dgm:txFillClrLst/>
     <dgm:txEffectClrLst/>
   </dgm:styleLbl>
 </dgm:colorsDef>
@@ -1684,7 +1679,7 @@
         </a:p>
       </dgm:t>
     </dgm:pt>
-    <dgm:pt modelId="{0E5F2328-6936-438D-9030-82459F139707}" type="parTrans" cxnId="{E9452C00-46C7-4620-A9A1-CB09CF1CD438}">
+    <dgm:pt modelId="{0E5F2328-6936-438D-9030-82459F139707}" cxnId="{E9452C00-46C7-4620-A9A1-CB09CF1CD438}" type="parTrans">
       <dgm:prSet/>
       <dgm:spPr/>
       <dgm:t>
@@ -1699,7 +1694,7 @@
         </a:p>
       </dgm:t>
     </dgm:pt>
-    <dgm:pt modelId="{A24CDA6C-3AD9-437F-928B-B1BD23F03F0E}" type="sibTrans" cxnId="{E9452C00-46C7-4620-A9A1-CB09CF1CD438}">
+    <dgm:pt modelId="{A24CDA6C-3AD9-437F-928B-B1BD23F03F0E}" cxnId="{E9452C00-46C7-4620-A9A1-CB09CF1CD438}" type="sibTrans">
       <dgm:prSet/>
       <dgm:spPr/>
       <dgm:t>
@@ -1736,7 +1731,7 @@
         </a:p>
       </dgm:t>
     </dgm:pt>
-    <dgm:pt modelId="{709271AF-315C-4902-8ED9-FF7FB5660EE0}" type="parTrans" cxnId="{5841688B-5753-4BE2-A1A3-52ADBF2007A1}">
+    <dgm:pt modelId="{709271AF-315C-4902-8ED9-FF7FB5660EE0}" cxnId="{5841688B-5753-4BE2-A1A3-52ADBF2007A1}" type="parTrans">
       <dgm:prSet/>
       <dgm:spPr/>
       <dgm:t>
@@ -1751,7 +1746,7 @@
         </a:p>
       </dgm:t>
     </dgm:pt>
-    <dgm:pt modelId="{7727F407-1E2C-47E9-B725-5FB02750A259}" type="sibTrans" cxnId="{5841688B-5753-4BE2-A1A3-52ADBF2007A1}">
+    <dgm:pt modelId="{7727F407-1E2C-47E9-B725-5FB02750A259}" cxnId="{5841688B-5753-4BE2-A1A3-52ADBF2007A1}" type="sibTrans">
       <dgm:prSet/>
       <dgm:spPr/>
       <dgm:t>
@@ -1788,7 +1783,7 @@
         </a:p>
       </dgm:t>
     </dgm:pt>
-    <dgm:pt modelId="{34D86A93-BB2D-4DD3-864C-D9265577D1BB}" type="parTrans" cxnId="{D70099B3-1542-491A-B1C8-8D51A7F4EA6C}">
+    <dgm:pt modelId="{34D86A93-BB2D-4DD3-864C-D9265577D1BB}" cxnId="{D70099B3-1542-491A-B1C8-8D51A7F4EA6C}" type="parTrans">
       <dgm:prSet/>
       <dgm:spPr/>
       <dgm:t>
@@ -1803,7 +1798,7 @@
         </a:p>
       </dgm:t>
     </dgm:pt>
-    <dgm:pt modelId="{BB41BBE9-81CA-470C-B7FF-18EF77B6C09B}" type="sibTrans" cxnId="{D70099B3-1542-491A-B1C8-8D51A7F4EA6C}">
+    <dgm:pt modelId="{BB41BBE9-81CA-470C-B7FF-18EF77B6C09B}" cxnId="{D70099B3-1542-491A-B1C8-8D51A7F4EA6C}" type="sibTrans">
       <dgm:prSet/>
       <dgm:spPr/>
       <dgm:t>
@@ -1840,7 +1835,7 @@
         </a:p>
       </dgm:t>
     </dgm:pt>
-    <dgm:pt modelId="{98E12855-453D-4FE1-A232-1E12686B0F5B}" type="parTrans" cxnId="{063B9E26-41BC-4FDC-B03E-7A759D4A4D50}">
+    <dgm:pt modelId="{98E12855-453D-4FE1-A232-1E12686B0F5B}" cxnId="{063B9E26-41BC-4FDC-B03E-7A759D4A4D50}" type="parTrans">
       <dgm:prSet/>
       <dgm:spPr/>
       <dgm:t>
@@ -1855,7 +1850,7 @@
         </a:p>
       </dgm:t>
     </dgm:pt>
-    <dgm:pt modelId="{C743EF62-0C66-4BEF-9412-FEABEE1EB7D3}" type="sibTrans" cxnId="{063B9E26-41BC-4FDC-B03E-7A759D4A4D50}">
+    <dgm:pt modelId="{C743EF62-0C66-4BEF-9412-FEABEE1EB7D3}" cxnId="{063B9E26-41BC-4FDC-B03E-7A759D4A4D50}" type="sibTrans">
       <dgm:prSet/>
       <dgm:spPr/>
       <dgm:t>
@@ -1892,7 +1887,7 @@
         </a:p>
       </dgm:t>
     </dgm:pt>
-    <dgm:pt modelId="{ECAD2468-EEA5-4524-8B2C-214D5C2D0971}" type="parTrans" cxnId="{2B412AA2-DF34-4AFC-B526-36C2337BA7A9}">
+    <dgm:pt modelId="{ECAD2468-EEA5-4524-8B2C-214D5C2D0971}" cxnId="{2B412AA2-DF34-4AFC-B526-36C2337BA7A9}" type="parTrans">
       <dgm:prSet/>
       <dgm:spPr/>
       <dgm:t>
@@ -1907,7 +1902,7 @@
         </a:p>
       </dgm:t>
     </dgm:pt>
-    <dgm:pt modelId="{0B2FB356-FE8B-4C7E-A3F1-3E06C760FCA0}" type="sibTrans" cxnId="{2B412AA2-DF34-4AFC-B526-36C2337BA7A9}">
+    <dgm:pt modelId="{0B2FB356-FE8B-4C7E-A3F1-3E06C760FCA0}" cxnId="{2B412AA2-DF34-4AFC-B526-36C2337BA7A9}" type="sibTrans">
       <dgm:prSet/>
       <dgm:spPr/>
       <dgm:t>
@@ -1944,7 +1939,7 @@
         </a:p>
       </dgm:t>
     </dgm:pt>
-    <dgm:pt modelId="{B070AEED-29C0-49AB-8479-7D57FE13EFEE}" type="parTrans" cxnId="{80C1286B-2AEC-475B-B52F-E31CCF49778B}">
+    <dgm:pt modelId="{B070AEED-29C0-49AB-8479-7D57FE13EFEE}" cxnId="{80C1286B-2AEC-475B-B52F-E31CCF49778B}" type="parTrans">
       <dgm:prSet/>
       <dgm:spPr/>
       <dgm:t>
@@ -1959,7 +1954,7 @@
         </a:p>
       </dgm:t>
     </dgm:pt>
-    <dgm:pt modelId="{7F387AB1-F9CE-4A7B-8040-5D0903DAABC1}" type="sibTrans" cxnId="{80C1286B-2AEC-475B-B52F-E31CCF49778B}">
+    <dgm:pt modelId="{7F387AB1-F9CE-4A7B-8040-5D0903DAABC1}" cxnId="{80C1286B-2AEC-475B-B52F-E31CCF49778B}" type="sibTrans">
       <dgm:prSet/>
       <dgm:spPr/>
       <dgm:t>
@@ -2138,7 +2133,7 @@
   <dgm:whole/>
   <dgm:extLst>
     <a:ext uri="http://schemas.microsoft.com/office/drawing/2008/diagram">
-      <dsp:dataModelExt xmlns:dsp="http://schemas.microsoft.com/office/drawing/2008/diagram" relId="rId6" minVer="http://schemas.openxmlformats.org/drawingml/2006/diagram"/>
+      <dsp:dataModelExt xmlns:dsp="http://schemas.microsoft.com/office/drawing/2008/diagram" relId="rId5" minVer="http://schemas.openxmlformats.org/drawingml/2006/diagram"/>
     </a:ext>
   </dgm:extLst>
 </dgm:dataModel>
@@ -2187,7 +2182,7 @@
         </a:p>
       </dgm:t>
     </dgm:pt>
-    <dgm:pt modelId="{042B5652-AAF0-4D8C-BDAC-0CE6BA1237DB}" type="parTrans" cxnId="{B3E1AB81-2BE2-4FCE-AC14-B78267BD0CEB}">
+    <dgm:pt modelId="{042B5652-AAF0-4D8C-BDAC-0CE6BA1237DB}" cxnId="{B3E1AB81-2BE2-4FCE-AC14-B78267BD0CEB}" type="parTrans">
       <dgm:prSet/>
       <dgm:spPr/>
       <dgm:t>
@@ -2201,7 +2196,7 @@
         </a:p>
       </dgm:t>
     </dgm:pt>
-    <dgm:pt modelId="{AD11175B-2319-45C9-8182-3509F8D5AFF1}" type="sibTrans" cxnId="{B3E1AB81-2BE2-4FCE-AC14-B78267BD0CEB}">
+    <dgm:pt modelId="{AD11175B-2319-45C9-8182-3509F8D5AFF1}" cxnId="{B3E1AB81-2BE2-4FCE-AC14-B78267BD0CEB}" type="sibTrans">
       <dgm:prSet/>
       <dgm:spPr/>
       <dgm:t>
@@ -2244,7 +2239,7 @@
         </a:p>
       </dgm:t>
     </dgm:pt>
-    <dgm:pt modelId="{0C618797-BF53-41D7-8ABB-37FC270AF431}" type="parTrans" cxnId="{82883B04-8308-4094-AC55-D741D83F5C84}">
+    <dgm:pt modelId="{0C618797-BF53-41D7-8ABB-37FC270AF431}" cxnId="{82883B04-8308-4094-AC55-D741D83F5C84}" type="parTrans">
       <dgm:prSet/>
       <dgm:spPr/>
       <dgm:t>
@@ -2258,7 +2253,7 @@
         </a:p>
       </dgm:t>
     </dgm:pt>
-    <dgm:pt modelId="{3BBFC256-972A-457C-AA1A-2D37F105579D}" type="sibTrans" cxnId="{82883B04-8308-4094-AC55-D741D83F5C84}">
+    <dgm:pt modelId="{3BBFC256-972A-457C-AA1A-2D37F105579D}" cxnId="{82883B04-8308-4094-AC55-D741D83F5C84}" type="sibTrans">
       <dgm:prSet/>
       <dgm:spPr/>
       <dgm:t>
@@ -2301,7 +2296,7 @@
         </a:p>
       </dgm:t>
     </dgm:pt>
-    <dgm:pt modelId="{8F339C7F-0C09-45CA-91C5-B1574F5C1DAF}" type="parTrans" cxnId="{F934AF85-C886-4FFC-B0A1-2A5883826F0A}">
+    <dgm:pt modelId="{8F339C7F-0C09-45CA-91C5-B1574F5C1DAF}" cxnId="{F934AF85-C886-4FFC-B0A1-2A5883826F0A}" type="parTrans">
       <dgm:prSet/>
       <dgm:spPr/>
       <dgm:t>
@@ -2315,7 +2310,7 @@
         </a:p>
       </dgm:t>
     </dgm:pt>
-    <dgm:pt modelId="{B28FE180-8FB6-4DFA-B4F9-46E5B22BDE76}" type="sibTrans" cxnId="{F934AF85-C886-4FFC-B0A1-2A5883826F0A}">
+    <dgm:pt modelId="{B28FE180-8FB6-4DFA-B4F9-46E5B22BDE76}" cxnId="{F934AF85-C886-4FFC-B0A1-2A5883826F0A}" type="sibTrans">
       <dgm:prSet/>
       <dgm:spPr/>
       <dgm:t>
@@ -2358,7 +2353,7 @@
         </a:p>
       </dgm:t>
     </dgm:pt>
-    <dgm:pt modelId="{9D75C7BE-EA86-4D75-ACE6-9E40F0D5CA57}" type="parTrans" cxnId="{C0497ED7-DC6A-4F57-AD5D-F90EC485C067}">
+    <dgm:pt modelId="{9D75C7BE-EA86-4D75-ACE6-9E40F0D5CA57}" cxnId="{C0497ED7-DC6A-4F57-AD5D-F90EC485C067}" type="parTrans">
       <dgm:prSet/>
       <dgm:spPr/>
       <dgm:t>
@@ -2372,7 +2367,7 @@
         </a:p>
       </dgm:t>
     </dgm:pt>
-    <dgm:pt modelId="{2F78F253-FED4-430D-BE58-3A8A7141A4A3}" type="sibTrans" cxnId="{C0497ED7-DC6A-4F57-AD5D-F90EC485C067}">
+    <dgm:pt modelId="{2F78F253-FED4-430D-BE58-3A8A7141A4A3}" cxnId="{C0497ED7-DC6A-4F57-AD5D-F90EC485C067}" type="sibTrans">
       <dgm:prSet/>
       <dgm:spPr/>
       <dgm:t>
@@ -2415,7 +2410,7 @@
         </a:p>
       </dgm:t>
     </dgm:pt>
-    <dgm:pt modelId="{45BE4B69-0159-4A7D-AA4C-273A89F8CCA7}" type="parTrans" cxnId="{282D9740-A564-4A01-85AB-B0D654B20CE5}">
+    <dgm:pt modelId="{45BE4B69-0159-4A7D-AA4C-273A89F8CCA7}" cxnId="{282D9740-A564-4A01-85AB-B0D654B20CE5}" type="parTrans">
       <dgm:prSet/>
       <dgm:spPr/>
       <dgm:t>
@@ -2429,7 +2424,7 @@
         </a:p>
       </dgm:t>
     </dgm:pt>
-    <dgm:pt modelId="{4F8FB3B4-753D-423F-B256-854277FA1DF1}" type="sibTrans" cxnId="{282D9740-A564-4A01-85AB-B0D654B20CE5}">
+    <dgm:pt modelId="{4F8FB3B4-753D-423F-B256-854277FA1DF1}" cxnId="{282D9740-A564-4A01-85AB-B0D654B20CE5}" type="sibTrans">
       <dgm:prSet/>
       <dgm:spPr/>
       <dgm:t>
@@ -2613,72 +2608,47 @@
   <dgm:whole/>
   <dgm:extLst>
     <a:ext uri="http://schemas.microsoft.com/office/drawing/2008/diagram">
-      <dsp:dataModelExt xmlns:dsp="http://schemas.microsoft.com/office/drawing/2008/diagram" relId="rId6" minVer="http://schemas.openxmlformats.org/drawingml/2006/diagram"/>
+      <dsp:dataModelExt xmlns:dsp="http://schemas.microsoft.com/office/drawing/2008/diagram" relId="rId5" minVer="http://schemas.openxmlformats.org/drawingml/2006/diagram"/>
     </a:ext>
   </dgm:extLst>
 </dgm:dataModel>
 </file>
 
 <file path=ppt/diagrams/drawing1.xml><?xml version="1.0" encoding="utf-8"?>
-<dsp:drawing xmlns:dgm="http://schemas.openxmlformats.org/drawingml/2006/diagram" xmlns:dsp="http://schemas.microsoft.com/office/drawing/2008/diagram" xmlns:a="http://schemas.openxmlformats.org/drawingml/2006/main">
+<dsp:drawing xmlns:dgm="http://schemas.openxmlformats.org/drawingml/2006/diagram" xmlns:dsp="http://schemas.microsoft.com/office/drawing/2008/diagram" xmlns:a="http://schemas.openxmlformats.org/drawingml/2006/main" xmlns:r="http://schemas.openxmlformats.org/officeDocument/2006/relationships">
   <dsp:spTree>
     <dsp:nvGrpSpPr>
-      <dsp:cNvPr id="0" name=""/>
+      <dsp:cNvPr id="2" name="Group 1"/>
       <dsp:cNvGrpSpPr/>
     </dsp:nvGrpSpPr>
-    <dsp:grpSpPr/>
-  </dsp:spTree>
-</dsp:drawing>
-</file>
-
-<file path=ppt/diagrams/drawing2.xml><?xml version="1.0" encoding="utf-8"?>
-<dsp:drawing xmlns:dgm="http://schemas.openxmlformats.org/drawingml/2006/diagram" xmlns:dsp="http://schemas.microsoft.com/office/drawing/2008/diagram" xmlns:a="http://schemas.openxmlformats.org/drawingml/2006/main">
-  <dsp:spTree>
-    <dsp:nvGrpSpPr>
-      <dsp:cNvPr id="0" name=""/>
-      <dsp:cNvGrpSpPr/>
-    </dsp:nvGrpSpPr>
-    <dsp:grpSpPr/>
-    <dsp:sp modelId="{521EFC2C-1871-491E-827E-B2C2AF223A2B}">
+    <dsp:grpSpPr>
+      <a:xfrm>
+        <a:off x="0" y="0"/>
+        <a:ext cx="8915400" cy="3777622"/>
+        <a:chOff x="0" y="0"/>
+        <a:chExt cx="8915400" cy="3777622"/>
+      </a:xfrm>
+    </dsp:grpSpPr>
+    <dsp:sp modelId="{7BE92059-F89C-4B42-B125-09C03E354BF6}">
       <dsp:nvSpPr>
-        <dsp:cNvPr id="0" name=""/>
+        <dsp:cNvPr id="3" name="Rectangles 2"/>
         <dsp:cNvSpPr/>
       </dsp:nvSpPr>
-      <dsp:spPr>
+      <dsp:spPr bwMode="white">
         <a:xfrm>
-          <a:off x="0" y="461"/>
-          <a:ext cx="8915400" cy="0"/>
+          <a:off x="0" y="210611"/>
+          <a:ext cx="2718110" cy="460800"/>
         </a:xfrm>
-        <a:prstGeom prst="line">
+        <a:prstGeom prst="rect">
           <a:avLst/>
         </a:prstGeom>
-        <a:solidFill>
-          <a:schemeClr val="accent1">
-            <a:hueOff val="0"/>
-            <a:satOff val="0"/>
-            <a:lumOff val="0"/>
-            <a:alphaOff val="0"/>
-          </a:schemeClr>
-        </a:solidFill>
-        <a:ln w="15875" cap="rnd" cmpd="sng" algn="ctr">
-          <a:solidFill>
-            <a:schemeClr val="accent1">
-              <a:hueOff val="0"/>
-              <a:satOff val="0"/>
-              <a:lumOff val="0"/>
-              <a:alphaOff val="0"/>
-            </a:schemeClr>
-          </a:solidFill>
-          <a:prstDash val="solid"/>
-        </a:ln>
-        <a:effectLst/>
       </dsp:spPr>
       <dsp:style>
         <a:lnRef idx="2">
-          <a:scrgbClr r="0" g="0" b="0"/>
+          <a:schemeClr val="accent1"/>
         </a:lnRef>
         <a:fillRef idx="1">
-          <a:scrgbClr r="0" g="0" b="0"/>
+          <a:schemeClr val="accent1"/>
         </a:fillRef>
         <a:effectRef idx="0">
           <a:scrgbClr r="0" g="0" b="0"/>
@@ -2687,47 +2657,41 @@
           <a:schemeClr val="lt1"/>
         </a:fontRef>
       </dsp:style>
-    </dsp:sp>
-    <dsp:sp modelId="{DF84D231-FEAF-4535-B8B9-4EA8A45BB44C}">
-      <dsp:nvSpPr>
-        <dsp:cNvPr id="0" name=""/>
-        <dsp:cNvSpPr/>
-      </dsp:nvSpPr>
-      <dsp:spPr>
-        <a:xfrm>
-          <a:off x="0" y="461"/>
-          <a:ext cx="8915400" cy="755339"/>
-        </a:xfrm>
-        <a:prstGeom prst="rect">
-          <a:avLst/>
-        </a:prstGeom>
-        <a:noFill/>
-        <a:ln>
-          <a:noFill/>
-        </a:ln>
-        <a:effectLst/>
-      </dsp:spPr>
-      <dsp:style>
-        <a:lnRef idx="0">
-          <a:scrgbClr r="0" g="0" b="0"/>
-        </a:lnRef>
-        <a:fillRef idx="0">
-          <a:scrgbClr r="0" g="0" b="0"/>
-        </a:fillRef>
-        <a:effectRef idx="0">
-          <a:scrgbClr r="0" g="0" b="0"/>
-        </a:effectRef>
-        <a:fontRef idx="minor"/>
-      </dsp:style>
       <dsp:txBody>
-        <a:bodyPr spcFirstLastPara="0" vert="horz" wrap="square" lIns="60960" tIns="60960" rIns="60960" bIns="60960" numCol="1" spcCol="1270" anchor="t" anchorCtr="0">
-          <a:noAutofit/>
-        </a:bodyPr>
-        <a:lstStyle/>
+        <a:bodyPr lIns="113792" tIns="65024" rIns="113792" bIns="65024" anchor="ctr"/>
+        <a:lstStyle>
+          <a:lvl1pPr algn="ctr">
+            <a:defRPr sz="1600"/>
+          </a:lvl1pPr>
+          <a:lvl2pPr marL="114300" indent="-114300" algn="ctr">
+            <a:defRPr sz="1200"/>
+          </a:lvl2pPr>
+          <a:lvl3pPr marL="228600" indent="-114300" algn="ctr">
+            <a:defRPr sz="1200"/>
+          </a:lvl3pPr>
+          <a:lvl4pPr marL="342900" indent="-114300" algn="ctr">
+            <a:defRPr sz="1200"/>
+          </a:lvl4pPr>
+          <a:lvl5pPr marL="457200" indent="-114300" algn="ctr">
+            <a:defRPr sz="1200"/>
+          </a:lvl5pPr>
+          <a:lvl6pPr marL="571500" indent="-114300" algn="ctr">
+            <a:defRPr sz="1200"/>
+          </a:lvl6pPr>
+          <a:lvl7pPr marL="685800" indent="-114300" algn="ctr">
+            <a:defRPr sz="1200"/>
+          </a:lvl7pPr>
+          <a:lvl8pPr marL="800100" indent="-114300" algn="ctr">
+            <a:defRPr sz="1200"/>
+          </a:lvl8pPr>
+          <a:lvl9pPr marL="914400" indent="-114300" algn="ctr">
+            <a:defRPr sz="1200"/>
+          </a:lvl9pPr>
+        </a:lstStyle>
         <a:p>
-          <a:pPr lvl="0" algn="l" defTabSz="711200" rtl="0">
+          <a:pPr lvl="0" algn="just" rtl="0">
             <a:lnSpc>
-              <a:spcPct val="90000"/>
+              <a:spcPct val="100000"/>
             </a:lnSpc>
             <a:spcBef>
               <a:spcPct val="0"/>
@@ -2737,70 +2701,143 @@
             </a:spcAft>
           </a:pPr>
           <a:r>
-            <a:rPr lang="en-US" sz="1600" b="1" kern="1200" smtClean="0">
+            <a:rPr lang="en-US" b="1" smtClean="0">
               <a:latin typeface="Times New Roman" panose="02020603050405020304" pitchFamily="18" charset="0"/>
               <a:cs typeface="Times New Roman" panose="02020603050405020304" pitchFamily="18" charset="0"/>
             </a:rPr>
-            <a:t>Your business process engineering team</a:t>
+            <a:t>It saves time</a:t>
           </a:r>
-          <a:r>
-            <a:rPr lang="en-US" sz="1600" kern="1200" smtClean="0">
-              <a:latin typeface="Times New Roman" panose="02020603050405020304" pitchFamily="18" charset="0"/>
-              <a:cs typeface="Times New Roman" panose="02020603050405020304" pitchFamily="18" charset="0"/>
-            </a:rPr>
-            <a:t> must be highly motivated, well-informed, and ready to think out of the box.</a:t>
-          </a:r>
-          <a:endParaRPr lang="en-US" sz="1600" kern="1200">
+          <a:endParaRPr lang="en-US">
             <a:latin typeface="Times New Roman" panose="02020603050405020304" pitchFamily="18" charset="0"/>
             <a:cs typeface="Times New Roman" panose="02020603050405020304" pitchFamily="18" charset="0"/>
           </a:endParaRPr>
         </a:p>
       </dsp:txBody>
       <dsp:txXfrm>
-        <a:off x="0" y="461"/>
-        <a:ext cx="8915400" cy="755339"/>
+        <a:off x="0" y="210611"/>
+        <a:ext cx="2718110" cy="460800"/>
       </dsp:txXfrm>
     </dsp:sp>
-    <dsp:sp modelId="{DB1B5766-FDDA-4CB2-944A-4B75AE936540}">
+    <dsp:sp modelId="{22608017-4BAF-447E-B290-D403310D2744}">
       <dsp:nvSpPr>
-        <dsp:cNvPr id="0" name=""/>
+        <dsp:cNvPr id="4" name="Rectangles 3"/>
         <dsp:cNvSpPr/>
       </dsp:nvSpPr>
-      <dsp:spPr>
+      <dsp:spPr bwMode="white">
         <a:xfrm>
-          <a:off x="0" y="755801"/>
-          <a:ext cx="8915400" cy="0"/>
+          <a:off x="0" y="671411"/>
+          <a:ext cx="2718110" cy="2895600"/>
         </a:xfrm>
-        <a:prstGeom prst="line">
+        <a:prstGeom prst="rect">
           <a:avLst/>
         </a:prstGeom>
-        <a:solidFill>
-          <a:schemeClr val="accent1">
-            <a:hueOff val="0"/>
-            <a:satOff val="0"/>
-            <a:lumOff val="0"/>
-            <a:alphaOff val="0"/>
-          </a:schemeClr>
-        </a:solidFill>
-        <a:ln w="15875" cap="rnd" cmpd="sng" algn="ctr">
-          <a:solidFill>
-            <a:schemeClr val="accent1">
-              <a:hueOff val="0"/>
-              <a:satOff val="0"/>
-              <a:lumOff val="0"/>
-              <a:alphaOff val="0"/>
-            </a:schemeClr>
-          </a:solidFill>
-          <a:prstDash val="solid"/>
-        </a:ln>
-        <a:effectLst/>
       </dsp:spPr>
       <dsp:style>
         <a:lnRef idx="2">
-          <a:scrgbClr r="0" g="0" b="0"/>
+          <a:schemeClr val="accent1">
+            <a:alpha val="90000"/>
+            <a:tint val="40000"/>
+          </a:schemeClr>
         </a:lnRef>
         <a:fillRef idx="1">
+          <a:schemeClr val="accent1">
+            <a:alpha val="90000"/>
+            <a:tint val="40000"/>
+          </a:schemeClr>
+        </a:fillRef>
+        <a:effectRef idx="0">
           <a:scrgbClr r="0" g="0" b="0"/>
+        </a:effectRef>
+        <a:fontRef idx="minor"/>
+      </dsp:style>
+      <dsp:txBody>
+        <a:bodyPr lIns="85344" tIns="85344" rIns="113792" bIns="128016" anchor="t"/>
+        <a:lstStyle>
+          <a:lvl1pPr algn="l">
+            <a:defRPr sz="1600"/>
+          </a:lvl1pPr>
+          <a:lvl2pPr marL="171450" indent="-171450" algn="l">
+            <a:defRPr sz="1600"/>
+          </a:lvl2pPr>
+          <a:lvl3pPr marL="342900" indent="-171450" algn="l">
+            <a:defRPr sz="1600"/>
+          </a:lvl3pPr>
+          <a:lvl4pPr marL="514350" indent="-171450" algn="l">
+            <a:defRPr sz="1600"/>
+          </a:lvl4pPr>
+          <a:lvl5pPr marL="685800" indent="-171450" algn="l">
+            <a:defRPr sz="1600"/>
+          </a:lvl5pPr>
+          <a:lvl6pPr marL="857250" indent="-171450" algn="l">
+            <a:defRPr sz="1600"/>
+          </a:lvl6pPr>
+          <a:lvl7pPr marL="1028700" indent="-171450" algn="l">
+            <a:defRPr sz="1600"/>
+          </a:lvl7pPr>
+          <a:lvl8pPr marL="1200150" indent="-171450" algn="l">
+            <a:defRPr sz="1600"/>
+          </a:lvl8pPr>
+          <a:lvl9pPr marL="1371600" indent="-171450" algn="l">
+            <a:defRPr sz="1600"/>
+          </a:lvl9pPr>
+        </a:lstStyle>
+        <a:p>
+          <a:pPr lvl="1" algn="just" rtl="0">
+            <a:lnSpc>
+              <a:spcPct val="100000"/>
+            </a:lnSpc>
+            <a:spcBef>
+              <a:spcPct val="0"/>
+            </a:spcBef>
+            <a:spcAft>
+              <a:spcPct val="15000"/>
+            </a:spcAft>
+            <a:buChar char="•"/>
+          </a:pPr>
+          <a:r>
+            <a:rPr lang="en-US" dirty="0" smtClean="0">
+              <a:solidFill>
+                <a:schemeClr val="dk1"/>
+              </a:solidFill>
+              <a:latin typeface="Times New Roman" panose="02020603050405020304" pitchFamily="18" charset="0"/>
+              <a:cs typeface="Times New Roman" panose="02020603050405020304" pitchFamily="18" charset="0"/>
+            </a:rPr>
+            <a:t>Time is money’ is being used since ages and is still relevant. When your business processes are aligned and crystal clear, you can save a lot of time for your employees and customers. Time is precious for the customers, and when you are able to deliver your promises in time,</a:t>
+          </a:r>
+          <a:endParaRPr lang="en-US" dirty="0">
+            <a:solidFill>
+              <a:schemeClr val="dk1"/>
+            </a:solidFill>
+            <a:latin typeface="Times New Roman" panose="02020603050405020304" pitchFamily="18" charset="0"/>
+            <a:cs typeface="Times New Roman" panose="02020603050405020304" pitchFamily="18" charset="0"/>
+          </a:endParaRPr>
+        </a:p>
+      </dsp:txBody>
+      <dsp:txXfrm>
+        <a:off x="0" y="671411"/>
+        <a:ext cx="2718110" cy="2895600"/>
+      </dsp:txXfrm>
+    </dsp:sp>
+    <dsp:sp modelId="{CCEDA2F0-7C55-4FF3-A69C-2ED1CD3A4B55}">
+      <dsp:nvSpPr>
+        <dsp:cNvPr id="5" name="Rectangles 4"/>
+        <dsp:cNvSpPr/>
+      </dsp:nvSpPr>
+      <dsp:spPr bwMode="white">
+        <a:xfrm>
+          <a:off x="3098645" y="210611"/>
+          <a:ext cx="2718110" cy="460800"/>
+        </a:xfrm>
+        <a:prstGeom prst="rect">
+          <a:avLst/>
+        </a:prstGeom>
+      </dsp:spPr>
+      <dsp:style>
+        <a:lnRef idx="2">
+          <a:schemeClr val="accent1"/>
+        </a:lnRef>
+        <a:fillRef idx="1">
+          <a:schemeClr val="accent1"/>
         </a:fillRef>
         <a:effectRef idx="0">
           <a:scrgbClr r="0" g="0" b="0"/>
@@ -2809,47 +2846,41 @@
           <a:schemeClr val="lt1"/>
         </a:fontRef>
       </dsp:style>
-    </dsp:sp>
-    <dsp:sp modelId="{26B23502-54D4-48EC-B016-78E737086411}">
-      <dsp:nvSpPr>
-        <dsp:cNvPr id="0" name=""/>
-        <dsp:cNvSpPr/>
-      </dsp:nvSpPr>
-      <dsp:spPr>
-        <a:xfrm>
-          <a:off x="0" y="755801"/>
-          <a:ext cx="8915400" cy="755339"/>
-        </a:xfrm>
-        <a:prstGeom prst="rect">
-          <a:avLst/>
-        </a:prstGeom>
-        <a:noFill/>
-        <a:ln>
-          <a:noFill/>
-        </a:ln>
-        <a:effectLst/>
-      </dsp:spPr>
-      <dsp:style>
-        <a:lnRef idx="0">
-          <a:scrgbClr r="0" g="0" b="0"/>
-        </a:lnRef>
-        <a:fillRef idx="0">
-          <a:scrgbClr r="0" g="0" b="0"/>
-        </a:fillRef>
-        <a:effectRef idx="0">
-          <a:scrgbClr r="0" g="0" b="0"/>
-        </a:effectRef>
-        <a:fontRef idx="minor"/>
-      </dsp:style>
       <dsp:txBody>
-        <a:bodyPr spcFirstLastPara="0" vert="horz" wrap="square" lIns="60960" tIns="60960" rIns="60960" bIns="60960" numCol="1" spcCol="1270" anchor="t" anchorCtr="0">
-          <a:noAutofit/>
-        </a:bodyPr>
-        <a:lstStyle/>
+        <a:bodyPr lIns="113792" tIns="65024" rIns="113792" bIns="65024" anchor="ctr"/>
+        <a:lstStyle>
+          <a:lvl1pPr algn="ctr">
+            <a:defRPr sz="1600"/>
+          </a:lvl1pPr>
+          <a:lvl2pPr marL="114300" indent="-114300" algn="ctr">
+            <a:defRPr sz="1200"/>
+          </a:lvl2pPr>
+          <a:lvl3pPr marL="228600" indent="-114300" algn="ctr">
+            <a:defRPr sz="1200"/>
+          </a:lvl3pPr>
+          <a:lvl4pPr marL="342900" indent="-114300" algn="ctr">
+            <a:defRPr sz="1200"/>
+          </a:lvl4pPr>
+          <a:lvl5pPr marL="457200" indent="-114300" algn="ctr">
+            <a:defRPr sz="1200"/>
+          </a:lvl5pPr>
+          <a:lvl6pPr marL="571500" indent="-114300" algn="ctr">
+            <a:defRPr sz="1200"/>
+          </a:lvl6pPr>
+          <a:lvl7pPr marL="685800" indent="-114300" algn="ctr">
+            <a:defRPr sz="1200"/>
+          </a:lvl7pPr>
+          <a:lvl8pPr marL="800100" indent="-114300" algn="ctr">
+            <a:defRPr sz="1200"/>
+          </a:lvl8pPr>
+          <a:lvl9pPr marL="914400" indent="-114300" algn="ctr">
+            <a:defRPr sz="1200"/>
+          </a:lvl9pPr>
+        </a:lstStyle>
         <a:p>
-          <a:pPr lvl="0" algn="l" defTabSz="711200" rtl="0">
+          <a:pPr lvl="0" algn="just" rtl="0">
             <a:lnSpc>
-              <a:spcPct val="90000"/>
+              <a:spcPct val="100000"/>
             </a:lnSpc>
             <a:spcBef>
               <a:spcPct val="0"/>
@@ -2859,70 +2890,143 @@
             </a:spcAft>
           </a:pPr>
           <a:r>
-            <a:rPr lang="en-US" sz="1600" b="1" kern="1200" dirty="0" smtClean="0">
+            <a:rPr lang="en-US" b="1" smtClean="0">
               <a:latin typeface="Times New Roman" panose="02020603050405020304" pitchFamily="18" charset="0"/>
               <a:cs typeface="Times New Roman" panose="02020603050405020304" pitchFamily="18" charset="0"/>
             </a:rPr>
-            <a:t>Know what business needs you seek to address</a:t>
+            <a:t>Reduces Opportunity cost</a:t>
           </a:r>
-          <a:r>
-            <a:rPr lang="en-US" sz="1600" kern="1200" dirty="0" smtClean="0">
-              <a:latin typeface="Times New Roman" panose="02020603050405020304" pitchFamily="18" charset="0"/>
-              <a:cs typeface="Times New Roman" panose="02020603050405020304" pitchFamily="18" charset="0"/>
-            </a:rPr>
-            <a:t>. Do you hope to deliver an excellent customer experience? Are you seeking more cost-effective ways to get things done? Your goals inform the way in which you engineer your processes for efficiency.</a:t>
-          </a:r>
-          <a:endParaRPr lang="en-US" sz="1600" kern="1200" dirty="0">
+          <a:endParaRPr lang="en-US">
             <a:latin typeface="Times New Roman" panose="02020603050405020304" pitchFamily="18" charset="0"/>
             <a:cs typeface="Times New Roman" panose="02020603050405020304" pitchFamily="18" charset="0"/>
           </a:endParaRPr>
         </a:p>
       </dsp:txBody>
       <dsp:txXfrm>
-        <a:off x="0" y="755801"/>
-        <a:ext cx="8915400" cy="755339"/>
+        <a:off x="3098645" y="210611"/>
+        <a:ext cx="2718110" cy="460800"/>
       </dsp:txXfrm>
     </dsp:sp>
-    <dsp:sp modelId="{42185CB4-1D3C-46C2-8F0C-2FBB54D1C1D7}">
+    <dsp:sp modelId="{0F645142-90A6-4004-B916-E95826A50F21}">
       <dsp:nvSpPr>
-        <dsp:cNvPr id="0" name=""/>
+        <dsp:cNvPr id="6" name="Rectangles 5"/>
         <dsp:cNvSpPr/>
       </dsp:nvSpPr>
-      <dsp:spPr>
+      <dsp:spPr bwMode="white">
         <a:xfrm>
-          <a:off x="0" y="1511141"/>
-          <a:ext cx="8915400" cy="0"/>
+          <a:off x="3098645" y="671411"/>
+          <a:ext cx="2718110" cy="2895600"/>
         </a:xfrm>
-        <a:prstGeom prst="line">
+        <a:prstGeom prst="rect">
           <a:avLst/>
         </a:prstGeom>
-        <a:solidFill>
-          <a:schemeClr val="accent1">
-            <a:hueOff val="0"/>
-            <a:satOff val="0"/>
-            <a:lumOff val="0"/>
-            <a:alphaOff val="0"/>
-          </a:schemeClr>
-        </a:solidFill>
-        <a:ln w="15875" cap="rnd" cmpd="sng" algn="ctr">
-          <a:solidFill>
-            <a:schemeClr val="accent1">
-              <a:hueOff val="0"/>
-              <a:satOff val="0"/>
-              <a:lumOff val="0"/>
-              <a:alphaOff val="0"/>
-            </a:schemeClr>
-          </a:solidFill>
-          <a:prstDash val="solid"/>
-        </a:ln>
-        <a:effectLst/>
       </dsp:spPr>
       <dsp:style>
         <a:lnRef idx="2">
-          <a:scrgbClr r="0" g="0" b="0"/>
+          <a:schemeClr val="accent1">
+            <a:alpha val="90000"/>
+            <a:tint val="40000"/>
+          </a:schemeClr>
         </a:lnRef>
         <a:fillRef idx="1">
+          <a:schemeClr val="accent1">
+            <a:alpha val="90000"/>
+            <a:tint val="40000"/>
+          </a:schemeClr>
+        </a:fillRef>
+        <a:effectRef idx="0">
           <a:scrgbClr r="0" g="0" b="0"/>
+        </a:effectRef>
+        <a:fontRef idx="minor"/>
+      </dsp:style>
+      <dsp:txBody>
+        <a:bodyPr lIns="85344" tIns="85344" rIns="113792" bIns="128016" anchor="t"/>
+        <a:lstStyle>
+          <a:lvl1pPr algn="l">
+            <a:defRPr sz="1600"/>
+          </a:lvl1pPr>
+          <a:lvl2pPr marL="171450" indent="-171450" algn="l">
+            <a:defRPr sz="1600"/>
+          </a:lvl2pPr>
+          <a:lvl3pPr marL="342900" indent="-171450" algn="l">
+            <a:defRPr sz="1600"/>
+          </a:lvl3pPr>
+          <a:lvl4pPr marL="514350" indent="-171450" algn="l">
+            <a:defRPr sz="1600"/>
+          </a:lvl4pPr>
+          <a:lvl5pPr marL="685800" indent="-171450" algn="l">
+            <a:defRPr sz="1600"/>
+          </a:lvl5pPr>
+          <a:lvl6pPr marL="857250" indent="-171450" algn="l">
+            <a:defRPr sz="1600"/>
+          </a:lvl6pPr>
+          <a:lvl7pPr marL="1028700" indent="-171450" algn="l">
+            <a:defRPr sz="1600"/>
+          </a:lvl7pPr>
+          <a:lvl8pPr marL="1200150" indent="-171450" algn="l">
+            <a:defRPr sz="1600"/>
+          </a:lvl8pPr>
+          <a:lvl9pPr marL="1371600" indent="-171450" algn="l">
+            <a:defRPr sz="1600"/>
+          </a:lvl9pPr>
+        </a:lstStyle>
+        <a:p>
+          <a:pPr lvl="1" algn="just">
+            <a:lnSpc>
+              <a:spcPct val="100000"/>
+            </a:lnSpc>
+            <a:spcBef>
+              <a:spcPct val="0"/>
+            </a:spcBef>
+            <a:spcAft>
+              <a:spcPct val="15000"/>
+            </a:spcAft>
+            <a:buChar char="•"/>
+          </a:pPr>
+          <a:r>
+            <a:rPr lang="en-US" dirty="0" smtClean="0">
+              <a:solidFill>
+                <a:schemeClr val="dk1"/>
+              </a:solidFill>
+              <a:latin typeface="Times New Roman" panose="02020603050405020304" pitchFamily="18" charset="0"/>
+              <a:cs typeface="Times New Roman" panose="02020603050405020304" pitchFamily="18" charset="0"/>
+            </a:rPr>
+            <a:t>It may sound like you are missing big benefits and making a bad choice that can hurt a business. In reality, the opportunity cost is evaluating which is the best choice in a given situation and why</a:t>
+          </a:r>
+          <a:endParaRPr lang="en-US" dirty="0">
+            <a:solidFill>
+              <a:schemeClr val="dk1"/>
+            </a:solidFill>
+            <a:latin typeface="Times New Roman" panose="02020603050405020304" pitchFamily="18" charset="0"/>
+            <a:cs typeface="Times New Roman" panose="02020603050405020304" pitchFamily="18" charset="0"/>
+          </a:endParaRPr>
+        </a:p>
+      </dsp:txBody>
+      <dsp:txXfrm>
+        <a:off x="3098645" y="671411"/>
+        <a:ext cx="2718110" cy="2895600"/>
+      </dsp:txXfrm>
+    </dsp:sp>
+    <dsp:sp modelId="{6A81DF88-96F7-4B84-9CF7-4A4D458D9664}">
+      <dsp:nvSpPr>
+        <dsp:cNvPr id="7" name="Rectangles 6"/>
+        <dsp:cNvSpPr/>
+      </dsp:nvSpPr>
+      <dsp:spPr bwMode="white">
+        <a:xfrm>
+          <a:off x="6197290" y="210611"/>
+          <a:ext cx="2718110" cy="460800"/>
+        </a:xfrm>
+        <a:prstGeom prst="rect">
+          <a:avLst/>
+        </a:prstGeom>
+      </dsp:spPr>
+      <dsp:style>
+        <a:lnRef idx="2">
+          <a:schemeClr val="accent1"/>
+        </a:lnRef>
+        <a:fillRef idx="1">
+          <a:schemeClr val="accent1"/>
         </a:fillRef>
         <a:effectRef idx="0">
           <a:scrgbClr r="0" g="0" b="0"/>
@@ -2931,47 +3035,41 @@
           <a:schemeClr val="lt1"/>
         </a:fontRef>
       </dsp:style>
-    </dsp:sp>
-    <dsp:sp modelId="{2B419C5D-2ECA-433D-83B5-C1704649E172}">
-      <dsp:nvSpPr>
-        <dsp:cNvPr id="0" name=""/>
-        <dsp:cNvSpPr/>
-      </dsp:nvSpPr>
-      <dsp:spPr>
-        <a:xfrm>
-          <a:off x="0" y="1511141"/>
-          <a:ext cx="8915400" cy="755339"/>
-        </a:xfrm>
-        <a:prstGeom prst="rect">
-          <a:avLst/>
-        </a:prstGeom>
-        <a:noFill/>
-        <a:ln>
-          <a:noFill/>
-        </a:ln>
-        <a:effectLst/>
-      </dsp:spPr>
-      <dsp:style>
-        <a:lnRef idx="0">
-          <a:scrgbClr r="0" g="0" b="0"/>
-        </a:lnRef>
-        <a:fillRef idx="0">
-          <a:scrgbClr r="0" g="0" b="0"/>
-        </a:fillRef>
-        <a:effectRef idx="0">
-          <a:scrgbClr r="0" g="0" b="0"/>
-        </a:effectRef>
-        <a:fontRef idx="minor"/>
-      </dsp:style>
       <dsp:txBody>
-        <a:bodyPr spcFirstLastPara="0" vert="horz" wrap="square" lIns="60960" tIns="60960" rIns="60960" bIns="60960" numCol="1" spcCol="1270" anchor="t" anchorCtr="0">
-          <a:noAutofit/>
-        </a:bodyPr>
-        <a:lstStyle/>
+        <a:bodyPr lIns="113792" tIns="65024" rIns="113792" bIns="65024" anchor="ctr"/>
+        <a:lstStyle>
+          <a:lvl1pPr algn="ctr">
+            <a:defRPr sz="1600"/>
+          </a:lvl1pPr>
+          <a:lvl2pPr marL="114300" indent="-114300" algn="ctr">
+            <a:defRPr sz="1200"/>
+          </a:lvl2pPr>
+          <a:lvl3pPr marL="228600" indent="-114300" algn="ctr">
+            <a:defRPr sz="1200"/>
+          </a:lvl3pPr>
+          <a:lvl4pPr marL="342900" indent="-114300" algn="ctr">
+            <a:defRPr sz="1200"/>
+          </a:lvl4pPr>
+          <a:lvl5pPr marL="457200" indent="-114300" algn="ctr">
+            <a:defRPr sz="1200"/>
+          </a:lvl5pPr>
+          <a:lvl6pPr marL="571500" indent="-114300" algn="ctr">
+            <a:defRPr sz="1200"/>
+          </a:lvl6pPr>
+          <a:lvl7pPr marL="685800" indent="-114300" algn="ctr">
+            <a:defRPr sz="1200"/>
+          </a:lvl7pPr>
+          <a:lvl8pPr marL="800100" indent="-114300" algn="ctr">
+            <a:defRPr sz="1200"/>
+          </a:lvl8pPr>
+          <a:lvl9pPr marL="914400" indent="-114300" algn="ctr">
+            <a:defRPr sz="1200"/>
+          </a:lvl9pPr>
+        </a:lstStyle>
         <a:p>
-          <a:pPr lvl="0" algn="l" defTabSz="711200" rtl="0">
+          <a:pPr lvl="0" algn="just" rtl="0">
             <a:lnSpc>
-              <a:spcPct val="90000"/>
+              <a:spcPct val="100000"/>
             </a:lnSpc>
             <a:spcBef>
               <a:spcPct val="0"/>
@@ -2981,70 +3079,162 @@
             </a:spcAft>
           </a:pPr>
           <a:r>
-            <a:rPr lang="en-US" sz="1600" b="1" kern="1200" dirty="0" smtClean="0">
+            <a:rPr lang="en-US" b="1" smtClean="0">
               <a:latin typeface="Times New Roman" panose="02020603050405020304" pitchFamily="18" charset="0"/>
               <a:cs typeface="Times New Roman" panose="02020603050405020304" pitchFamily="18" charset="0"/>
             </a:rPr>
-            <a:t>Have the IT infrastructure you need</a:t>
+            <a:t>Increases the efficiency</a:t>
           </a:r>
-          <a:r>
-            <a:rPr lang="en-US" sz="1600" kern="1200" dirty="0" smtClean="0">
-              <a:latin typeface="Times New Roman" panose="02020603050405020304" pitchFamily="18" charset="0"/>
-              <a:cs typeface="Times New Roman" panose="02020603050405020304" pitchFamily="18" charset="0"/>
-            </a:rPr>
-            <a:t>. With business process engineering, IT infrastructure provides the tools and data that are needed.</a:t>
-          </a:r>
-          <a:endParaRPr lang="en-US" sz="1600" kern="1200" dirty="0">
+          <a:endParaRPr lang="en-US">
             <a:latin typeface="Times New Roman" panose="02020603050405020304" pitchFamily="18" charset="0"/>
             <a:cs typeface="Times New Roman" panose="02020603050405020304" pitchFamily="18" charset="0"/>
           </a:endParaRPr>
         </a:p>
       </dsp:txBody>
       <dsp:txXfrm>
-        <a:off x="0" y="1511141"/>
-        <a:ext cx="8915400" cy="755339"/>
+        <a:off x="6197290" y="210611"/>
+        <a:ext cx="2718110" cy="460800"/>
       </dsp:txXfrm>
     </dsp:sp>
-    <dsp:sp modelId="{DEC2E3B4-CC2C-442C-9A63-BC38C5459E17}">
+    <dsp:sp modelId="{2A3DA9B2-1F97-4FB3-992D-3D96561C5C45}">
       <dsp:nvSpPr>
-        <dsp:cNvPr id="0" name=""/>
+        <dsp:cNvPr id="8" name="Rectangles 7"/>
         <dsp:cNvSpPr/>
       </dsp:nvSpPr>
-      <dsp:spPr>
+      <dsp:spPr bwMode="white">
         <a:xfrm>
-          <a:off x="0" y="2266480"/>
+          <a:off x="6197290" y="671411"/>
+          <a:ext cx="2718110" cy="2895600"/>
+        </a:xfrm>
+        <a:prstGeom prst="rect">
+          <a:avLst/>
+        </a:prstGeom>
+      </dsp:spPr>
+      <dsp:style>
+        <a:lnRef idx="2">
+          <a:schemeClr val="accent1">
+            <a:alpha val="90000"/>
+            <a:tint val="40000"/>
+          </a:schemeClr>
+        </a:lnRef>
+        <a:fillRef idx="1">
+          <a:schemeClr val="accent1">
+            <a:alpha val="90000"/>
+            <a:tint val="40000"/>
+          </a:schemeClr>
+        </a:fillRef>
+        <a:effectRef idx="0">
+          <a:scrgbClr r="0" g="0" b="0"/>
+        </a:effectRef>
+        <a:fontRef idx="minor"/>
+      </dsp:style>
+      <dsp:txBody>
+        <a:bodyPr lIns="85344" tIns="85344" rIns="113792" bIns="128016" anchor="t"/>
+        <a:lstStyle>
+          <a:lvl1pPr algn="l">
+            <a:defRPr sz="1600"/>
+          </a:lvl1pPr>
+          <a:lvl2pPr marL="171450" indent="-171450" algn="l">
+            <a:defRPr sz="1600"/>
+          </a:lvl2pPr>
+          <a:lvl3pPr marL="342900" indent="-171450" algn="l">
+            <a:defRPr sz="1600"/>
+          </a:lvl3pPr>
+          <a:lvl4pPr marL="514350" indent="-171450" algn="l">
+            <a:defRPr sz="1600"/>
+          </a:lvl4pPr>
+          <a:lvl5pPr marL="685800" indent="-171450" algn="l">
+            <a:defRPr sz="1600"/>
+          </a:lvl5pPr>
+          <a:lvl6pPr marL="857250" indent="-171450" algn="l">
+            <a:defRPr sz="1600"/>
+          </a:lvl6pPr>
+          <a:lvl7pPr marL="1028700" indent="-171450" algn="l">
+            <a:defRPr sz="1600"/>
+          </a:lvl7pPr>
+          <a:lvl8pPr marL="1200150" indent="-171450" algn="l">
+            <a:defRPr sz="1600"/>
+          </a:lvl8pPr>
+          <a:lvl9pPr marL="1371600" indent="-171450" algn="l">
+            <a:defRPr sz="1600"/>
+          </a:lvl9pPr>
+        </a:lstStyle>
+        <a:p>
+          <a:pPr lvl="1" algn="just">
+            <a:lnSpc>
+              <a:spcPct val="100000"/>
+            </a:lnSpc>
+            <a:spcBef>
+              <a:spcPct val="0"/>
+            </a:spcBef>
+            <a:spcAft>
+              <a:spcPct val="15000"/>
+            </a:spcAft>
+            <a:buChar char="•"/>
+          </a:pPr>
+          <a:r>
+            <a:rPr lang="en-US" dirty="0" smtClean="0">
+              <a:solidFill>
+                <a:schemeClr val="dk1"/>
+              </a:solidFill>
+              <a:latin typeface="Times New Roman" panose="02020603050405020304" pitchFamily="18" charset="0"/>
+              <a:cs typeface="Times New Roman" panose="02020603050405020304" pitchFamily="18" charset="0"/>
+            </a:rPr>
+            <a:t>When everyone in the organization knows what they are supposed to do chronologically, it decreases a lot of redundancies and increases the efficiency of the whole organization.</a:t>
+          </a:r>
+          <a:endParaRPr lang="en-US" dirty="0">
+            <a:solidFill>
+              <a:schemeClr val="dk1"/>
+            </a:solidFill>
+            <a:latin typeface="Times New Roman" panose="02020603050405020304" pitchFamily="18" charset="0"/>
+            <a:cs typeface="Times New Roman" panose="02020603050405020304" pitchFamily="18" charset="0"/>
+          </a:endParaRPr>
+        </a:p>
+      </dsp:txBody>
+      <dsp:txXfrm>
+        <a:off x="6197290" y="671411"/>
+        <a:ext cx="2718110" cy="2895600"/>
+      </dsp:txXfrm>
+    </dsp:sp>
+  </dsp:spTree>
+</dsp:drawing>
+</file>
+
+<file path=ppt/diagrams/drawing2.xml><?xml version="1.0" encoding="utf-8"?>
+<dsp:drawing xmlns:dgm="http://schemas.openxmlformats.org/drawingml/2006/diagram" xmlns:dsp="http://schemas.microsoft.com/office/drawing/2008/diagram" xmlns:a="http://schemas.openxmlformats.org/drawingml/2006/main" xmlns:r="http://schemas.openxmlformats.org/officeDocument/2006/relationships">
+  <dsp:spTree>
+    <dsp:nvGrpSpPr>
+      <dsp:cNvPr id="2" name="Group 1"/>
+      <dsp:cNvGrpSpPr/>
+    </dsp:nvGrpSpPr>
+    <dsp:grpSpPr>
+      <a:xfrm>
+        <a:off x="0" y="0"/>
+        <a:ext cx="8915400" cy="3777622"/>
+        <a:chOff x="0" y="0"/>
+        <a:chExt cx="8915400" cy="3777622"/>
+      </a:xfrm>
+    </dsp:grpSpPr>
+    <dsp:sp modelId="{521EFC2C-1871-491E-827E-B2C2AF223A2B}">
+      <dsp:nvSpPr>
+        <dsp:cNvPr id="3" name="Straight Connector 2"/>
+        <dsp:cNvSpPr/>
+      </dsp:nvSpPr>
+      <dsp:spPr bwMode="white">
+        <a:xfrm>
+          <a:off x="0" y="0"/>
           <a:ext cx="8915400" cy="0"/>
         </a:xfrm>
         <a:prstGeom prst="line">
           <a:avLst/>
         </a:prstGeom>
-        <a:solidFill>
-          <a:schemeClr val="accent1">
-            <a:hueOff val="0"/>
-            <a:satOff val="0"/>
-            <a:lumOff val="0"/>
-            <a:alphaOff val="0"/>
-          </a:schemeClr>
-        </a:solidFill>
-        <a:ln w="15875" cap="rnd" cmpd="sng" algn="ctr">
-          <a:solidFill>
-            <a:schemeClr val="accent1">
-              <a:hueOff val="0"/>
-              <a:satOff val="0"/>
-              <a:lumOff val="0"/>
-              <a:alphaOff val="0"/>
-            </a:schemeClr>
-          </a:solidFill>
-          <a:prstDash val="solid"/>
-        </a:ln>
-        <a:effectLst/>
       </dsp:spPr>
       <dsp:style>
         <a:lnRef idx="2">
-          <a:scrgbClr r="0" g="0" b="0"/>
+          <a:schemeClr val="accent1"/>
         </a:lnRef>
         <a:fillRef idx="1">
-          <a:scrgbClr r="0" g="0" b="0"/>
+          <a:schemeClr val="accent1"/>
         </a:fillRef>
         <a:effectRef idx="0">
           <a:scrgbClr r="0" g="0" b="0"/>
@@ -3053,32 +3243,35 @@
           <a:schemeClr val="lt1"/>
         </a:fontRef>
       </dsp:style>
+      <dsp:txXfrm>
+        <a:off x="0" y="0"/>
+        <a:ext cx="8915400" cy="0"/>
+      </dsp:txXfrm>
     </dsp:sp>
-    <dsp:sp modelId="{6CCE2537-B1E7-4EC9-BC3D-7C0835A2B59F}">
+    <dsp:sp modelId="{DF84D231-FEAF-4535-B8B9-4EA8A45BB44C}">
       <dsp:nvSpPr>
-        <dsp:cNvPr id="0" name=""/>
+        <dsp:cNvPr id="4" name="Rectangles 3"/>
         <dsp:cNvSpPr/>
       </dsp:nvSpPr>
-      <dsp:spPr>
+      <dsp:spPr bwMode="white">
         <a:xfrm>
-          <a:off x="0" y="2266480"/>
-          <a:ext cx="8915400" cy="755339"/>
+          <a:off x="0" y="0"/>
+          <a:ext cx="8915400" cy="755524"/>
         </a:xfrm>
         <a:prstGeom prst="rect">
           <a:avLst/>
         </a:prstGeom>
-        <a:noFill/>
-        <a:ln>
-          <a:noFill/>
-        </a:ln>
-        <a:effectLst/>
       </dsp:spPr>
       <dsp:style>
         <a:lnRef idx="0">
-          <a:scrgbClr r="0" g="0" b="0"/>
+          <a:schemeClr val="dk1">
+            <a:alpha val="0"/>
+          </a:schemeClr>
         </a:lnRef>
         <a:fillRef idx="0">
-          <a:scrgbClr r="0" g="0" b="0"/>
+          <a:schemeClr val="lt1">
+            <a:alpha val="0"/>
+          </a:schemeClr>
         </a:fillRef>
         <a:effectRef idx="0">
           <a:scrgbClr r="0" g="0" b="0"/>
@@ -3086,14 +3279,40 @@
         <a:fontRef idx="minor"/>
       </dsp:style>
       <dsp:txBody>
-        <a:bodyPr spcFirstLastPara="0" vert="horz" wrap="square" lIns="60960" tIns="60960" rIns="60960" bIns="60960" numCol="1" spcCol="1270" anchor="t" anchorCtr="0">
-          <a:noAutofit/>
-        </a:bodyPr>
-        <a:lstStyle/>
+        <a:bodyPr lIns="60960" tIns="60960" rIns="60960" bIns="60960" anchor="t"/>
+        <a:lstStyle>
+          <a:lvl1pPr algn="l">
+            <a:defRPr sz="6500"/>
+          </a:lvl1pPr>
+          <a:lvl2pPr marL="285750" indent="-285750" algn="l">
+            <a:defRPr sz="5000"/>
+          </a:lvl2pPr>
+          <a:lvl3pPr marL="571500" indent="-285750" algn="l">
+            <a:defRPr sz="5000"/>
+          </a:lvl3pPr>
+          <a:lvl4pPr marL="857250" indent="-285750" algn="l">
+            <a:defRPr sz="5000"/>
+          </a:lvl4pPr>
+          <a:lvl5pPr marL="1143000" indent="-285750" algn="l">
+            <a:defRPr sz="5000"/>
+          </a:lvl5pPr>
+          <a:lvl6pPr marL="1428750" indent="-285750" algn="l">
+            <a:defRPr sz="5000"/>
+          </a:lvl6pPr>
+          <a:lvl7pPr marL="1714500" indent="-285750" algn="l">
+            <a:defRPr sz="5000"/>
+          </a:lvl7pPr>
+          <a:lvl8pPr marL="2000250" indent="-285750" algn="l">
+            <a:defRPr sz="5000"/>
+          </a:lvl8pPr>
+          <a:lvl9pPr marL="2286000" indent="-285750" algn="l">
+            <a:defRPr sz="5000"/>
+          </a:lvl9pPr>
+        </a:lstStyle>
         <a:p>
-          <a:pPr lvl="0" algn="l" defTabSz="711200" rtl="0">
+          <a:pPr lvl="0" rtl="0">
             <a:lnSpc>
-              <a:spcPct val="90000"/>
+              <a:spcPct val="100000"/>
             </a:lnSpc>
             <a:spcBef>
               <a:spcPct val="0"/>
@@ -3103,70 +3322,59 @@
             </a:spcAft>
           </a:pPr>
           <a:r>
-            <a:rPr lang="en-US" sz="1600" b="1" kern="1200" dirty="0" smtClean="0">
+            <a:rPr lang="en-US" sz="1600" b="1" smtClean="0">
+              <a:solidFill>
+                <a:schemeClr val="tx1"/>
+              </a:solidFill>
               <a:latin typeface="Times New Roman" panose="02020603050405020304" pitchFamily="18" charset="0"/>
               <a:cs typeface="Times New Roman" panose="02020603050405020304" pitchFamily="18" charset="0"/>
             </a:rPr>
-            <a:t>Effective change management strategies </a:t>
+            <a:t>Your business process engineering team</a:t>
           </a:r>
           <a:r>
-            <a:rPr lang="en-US" sz="1600" kern="1200" dirty="0" smtClean="0">
+            <a:rPr lang="en-US" sz="1600" smtClean="0">
+              <a:solidFill>
+                <a:schemeClr val="tx1"/>
+              </a:solidFill>
               <a:latin typeface="Times New Roman" panose="02020603050405020304" pitchFamily="18" charset="0"/>
               <a:cs typeface="Times New Roman" panose="02020603050405020304" pitchFamily="18" charset="0"/>
             </a:rPr>
-            <a:t>help to get all the affected parties working together towards common goals.</a:t>
+            <a:t> must be highly motivated, well-informed, and ready to think out of the box.</a:t>
           </a:r>
-          <a:endParaRPr lang="en-US" sz="1600" kern="1200" dirty="0">
+          <a:endParaRPr lang="en-US" sz="1600">
+            <a:solidFill>
+              <a:schemeClr val="tx1"/>
+            </a:solidFill>
             <a:latin typeface="Times New Roman" panose="02020603050405020304" pitchFamily="18" charset="0"/>
             <a:cs typeface="Times New Roman" panose="02020603050405020304" pitchFamily="18" charset="0"/>
           </a:endParaRPr>
         </a:p>
       </dsp:txBody>
       <dsp:txXfrm>
-        <a:off x="0" y="2266480"/>
-        <a:ext cx="8915400" cy="755339"/>
+        <a:off x="0" y="0"/>
+        <a:ext cx="8915400" cy="755524"/>
       </dsp:txXfrm>
     </dsp:sp>
-    <dsp:sp modelId="{697615C0-F286-4C1F-9B4E-72B782F7E994}">
+    <dsp:sp modelId="{DB1B5766-FDDA-4CB2-944A-4B75AE936540}">
       <dsp:nvSpPr>
-        <dsp:cNvPr id="0" name=""/>
+        <dsp:cNvPr id="5" name="Straight Connector 4"/>
         <dsp:cNvSpPr/>
       </dsp:nvSpPr>
-      <dsp:spPr>
+      <dsp:spPr bwMode="white">
         <a:xfrm>
-          <a:off x="0" y="3021820"/>
+          <a:off x="0" y="755524"/>
           <a:ext cx="8915400" cy="0"/>
         </a:xfrm>
         <a:prstGeom prst="line">
           <a:avLst/>
         </a:prstGeom>
-        <a:solidFill>
-          <a:schemeClr val="accent1">
-            <a:hueOff val="0"/>
-            <a:satOff val="0"/>
-            <a:lumOff val="0"/>
-            <a:alphaOff val="0"/>
-          </a:schemeClr>
-        </a:solidFill>
-        <a:ln w="15875" cap="rnd" cmpd="sng" algn="ctr">
-          <a:solidFill>
-            <a:schemeClr val="accent1">
-              <a:hueOff val="0"/>
-              <a:satOff val="0"/>
-              <a:lumOff val="0"/>
-              <a:alphaOff val="0"/>
-            </a:schemeClr>
-          </a:solidFill>
-          <a:prstDash val="solid"/>
-        </a:ln>
-        <a:effectLst/>
       </dsp:spPr>
       <dsp:style>
         <a:lnRef idx="2">
-          <a:scrgbClr r="0" g="0" b="0"/>
+          <a:schemeClr val="accent1"/>
         </a:lnRef>
         <a:fillRef idx="1">
-          <a:scrgbClr r="0" g="0" b="0"/>
+          <a:schemeClr val="accent1"/>
         </a:fillRef>
         <a:effectRef idx="0">
           <a:scrgbClr r="0" g="0" b="0"/>
@@ -3175,32 +3383,35 @@
           <a:schemeClr val="lt1"/>
         </a:fontRef>
       </dsp:style>
+      <dsp:txXfrm>
+        <a:off x="0" y="755524"/>
+        <a:ext cx="8915400" cy="0"/>
+      </dsp:txXfrm>
     </dsp:sp>
-    <dsp:sp modelId="{465C8564-D56E-40F7-A1CE-5C647F1CB53F}">
+    <dsp:sp modelId="{26B23502-54D4-48EC-B016-78E737086411}">
       <dsp:nvSpPr>
-        <dsp:cNvPr id="0" name=""/>
+        <dsp:cNvPr id="6" name="Rectangles 5"/>
         <dsp:cNvSpPr/>
       </dsp:nvSpPr>
-      <dsp:spPr>
+      <dsp:spPr bwMode="white">
         <a:xfrm>
-          <a:off x="0" y="3021820"/>
-          <a:ext cx="8915400" cy="755339"/>
+          <a:off x="0" y="755524"/>
+          <a:ext cx="8915400" cy="755524"/>
         </a:xfrm>
         <a:prstGeom prst="rect">
           <a:avLst/>
         </a:prstGeom>
-        <a:noFill/>
-        <a:ln>
-          <a:noFill/>
-        </a:ln>
-        <a:effectLst/>
       </dsp:spPr>
       <dsp:style>
         <a:lnRef idx="0">
-          <a:scrgbClr r="0" g="0" b="0"/>
+          <a:schemeClr val="dk1">
+            <a:alpha val="0"/>
+          </a:schemeClr>
         </a:lnRef>
         <a:fillRef idx="0">
-          <a:scrgbClr r="0" g="0" b="0"/>
+          <a:schemeClr val="lt1">
+            <a:alpha val="0"/>
+          </a:schemeClr>
         </a:fillRef>
         <a:effectRef idx="0">
           <a:scrgbClr r="0" g="0" b="0"/>
@@ -3208,14 +3419,40 @@
         <a:fontRef idx="minor"/>
       </dsp:style>
       <dsp:txBody>
-        <a:bodyPr spcFirstLastPara="0" vert="horz" wrap="square" lIns="60960" tIns="60960" rIns="60960" bIns="60960" numCol="1" spcCol="1270" anchor="t" anchorCtr="0">
-          <a:noAutofit/>
-        </a:bodyPr>
-        <a:lstStyle/>
+        <a:bodyPr lIns="60960" tIns="60960" rIns="60960" bIns="60960" anchor="t"/>
+        <a:lstStyle>
+          <a:lvl1pPr algn="l">
+            <a:defRPr sz="6500"/>
+          </a:lvl1pPr>
+          <a:lvl2pPr marL="285750" indent="-285750" algn="l">
+            <a:defRPr sz="5000"/>
+          </a:lvl2pPr>
+          <a:lvl3pPr marL="571500" indent="-285750" algn="l">
+            <a:defRPr sz="5000"/>
+          </a:lvl3pPr>
+          <a:lvl4pPr marL="857250" indent="-285750" algn="l">
+            <a:defRPr sz="5000"/>
+          </a:lvl4pPr>
+          <a:lvl5pPr marL="1143000" indent="-285750" algn="l">
+            <a:defRPr sz="5000"/>
+          </a:lvl5pPr>
+          <a:lvl6pPr marL="1428750" indent="-285750" algn="l">
+            <a:defRPr sz="5000"/>
+          </a:lvl6pPr>
+          <a:lvl7pPr marL="1714500" indent="-285750" algn="l">
+            <a:defRPr sz="5000"/>
+          </a:lvl7pPr>
+          <a:lvl8pPr marL="2000250" indent="-285750" algn="l">
+            <a:defRPr sz="5000"/>
+          </a:lvl8pPr>
+          <a:lvl9pPr marL="2286000" indent="-285750" algn="l">
+            <a:defRPr sz="5000"/>
+          </a:lvl9pPr>
+        </a:lstStyle>
         <a:p>
-          <a:pPr lvl="0" algn="l" defTabSz="711200" rtl="0">
+          <a:pPr lvl="0" rtl="0">
             <a:lnSpc>
-              <a:spcPct val="90000"/>
+              <a:spcPct val="100000"/>
             </a:lnSpc>
             <a:spcBef>
               <a:spcPct val="0"/>
@@ -3225,28 +3462,457 @@
             </a:spcAft>
           </a:pPr>
           <a:r>
-            <a:rPr lang="en-US" sz="1600" b="1" kern="1200" dirty="0" smtClean="0">
+            <a:rPr lang="en-US" sz="1600" b="1" dirty="0" smtClean="0">
+              <a:solidFill>
+                <a:schemeClr val="tx1"/>
+              </a:solidFill>
+              <a:latin typeface="Times New Roman" panose="02020603050405020304" pitchFamily="18" charset="0"/>
+              <a:cs typeface="Times New Roman" panose="02020603050405020304" pitchFamily="18" charset="0"/>
+            </a:rPr>
+            <a:t>Know what business needs you seek to address</a:t>
+          </a:r>
+          <a:r>
+            <a:rPr lang="en-US" sz="1600" dirty="0" smtClean="0">
+              <a:solidFill>
+                <a:schemeClr val="tx1"/>
+              </a:solidFill>
+              <a:latin typeface="Times New Roman" panose="02020603050405020304" pitchFamily="18" charset="0"/>
+              <a:cs typeface="Times New Roman" panose="02020603050405020304" pitchFamily="18" charset="0"/>
+            </a:rPr>
+            <a:t>. Do you hope to deliver an excellent customer experience? Are you seeking more cost-effective ways to get things done? Your goals inform the way in which you engineer your processes for efficiency.</a:t>
+          </a:r>
+          <a:endParaRPr lang="en-US" sz="1600" dirty="0">
+            <a:solidFill>
+              <a:schemeClr val="tx1"/>
+            </a:solidFill>
+            <a:latin typeface="Times New Roman" panose="02020603050405020304" pitchFamily="18" charset="0"/>
+            <a:cs typeface="Times New Roman" panose="02020603050405020304" pitchFamily="18" charset="0"/>
+          </a:endParaRPr>
+        </a:p>
+      </dsp:txBody>
+      <dsp:txXfrm>
+        <a:off x="0" y="755524"/>
+        <a:ext cx="8915400" cy="755524"/>
+      </dsp:txXfrm>
+    </dsp:sp>
+    <dsp:sp modelId="{42185CB4-1D3C-46C2-8F0C-2FBB54D1C1D7}">
+      <dsp:nvSpPr>
+        <dsp:cNvPr id="7" name="Straight Connector 6"/>
+        <dsp:cNvSpPr/>
+      </dsp:nvSpPr>
+      <dsp:spPr bwMode="white">
+        <a:xfrm>
+          <a:off x="0" y="1511049"/>
+          <a:ext cx="8915400" cy="0"/>
+        </a:xfrm>
+        <a:prstGeom prst="line">
+          <a:avLst/>
+        </a:prstGeom>
+      </dsp:spPr>
+      <dsp:style>
+        <a:lnRef idx="2">
+          <a:schemeClr val="accent1"/>
+        </a:lnRef>
+        <a:fillRef idx="1">
+          <a:schemeClr val="accent1"/>
+        </a:fillRef>
+        <a:effectRef idx="0">
+          <a:scrgbClr r="0" g="0" b="0"/>
+        </a:effectRef>
+        <a:fontRef idx="minor">
+          <a:schemeClr val="lt1"/>
+        </a:fontRef>
+      </dsp:style>
+      <dsp:txXfrm>
+        <a:off x="0" y="1511049"/>
+        <a:ext cx="8915400" cy="0"/>
+      </dsp:txXfrm>
+    </dsp:sp>
+    <dsp:sp modelId="{2B419C5D-2ECA-433D-83B5-C1704649E172}">
+      <dsp:nvSpPr>
+        <dsp:cNvPr id="8" name="Rectangles 7"/>
+        <dsp:cNvSpPr/>
+      </dsp:nvSpPr>
+      <dsp:spPr bwMode="white">
+        <a:xfrm>
+          <a:off x="0" y="1511049"/>
+          <a:ext cx="8915400" cy="755524"/>
+        </a:xfrm>
+        <a:prstGeom prst="rect">
+          <a:avLst/>
+        </a:prstGeom>
+      </dsp:spPr>
+      <dsp:style>
+        <a:lnRef idx="0">
+          <a:schemeClr val="dk1">
+            <a:alpha val="0"/>
+          </a:schemeClr>
+        </a:lnRef>
+        <a:fillRef idx="0">
+          <a:schemeClr val="lt1">
+            <a:alpha val="0"/>
+          </a:schemeClr>
+        </a:fillRef>
+        <a:effectRef idx="0">
+          <a:scrgbClr r="0" g="0" b="0"/>
+        </a:effectRef>
+        <a:fontRef idx="minor"/>
+      </dsp:style>
+      <dsp:txBody>
+        <a:bodyPr lIns="60960" tIns="60960" rIns="60960" bIns="60960" anchor="t"/>
+        <a:lstStyle>
+          <a:lvl1pPr algn="l">
+            <a:defRPr sz="6500"/>
+          </a:lvl1pPr>
+          <a:lvl2pPr marL="285750" indent="-285750" algn="l">
+            <a:defRPr sz="5000"/>
+          </a:lvl2pPr>
+          <a:lvl3pPr marL="571500" indent="-285750" algn="l">
+            <a:defRPr sz="5000"/>
+          </a:lvl3pPr>
+          <a:lvl4pPr marL="857250" indent="-285750" algn="l">
+            <a:defRPr sz="5000"/>
+          </a:lvl4pPr>
+          <a:lvl5pPr marL="1143000" indent="-285750" algn="l">
+            <a:defRPr sz="5000"/>
+          </a:lvl5pPr>
+          <a:lvl6pPr marL="1428750" indent="-285750" algn="l">
+            <a:defRPr sz="5000"/>
+          </a:lvl6pPr>
+          <a:lvl7pPr marL="1714500" indent="-285750" algn="l">
+            <a:defRPr sz="5000"/>
+          </a:lvl7pPr>
+          <a:lvl8pPr marL="2000250" indent="-285750" algn="l">
+            <a:defRPr sz="5000"/>
+          </a:lvl8pPr>
+          <a:lvl9pPr marL="2286000" indent="-285750" algn="l">
+            <a:defRPr sz="5000"/>
+          </a:lvl9pPr>
+        </a:lstStyle>
+        <a:p>
+          <a:pPr lvl="0" rtl="0">
+            <a:lnSpc>
+              <a:spcPct val="100000"/>
+            </a:lnSpc>
+            <a:spcBef>
+              <a:spcPct val="0"/>
+            </a:spcBef>
+            <a:spcAft>
+              <a:spcPct val="35000"/>
+            </a:spcAft>
+          </a:pPr>
+          <a:r>
+            <a:rPr lang="en-US" sz="1600" b="1" dirty="0" smtClean="0">
+              <a:solidFill>
+                <a:schemeClr val="tx1"/>
+              </a:solidFill>
+              <a:latin typeface="Times New Roman" panose="02020603050405020304" pitchFamily="18" charset="0"/>
+              <a:cs typeface="Times New Roman" panose="02020603050405020304" pitchFamily="18" charset="0"/>
+            </a:rPr>
+            <a:t>Have the IT infrastructure you need</a:t>
+          </a:r>
+          <a:r>
+            <a:rPr lang="en-US" sz="1600" dirty="0" smtClean="0">
+              <a:solidFill>
+                <a:schemeClr val="tx1"/>
+              </a:solidFill>
+              <a:latin typeface="Times New Roman" panose="02020603050405020304" pitchFamily="18" charset="0"/>
+              <a:cs typeface="Times New Roman" panose="02020603050405020304" pitchFamily="18" charset="0"/>
+            </a:rPr>
+            <a:t>. With business process engineering, IT infrastructure provides the tools and data that are needed.</a:t>
+          </a:r>
+          <a:endParaRPr lang="en-US" sz="1600" dirty="0">
+            <a:solidFill>
+              <a:schemeClr val="tx1"/>
+            </a:solidFill>
+            <a:latin typeface="Times New Roman" panose="02020603050405020304" pitchFamily="18" charset="0"/>
+            <a:cs typeface="Times New Roman" panose="02020603050405020304" pitchFamily="18" charset="0"/>
+          </a:endParaRPr>
+        </a:p>
+      </dsp:txBody>
+      <dsp:txXfrm>
+        <a:off x="0" y="1511049"/>
+        <a:ext cx="8915400" cy="755524"/>
+      </dsp:txXfrm>
+    </dsp:sp>
+    <dsp:sp modelId="{DEC2E3B4-CC2C-442C-9A63-BC38C5459E17}">
+      <dsp:nvSpPr>
+        <dsp:cNvPr id="9" name="Straight Connector 8"/>
+        <dsp:cNvSpPr/>
+      </dsp:nvSpPr>
+      <dsp:spPr bwMode="white">
+        <a:xfrm>
+          <a:off x="0" y="2266573"/>
+          <a:ext cx="8915400" cy="0"/>
+        </a:xfrm>
+        <a:prstGeom prst="line">
+          <a:avLst/>
+        </a:prstGeom>
+      </dsp:spPr>
+      <dsp:style>
+        <a:lnRef idx="2">
+          <a:schemeClr val="accent1"/>
+        </a:lnRef>
+        <a:fillRef idx="1">
+          <a:schemeClr val="accent1"/>
+        </a:fillRef>
+        <a:effectRef idx="0">
+          <a:scrgbClr r="0" g="0" b="0"/>
+        </a:effectRef>
+        <a:fontRef idx="minor">
+          <a:schemeClr val="lt1"/>
+        </a:fontRef>
+      </dsp:style>
+      <dsp:txXfrm>
+        <a:off x="0" y="2266573"/>
+        <a:ext cx="8915400" cy="0"/>
+      </dsp:txXfrm>
+    </dsp:sp>
+    <dsp:sp modelId="{6CCE2537-B1E7-4EC9-BC3D-7C0835A2B59F}">
+      <dsp:nvSpPr>
+        <dsp:cNvPr id="10" name="Rectangles 9"/>
+        <dsp:cNvSpPr/>
+      </dsp:nvSpPr>
+      <dsp:spPr bwMode="white">
+        <a:xfrm>
+          <a:off x="0" y="2266573"/>
+          <a:ext cx="8915400" cy="755524"/>
+        </a:xfrm>
+        <a:prstGeom prst="rect">
+          <a:avLst/>
+        </a:prstGeom>
+      </dsp:spPr>
+      <dsp:style>
+        <a:lnRef idx="0">
+          <a:schemeClr val="dk1">
+            <a:alpha val="0"/>
+          </a:schemeClr>
+        </a:lnRef>
+        <a:fillRef idx="0">
+          <a:schemeClr val="lt1">
+            <a:alpha val="0"/>
+          </a:schemeClr>
+        </a:fillRef>
+        <a:effectRef idx="0">
+          <a:scrgbClr r="0" g="0" b="0"/>
+        </a:effectRef>
+        <a:fontRef idx="minor"/>
+      </dsp:style>
+      <dsp:txBody>
+        <a:bodyPr lIns="60960" tIns="60960" rIns="60960" bIns="60960" anchor="t"/>
+        <a:lstStyle>
+          <a:lvl1pPr algn="l">
+            <a:defRPr sz="6500"/>
+          </a:lvl1pPr>
+          <a:lvl2pPr marL="285750" indent="-285750" algn="l">
+            <a:defRPr sz="5000"/>
+          </a:lvl2pPr>
+          <a:lvl3pPr marL="571500" indent="-285750" algn="l">
+            <a:defRPr sz="5000"/>
+          </a:lvl3pPr>
+          <a:lvl4pPr marL="857250" indent="-285750" algn="l">
+            <a:defRPr sz="5000"/>
+          </a:lvl4pPr>
+          <a:lvl5pPr marL="1143000" indent="-285750" algn="l">
+            <a:defRPr sz="5000"/>
+          </a:lvl5pPr>
+          <a:lvl6pPr marL="1428750" indent="-285750" algn="l">
+            <a:defRPr sz="5000"/>
+          </a:lvl6pPr>
+          <a:lvl7pPr marL="1714500" indent="-285750" algn="l">
+            <a:defRPr sz="5000"/>
+          </a:lvl7pPr>
+          <a:lvl8pPr marL="2000250" indent="-285750" algn="l">
+            <a:defRPr sz="5000"/>
+          </a:lvl8pPr>
+          <a:lvl9pPr marL="2286000" indent="-285750" algn="l">
+            <a:defRPr sz="5000"/>
+          </a:lvl9pPr>
+        </a:lstStyle>
+        <a:p>
+          <a:pPr lvl="0" rtl="0">
+            <a:lnSpc>
+              <a:spcPct val="100000"/>
+            </a:lnSpc>
+            <a:spcBef>
+              <a:spcPct val="0"/>
+            </a:spcBef>
+            <a:spcAft>
+              <a:spcPct val="35000"/>
+            </a:spcAft>
+          </a:pPr>
+          <a:r>
+            <a:rPr lang="en-US" sz="1600" b="1" dirty="0" smtClean="0">
+              <a:solidFill>
+                <a:schemeClr val="tx1"/>
+              </a:solidFill>
+              <a:latin typeface="Times New Roman" panose="02020603050405020304" pitchFamily="18" charset="0"/>
+              <a:cs typeface="Times New Roman" panose="02020603050405020304" pitchFamily="18" charset="0"/>
+            </a:rPr>
+            <a:t>Effective change management strategies </a:t>
+          </a:r>
+          <a:r>
+            <a:rPr lang="en-US" sz="1600" dirty="0" smtClean="0">
+              <a:solidFill>
+                <a:schemeClr val="tx1"/>
+              </a:solidFill>
+              <a:latin typeface="Times New Roman" panose="02020603050405020304" pitchFamily="18" charset="0"/>
+              <a:cs typeface="Times New Roman" panose="02020603050405020304" pitchFamily="18" charset="0"/>
+            </a:rPr>
+            <a:t>help to get all the affected parties working together towards common goals.</a:t>
+          </a:r>
+          <a:endParaRPr lang="en-US" sz="1600" dirty="0">
+            <a:solidFill>
+              <a:schemeClr val="tx1"/>
+            </a:solidFill>
+            <a:latin typeface="Times New Roman" panose="02020603050405020304" pitchFamily="18" charset="0"/>
+            <a:cs typeface="Times New Roman" panose="02020603050405020304" pitchFamily="18" charset="0"/>
+          </a:endParaRPr>
+        </a:p>
+      </dsp:txBody>
+      <dsp:txXfrm>
+        <a:off x="0" y="2266573"/>
+        <a:ext cx="8915400" cy="755524"/>
+      </dsp:txXfrm>
+    </dsp:sp>
+    <dsp:sp modelId="{697615C0-F286-4C1F-9B4E-72B782F7E994}">
+      <dsp:nvSpPr>
+        <dsp:cNvPr id="11" name="Straight Connector 10"/>
+        <dsp:cNvSpPr/>
+      </dsp:nvSpPr>
+      <dsp:spPr bwMode="white">
+        <a:xfrm>
+          <a:off x="0" y="3022098"/>
+          <a:ext cx="8915400" cy="0"/>
+        </a:xfrm>
+        <a:prstGeom prst="line">
+          <a:avLst/>
+        </a:prstGeom>
+      </dsp:spPr>
+      <dsp:style>
+        <a:lnRef idx="2">
+          <a:schemeClr val="accent1"/>
+        </a:lnRef>
+        <a:fillRef idx="1">
+          <a:schemeClr val="accent1"/>
+        </a:fillRef>
+        <a:effectRef idx="0">
+          <a:scrgbClr r="0" g="0" b="0"/>
+        </a:effectRef>
+        <a:fontRef idx="minor">
+          <a:schemeClr val="lt1"/>
+        </a:fontRef>
+      </dsp:style>
+      <dsp:txXfrm>
+        <a:off x="0" y="3022098"/>
+        <a:ext cx="8915400" cy="0"/>
+      </dsp:txXfrm>
+    </dsp:sp>
+    <dsp:sp modelId="{465C8564-D56E-40F7-A1CE-5C647F1CB53F}">
+      <dsp:nvSpPr>
+        <dsp:cNvPr id="12" name="Rectangles 11"/>
+        <dsp:cNvSpPr/>
+      </dsp:nvSpPr>
+      <dsp:spPr bwMode="white">
+        <a:xfrm>
+          <a:off x="0" y="3022098"/>
+          <a:ext cx="8915400" cy="755524"/>
+        </a:xfrm>
+        <a:prstGeom prst="rect">
+          <a:avLst/>
+        </a:prstGeom>
+      </dsp:spPr>
+      <dsp:style>
+        <a:lnRef idx="0">
+          <a:schemeClr val="dk1">
+            <a:alpha val="0"/>
+          </a:schemeClr>
+        </a:lnRef>
+        <a:fillRef idx="0">
+          <a:schemeClr val="lt1">
+            <a:alpha val="0"/>
+          </a:schemeClr>
+        </a:fillRef>
+        <a:effectRef idx="0">
+          <a:scrgbClr r="0" g="0" b="0"/>
+        </a:effectRef>
+        <a:fontRef idx="minor"/>
+      </dsp:style>
+      <dsp:txBody>
+        <a:bodyPr lIns="60960" tIns="60960" rIns="60960" bIns="60960" anchor="t"/>
+        <a:lstStyle>
+          <a:lvl1pPr algn="l">
+            <a:defRPr sz="6500"/>
+          </a:lvl1pPr>
+          <a:lvl2pPr marL="285750" indent="-285750" algn="l">
+            <a:defRPr sz="5000"/>
+          </a:lvl2pPr>
+          <a:lvl3pPr marL="571500" indent="-285750" algn="l">
+            <a:defRPr sz="5000"/>
+          </a:lvl3pPr>
+          <a:lvl4pPr marL="857250" indent="-285750" algn="l">
+            <a:defRPr sz="5000"/>
+          </a:lvl4pPr>
+          <a:lvl5pPr marL="1143000" indent="-285750" algn="l">
+            <a:defRPr sz="5000"/>
+          </a:lvl5pPr>
+          <a:lvl6pPr marL="1428750" indent="-285750" algn="l">
+            <a:defRPr sz="5000"/>
+          </a:lvl6pPr>
+          <a:lvl7pPr marL="1714500" indent="-285750" algn="l">
+            <a:defRPr sz="5000"/>
+          </a:lvl7pPr>
+          <a:lvl8pPr marL="2000250" indent="-285750" algn="l">
+            <a:defRPr sz="5000"/>
+          </a:lvl8pPr>
+          <a:lvl9pPr marL="2286000" indent="-285750" algn="l">
+            <a:defRPr sz="5000"/>
+          </a:lvl9pPr>
+        </a:lstStyle>
+        <a:p>
+          <a:pPr lvl="0" rtl="0">
+            <a:lnSpc>
+              <a:spcPct val="100000"/>
+            </a:lnSpc>
+            <a:spcBef>
+              <a:spcPct val="0"/>
+            </a:spcBef>
+            <a:spcAft>
+              <a:spcPct val="35000"/>
+            </a:spcAft>
+          </a:pPr>
+          <a:r>
+            <a:rPr lang="en-US" sz="1600" b="1" dirty="0" smtClean="0">
+              <a:solidFill>
+                <a:schemeClr val="tx1"/>
+              </a:solidFill>
               <a:latin typeface="Times New Roman" panose="02020603050405020304" pitchFamily="18" charset="0"/>
               <a:cs typeface="Times New Roman" panose="02020603050405020304" pitchFamily="18" charset="0"/>
             </a:rPr>
             <a:t>Commitment to continuous improvement </a:t>
           </a:r>
           <a:r>
-            <a:rPr lang="en-US" sz="1600" kern="1200" dirty="0" smtClean="0">
+            <a:rPr lang="en-US" sz="1600" dirty="0" smtClean="0">
+              <a:solidFill>
+                <a:schemeClr val="tx1"/>
+              </a:solidFill>
               <a:latin typeface="Times New Roman" panose="02020603050405020304" pitchFamily="18" charset="0"/>
               <a:cs typeface="Times New Roman" panose="02020603050405020304" pitchFamily="18" charset="0"/>
             </a:rPr>
             <a:t>is a must. Whether you are setting up processes that will run for the first time or are streamlining, changing or revising existing systems, the actual results you achieve will point towards areas for further improvement.</a:t>
           </a:r>
-          <a:endParaRPr lang="en-US" sz="1600" kern="1200" dirty="0">
+          <a:endParaRPr lang="en-US" sz="1600" dirty="0">
+            <a:solidFill>
+              <a:schemeClr val="tx1"/>
+            </a:solidFill>
             <a:latin typeface="Times New Roman" panose="02020603050405020304" pitchFamily="18" charset="0"/>
             <a:cs typeface="Times New Roman" panose="02020603050405020304" pitchFamily="18" charset="0"/>
           </a:endParaRPr>
         </a:p>
       </dsp:txBody>
       <dsp:txXfrm>
-        <a:off x="0" y="3021820"/>
-        <a:ext cx="8915400" cy="755339"/>
+        <a:off x="0" y="3022098"/>
+        <a:ext cx="8915400" cy="755524"/>
       </dsp:txXfrm>
     </dsp:sp>
   </dsp:spTree>
@@ -3947,15 +4613,503 @@
     <a:camera prst="orthographicFront"/>
     <a:lightRig rig="threePt" dir="t"/>
   </dgm:scene3d>
-  <dgm:styleLbl name="node0">
+  <dgm:styleLbl name="alignAcc1">
     <dgm:scene3d>
       <a:camera prst="orthographicFront"/>
       <a:lightRig rig="threePt" dir="t"/>
     </dgm:scene3d>
-    <dgm:sp3d/>
     <dgm:txPr/>
     <dgm:style>
       <a:lnRef idx="2">
+        <a:scrgbClr r="0" g="0" b="0"/>
+      </a:lnRef>
+      <a:fillRef idx="1">
+        <a:scrgbClr r="0" g="0" b="0"/>
+      </a:fillRef>
+      <a:effectRef idx="0">
+        <a:scrgbClr r="0" g="0" b="0"/>
+      </a:effectRef>
+      <a:fontRef idx="minor"/>
+    </dgm:style>
+  </dgm:styleLbl>
+  <dgm:styleLbl name="alignAccFollowNode1">
+    <dgm:scene3d>
+      <a:camera prst="orthographicFront"/>
+      <a:lightRig rig="threePt" dir="t"/>
+    </dgm:scene3d>
+    <dgm:txPr/>
+    <dgm:style>
+      <a:lnRef idx="2">
+        <a:scrgbClr r="0" g="0" b="0"/>
+      </a:lnRef>
+      <a:fillRef idx="1">
+        <a:scrgbClr r="0" g="0" b="0"/>
+      </a:fillRef>
+      <a:effectRef idx="0">
+        <a:scrgbClr r="0" g="0" b="0"/>
+      </a:effectRef>
+      <a:fontRef idx="minor"/>
+    </dgm:style>
+  </dgm:styleLbl>
+  <dgm:styleLbl name="alignImgPlace1">
+    <dgm:scene3d>
+      <a:camera prst="orthographicFront"/>
+      <a:lightRig rig="threePt" dir="t"/>
+    </dgm:scene3d>
+    <dgm:txPr/>
+    <dgm:style>
+      <a:lnRef idx="2">
+        <a:scrgbClr r="0" g="0" b="0"/>
+      </a:lnRef>
+      <a:fillRef idx="1">
+        <a:scrgbClr r="0" g="0" b="0"/>
+      </a:fillRef>
+      <a:effectRef idx="0">
+        <a:scrgbClr r="0" g="0" b="0"/>
+      </a:effectRef>
+      <a:fontRef idx="minor"/>
+    </dgm:style>
+  </dgm:styleLbl>
+  <dgm:styleLbl name="alignNode1">
+    <dgm:scene3d>
+      <a:camera prst="orthographicFront"/>
+      <a:lightRig rig="threePt" dir="t"/>
+    </dgm:scene3d>
+    <dgm:txPr/>
+    <dgm:style>
+      <a:lnRef idx="2">
+        <a:scrgbClr r="0" g="0" b="0"/>
+      </a:lnRef>
+      <a:fillRef idx="1">
+        <a:scrgbClr r="0" g="0" b="0"/>
+      </a:fillRef>
+      <a:effectRef idx="0">
+        <a:scrgbClr r="0" g="0" b="0"/>
+      </a:effectRef>
+      <a:fontRef idx="minor">
+        <a:schemeClr val="lt1"/>
+      </a:fontRef>
+    </dgm:style>
+  </dgm:styleLbl>
+  <dgm:styleLbl name="asst0">
+    <dgm:scene3d>
+      <a:camera prst="orthographicFront"/>
+      <a:lightRig rig="threePt" dir="t"/>
+    </dgm:scene3d>
+    <dgm:txPr/>
+    <dgm:style>
+      <a:lnRef idx="2">
+        <a:scrgbClr r="0" g="0" b="0"/>
+      </a:lnRef>
+      <a:fillRef idx="1">
+        <a:scrgbClr r="0" g="0" b="0"/>
+      </a:fillRef>
+      <a:effectRef idx="0">
+        <a:scrgbClr r="0" g="0" b="0"/>
+      </a:effectRef>
+      <a:fontRef idx="minor">
+        <a:schemeClr val="lt1"/>
+      </a:fontRef>
+    </dgm:style>
+  </dgm:styleLbl>
+  <dgm:styleLbl name="asst1">
+    <dgm:scene3d>
+      <a:camera prst="orthographicFront"/>
+      <a:lightRig rig="threePt" dir="t"/>
+    </dgm:scene3d>
+    <dgm:txPr/>
+    <dgm:style>
+      <a:lnRef idx="2">
+        <a:scrgbClr r="0" g="0" b="0"/>
+      </a:lnRef>
+      <a:fillRef idx="1">
+        <a:scrgbClr r="0" g="0" b="0"/>
+      </a:fillRef>
+      <a:effectRef idx="0">
+        <a:scrgbClr r="0" g="0" b="0"/>
+      </a:effectRef>
+      <a:fontRef idx="minor">
+        <a:schemeClr val="lt1"/>
+      </a:fontRef>
+    </dgm:style>
+  </dgm:styleLbl>
+  <dgm:styleLbl name="asst2">
+    <dgm:scene3d>
+      <a:camera prst="orthographicFront"/>
+      <a:lightRig rig="threePt" dir="t"/>
+    </dgm:scene3d>
+    <dgm:txPr/>
+    <dgm:style>
+      <a:lnRef idx="2">
+        <a:scrgbClr r="0" g="0" b="0"/>
+      </a:lnRef>
+      <a:fillRef idx="1">
+        <a:scrgbClr r="0" g="0" b="0"/>
+      </a:fillRef>
+      <a:effectRef idx="0">
+        <a:scrgbClr r="0" g="0" b="0"/>
+      </a:effectRef>
+      <a:fontRef idx="minor">
+        <a:schemeClr val="lt1"/>
+      </a:fontRef>
+    </dgm:style>
+  </dgm:styleLbl>
+  <dgm:styleLbl name="asst3">
+    <dgm:scene3d>
+      <a:camera prst="orthographicFront"/>
+      <a:lightRig rig="threePt" dir="t"/>
+    </dgm:scene3d>
+    <dgm:txPr/>
+    <dgm:style>
+      <a:lnRef idx="2">
+        <a:scrgbClr r="0" g="0" b="0"/>
+      </a:lnRef>
+      <a:fillRef idx="1">
+        <a:scrgbClr r="0" g="0" b="0"/>
+      </a:fillRef>
+      <a:effectRef idx="0">
+        <a:scrgbClr r="0" g="0" b="0"/>
+      </a:effectRef>
+      <a:fontRef idx="minor">
+        <a:schemeClr val="lt1"/>
+      </a:fontRef>
+    </dgm:style>
+  </dgm:styleLbl>
+  <dgm:styleLbl name="asst4">
+    <dgm:scene3d>
+      <a:camera prst="orthographicFront"/>
+      <a:lightRig rig="threePt" dir="t"/>
+    </dgm:scene3d>
+    <dgm:txPr/>
+    <dgm:style>
+      <a:lnRef idx="2">
+        <a:scrgbClr r="0" g="0" b="0"/>
+      </a:lnRef>
+      <a:fillRef idx="1">
+        <a:scrgbClr r="0" g="0" b="0"/>
+      </a:fillRef>
+      <a:effectRef idx="0">
+        <a:scrgbClr r="0" g="0" b="0"/>
+      </a:effectRef>
+      <a:fontRef idx="minor">
+        <a:schemeClr val="lt1"/>
+      </a:fontRef>
+    </dgm:style>
+  </dgm:styleLbl>
+  <dgm:styleLbl name="bgAcc1">
+    <dgm:scene3d>
+      <a:camera prst="orthographicFront"/>
+      <a:lightRig rig="threePt" dir="t"/>
+    </dgm:scene3d>
+    <dgm:txPr/>
+    <dgm:style>
+      <a:lnRef idx="2">
+        <a:scrgbClr r="0" g="0" b="0"/>
+      </a:lnRef>
+      <a:fillRef idx="1">
+        <a:scrgbClr r="0" g="0" b="0"/>
+      </a:fillRef>
+      <a:effectRef idx="0">
+        <a:scrgbClr r="0" g="0" b="0"/>
+      </a:effectRef>
+      <a:fontRef idx="minor"/>
+    </dgm:style>
+  </dgm:styleLbl>
+  <dgm:styleLbl name="bgAccFollowNode1">
+    <dgm:scene3d>
+      <a:camera prst="orthographicFront"/>
+      <a:lightRig rig="threePt" dir="t"/>
+    </dgm:scene3d>
+    <dgm:txPr/>
+    <dgm:style>
+      <a:lnRef idx="2">
+        <a:scrgbClr r="0" g="0" b="0"/>
+      </a:lnRef>
+      <a:fillRef idx="1">
+        <a:scrgbClr r="0" g="0" b="0"/>
+      </a:fillRef>
+      <a:effectRef idx="0">
+        <a:scrgbClr r="0" g="0" b="0"/>
+      </a:effectRef>
+      <a:fontRef idx="minor"/>
+    </dgm:style>
+  </dgm:styleLbl>
+  <dgm:styleLbl name="bgImgPlace1">
+    <dgm:scene3d>
+      <a:camera prst="orthographicFront"/>
+      <a:lightRig rig="threePt" dir="t"/>
+    </dgm:scene3d>
+    <dgm:txPr/>
+    <dgm:style>
+      <a:lnRef idx="2">
+        <a:scrgbClr r="0" g="0" b="0"/>
+      </a:lnRef>
+      <a:fillRef idx="1">
+        <a:scrgbClr r="0" g="0" b="0"/>
+      </a:fillRef>
+      <a:effectRef idx="0">
+        <a:scrgbClr r="0" g="0" b="0"/>
+      </a:effectRef>
+      <a:fontRef idx="minor"/>
+    </dgm:style>
+  </dgm:styleLbl>
+  <dgm:styleLbl name="bgShp">
+    <dgm:scene3d>
+      <a:camera prst="orthographicFront"/>
+      <a:lightRig rig="threePt" dir="t"/>
+    </dgm:scene3d>
+    <dgm:txPr/>
+    <dgm:style>
+      <a:lnRef idx="0">
+        <a:scrgbClr r="0" g="0" b="0"/>
+      </a:lnRef>
+      <a:fillRef idx="1">
+        <a:scrgbClr r="0" g="0" b="0"/>
+      </a:fillRef>
+      <a:effectRef idx="0">
+        <a:scrgbClr r="0" g="0" b="0"/>
+      </a:effectRef>
+      <a:fontRef idx="minor"/>
+    </dgm:style>
+  </dgm:styleLbl>
+  <dgm:styleLbl name="bgSibTrans2D1">
+    <dgm:scene3d>
+      <a:camera prst="orthographicFront"/>
+      <a:lightRig rig="threePt" dir="t"/>
+    </dgm:scene3d>
+    <dgm:txPr/>
+    <dgm:style>
+      <a:lnRef idx="0">
+        <a:scrgbClr r="0" g="0" b="0"/>
+      </a:lnRef>
+      <a:fillRef idx="1">
+        <a:scrgbClr r="0" g="0" b="0"/>
+      </a:fillRef>
+      <a:effectRef idx="0">
+        <a:scrgbClr r="0" g="0" b="0"/>
+      </a:effectRef>
+      <a:fontRef idx="minor">
+        <a:schemeClr val="lt1"/>
+      </a:fontRef>
+    </dgm:style>
+  </dgm:styleLbl>
+  <dgm:styleLbl name="callout">
+    <dgm:scene3d>
+      <a:camera prst="orthographicFront"/>
+      <a:lightRig rig="threePt" dir="t"/>
+    </dgm:scene3d>
+    <dgm:txPr/>
+    <dgm:style>
+      <a:lnRef idx="2">
+        <a:scrgbClr r="0" g="0" b="0"/>
+      </a:lnRef>
+      <a:fillRef idx="1">
+        <a:scrgbClr r="0" g="0" b="0"/>
+      </a:fillRef>
+      <a:effectRef idx="0">
+        <a:scrgbClr r="0" g="0" b="0"/>
+      </a:effectRef>
+      <a:fontRef idx="minor"/>
+    </dgm:style>
+  </dgm:styleLbl>
+  <dgm:styleLbl name="conFgAcc1">
+    <dgm:scene3d>
+      <a:camera prst="orthographicFront"/>
+      <a:lightRig rig="threePt" dir="t"/>
+    </dgm:scene3d>
+    <dgm:txPr/>
+    <dgm:style>
+      <a:lnRef idx="2">
+        <a:scrgbClr r="0" g="0" b="0"/>
+      </a:lnRef>
+      <a:fillRef idx="1">
+        <a:scrgbClr r="0" g="0" b="0"/>
+      </a:fillRef>
+      <a:effectRef idx="0">
+        <a:scrgbClr r="0" g="0" b="0"/>
+      </a:effectRef>
+      <a:fontRef idx="minor"/>
+    </dgm:style>
+  </dgm:styleLbl>
+  <dgm:styleLbl name="dkBgShp">
+    <dgm:scene3d>
+      <a:camera prst="orthographicFront"/>
+      <a:lightRig rig="threePt" dir="t"/>
+    </dgm:scene3d>
+    <dgm:txPr/>
+    <dgm:style>
+      <a:lnRef idx="0">
+        <a:scrgbClr r="0" g="0" b="0"/>
+      </a:lnRef>
+      <a:fillRef idx="1">
+        <a:scrgbClr r="0" g="0" b="0"/>
+      </a:fillRef>
+      <a:effectRef idx="0">
+        <a:scrgbClr r="0" g="0" b="0"/>
+      </a:effectRef>
+      <a:fontRef idx="minor"/>
+    </dgm:style>
+  </dgm:styleLbl>
+  <dgm:styleLbl name="fgAcc0">
+    <dgm:scene3d>
+      <a:camera prst="orthographicFront"/>
+      <a:lightRig rig="threePt" dir="t"/>
+    </dgm:scene3d>
+    <dgm:txPr/>
+    <dgm:style>
+      <a:lnRef idx="2">
+        <a:scrgbClr r="0" g="0" b="0"/>
+      </a:lnRef>
+      <a:fillRef idx="1">
+        <a:scrgbClr r="0" g="0" b="0"/>
+      </a:fillRef>
+      <a:effectRef idx="0">
+        <a:scrgbClr r="0" g="0" b="0"/>
+      </a:effectRef>
+      <a:fontRef idx="minor"/>
+    </dgm:style>
+  </dgm:styleLbl>
+  <dgm:styleLbl name="fgAcc1">
+    <dgm:scene3d>
+      <a:camera prst="orthographicFront"/>
+      <a:lightRig rig="threePt" dir="t"/>
+    </dgm:scene3d>
+    <dgm:txPr/>
+    <dgm:style>
+      <a:lnRef idx="2">
+        <a:scrgbClr r="0" g="0" b="0"/>
+      </a:lnRef>
+      <a:fillRef idx="1">
+        <a:scrgbClr r="0" g="0" b="0"/>
+      </a:fillRef>
+      <a:effectRef idx="0">
+        <a:scrgbClr r="0" g="0" b="0"/>
+      </a:effectRef>
+      <a:fontRef idx="minor"/>
+    </dgm:style>
+  </dgm:styleLbl>
+  <dgm:styleLbl name="fgAcc2">
+    <dgm:scene3d>
+      <a:camera prst="orthographicFront"/>
+      <a:lightRig rig="threePt" dir="t"/>
+    </dgm:scene3d>
+    <dgm:txPr/>
+    <dgm:style>
+      <a:lnRef idx="2">
+        <a:scrgbClr r="0" g="0" b="0"/>
+      </a:lnRef>
+      <a:fillRef idx="1">
+        <a:scrgbClr r="0" g="0" b="0"/>
+      </a:fillRef>
+      <a:effectRef idx="0">
+        <a:scrgbClr r="0" g="0" b="0"/>
+      </a:effectRef>
+      <a:fontRef idx="minor"/>
+    </dgm:style>
+  </dgm:styleLbl>
+  <dgm:styleLbl name="fgAcc3">
+    <dgm:scene3d>
+      <a:camera prst="orthographicFront"/>
+      <a:lightRig rig="threePt" dir="t"/>
+    </dgm:scene3d>
+    <dgm:txPr/>
+    <dgm:style>
+      <a:lnRef idx="2">
+        <a:scrgbClr r="0" g="0" b="0"/>
+      </a:lnRef>
+      <a:fillRef idx="1">
+        <a:scrgbClr r="0" g="0" b="0"/>
+      </a:fillRef>
+      <a:effectRef idx="0">
+        <a:scrgbClr r="0" g="0" b="0"/>
+      </a:effectRef>
+      <a:fontRef idx="minor"/>
+    </dgm:style>
+  </dgm:styleLbl>
+  <dgm:styleLbl name="fgAcc4">
+    <dgm:scene3d>
+      <a:camera prst="orthographicFront"/>
+      <a:lightRig rig="threePt" dir="t"/>
+    </dgm:scene3d>
+    <dgm:txPr/>
+    <dgm:style>
+      <a:lnRef idx="2">
+        <a:scrgbClr r="0" g="0" b="0"/>
+      </a:lnRef>
+      <a:fillRef idx="1">
+        <a:scrgbClr r="0" g="0" b="0"/>
+      </a:fillRef>
+      <a:effectRef idx="0">
+        <a:scrgbClr r="0" g="0" b="0"/>
+      </a:effectRef>
+      <a:fontRef idx="minor"/>
+    </dgm:style>
+  </dgm:styleLbl>
+  <dgm:styleLbl name="fgAccFollowNode1">
+    <dgm:scene3d>
+      <a:camera prst="orthographicFront"/>
+      <a:lightRig rig="threePt" dir="t"/>
+    </dgm:scene3d>
+    <dgm:txPr/>
+    <dgm:style>
+      <a:lnRef idx="2">
+        <a:scrgbClr r="0" g="0" b="0"/>
+      </a:lnRef>
+      <a:fillRef idx="1">
+        <a:scrgbClr r="0" g="0" b="0"/>
+      </a:fillRef>
+      <a:effectRef idx="0">
+        <a:scrgbClr r="0" g="0" b="0"/>
+      </a:effectRef>
+      <a:fontRef idx="minor"/>
+    </dgm:style>
+  </dgm:styleLbl>
+  <dgm:styleLbl name="fgImgPlace1">
+    <dgm:scene3d>
+      <a:camera prst="orthographicFront"/>
+      <a:lightRig rig="threePt" dir="t"/>
+    </dgm:scene3d>
+    <dgm:txPr/>
+    <dgm:style>
+      <a:lnRef idx="2">
+        <a:scrgbClr r="0" g="0" b="0"/>
+      </a:lnRef>
+      <a:fillRef idx="1">
+        <a:scrgbClr r="0" g="0" b="0"/>
+      </a:fillRef>
+      <a:effectRef idx="0">
+        <a:scrgbClr r="0" g="0" b="0"/>
+      </a:effectRef>
+      <a:fontRef idx="minor"/>
+    </dgm:style>
+  </dgm:styleLbl>
+  <dgm:styleLbl name="fgShp">
+    <dgm:scene3d>
+      <a:camera prst="orthographicFront"/>
+      <a:lightRig rig="threePt" dir="t"/>
+    </dgm:scene3d>
+    <dgm:txPr/>
+    <dgm:style>
+      <a:lnRef idx="2">
+        <a:scrgbClr r="0" g="0" b="0"/>
+      </a:lnRef>
+      <a:fillRef idx="1">
+        <a:scrgbClr r="0" g="0" b="0"/>
+      </a:fillRef>
+      <a:effectRef idx="0">
+        <a:scrgbClr r="0" g="0" b="0"/>
+      </a:effectRef>
+      <a:fontRef idx="minor"/>
+    </dgm:style>
+  </dgm:styleLbl>
+  <dgm:styleLbl name="fgSibTrans2D1">
+    <dgm:scene3d>
+      <a:camera prst="orthographicFront"/>
+      <a:lightRig rig="threePt" dir="t"/>
+    </dgm:scene3d>
+    <dgm:txPr/>
+    <dgm:style>
+      <a:lnRef idx="0">
         <a:scrgbClr r="0" g="0" b="0"/>
       </a:lnRef>
       <a:fillRef idx="1">
@@ -3974,7 +5128,6 @@
       <a:camera prst="orthographicFront"/>
       <a:lightRig rig="threePt" dir="t"/>
     </dgm:scene3d>
-    <dgm:sp3d/>
     <dgm:txPr/>
     <dgm:style>
       <a:lnRef idx="2">
@@ -3991,34 +5144,11 @@
       </a:fontRef>
     </dgm:style>
   </dgm:styleLbl>
-  <dgm:styleLbl name="vennNode1">
+  <dgm:styleLbl name="node0">
     <dgm:scene3d>
       <a:camera prst="orthographicFront"/>
       <a:lightRig rig="threePt" dir="t"/>
     </dgm:scene3d>
-    <dgm:sp3d/>
-    <dgm:txPr/>
-    <dgm:style>
-      <a:lnRef idx="2">
-        <a:scrgbClr r="0" g="0" b="0"/>
-      </a:lnRef>
-      <a:fillRef idx="1">
-        <a:scrgbClr r="0" g="0" b="0"/>
-      </a:fillRef>
-      <a:effectRef idx="0">
-        <a:scrgbClr r="0" g="0" b="0"/>
-      </a:effectRef>
-      <a:fontRef idx="minor">
-        <a:schemeClr val="tx1"/>
-      </a:fontRef>
-    </dgm:style>
-  </dgm:styleLbl>
-  <dgm:styleLbl name="alignNode1">
-    <dgm:scene3d>
-      <a:camera prst="orthographicFront"/>
-      <a:lightRig rig="threePt" dir="t"/>
-    </dgm:scene3d>
-    <dgm:sp3d/>
     <dgm:txPr/>
     <dgm:style>
       <a:lnRef idx="2">
@@ -4040,7 +5170,6 @@
       <a:camera prst="orthographicFront"/>
       <a:lightRig rig="threePt" dir="t"/>
     </dgm:scene3d>
-    <dgm:sp3d/>
     <dgm:txPr/>
     <dgm:style>
       <a:lnRef idx="2">
@@ -4062,7 +5191,6 @@
       <a:camera prst="orthographicFront"/>
       <a:lightRig rig="threePt" dir="t"/>
     </dgm:scene3d>
-    <dgm:sp3d/>
     <dgm:txPr/>
     <dgm:style>
       <a:lnRef idx="2">
@@ -4084,7 +5212,6 @@
       <a:camera prst="orthographicFront"/>
       <a:lightRig rig="threePt" dir="t"/>
     </dgm:scene3d>
-    <dgm:sp3d/>
     <dgm:txPr/>
     <dgm:style>
       <a:lnRef idx="2">
@@ -4106,7 +5233,6 @@
       <a:camera prst="orthographicFront"/>
       <a:lightRig rig="threePt" dir="t"/>
     </dgm:scene3d>
-    <dgm:sp3d/>
     <dgm:txPr/>
     <dgm:style>
       <a:lnRef idx="2">
@@ -4123,18 +5249,17 @@
       </a:fontRef>
     </dgm:style>
   </dgm:styleLbl>
-  <dgm:styleLbl name="fgImgPlace1">
+  <dgm:styleLbl name="parChTrans1D1">
     <dgm:scene3d>
       <a:camera prst="orthographicFront"/>
       <a:lightRig rig="threePt" dir="t"/>
     </dgm:scene3d>
-    <dgm:sp3d/>
     <dgm:txPr/>
     <dgm:style>
       <a:lnRef idx="2">
         <a:scrgbClr r="0" g="0" b="0"/>
       </a:lnRef>
-      <a:fillRef idx="1">
+      <a:fillRef idx="0">
         <a:scrgbClr r="0" g="0" b="0"/>
       </a:fillRef>
       <a:effectRef idx="0">
@@ -4143,18 +5268,17 @@
       <a:fontRef idx="minor"/>
     </dgm:style>
   </dgm:styleLbl>
-  <dgm:styleLbl name="alignImgPlace1">
+  <dgm:styleLbl name="parChTrans1D2">
     <dgm:scene3d>
       <a:camera prst="orthographicFront"/>
       <a:lightRig rig="threePt" dir="t"/>
     </dgm:scene3d>
-    <dgm:sp3d/>
     <dgm:txPr/>
     <dgm:style>
       <a:lnRef idx="2">
         <a:scrgbClr r="0" g="0" b="0"/>
       </a:lnRef>
-      <a:fillRef idx="1">
+      <a:fillRef idx="0">
         <a:scrgbClr r="0" g="0" b="0"/>
       </a:fillRef>
       <a:effectRef idx="0">
@@ -4163,18 +5287,17 @@
       <a:fontRef idx="minor"/>
     </dgm:style>
   </dgm:styleLbl>
-  <dgm:styleLbl name="bgImgPlace1">
+  <dgm:styleLbl name="parChTrans1D3">
     <dgm:scene3d>
       <a:camera prst="orthographicFront"/>
       <a:lightRig rig="threePt" dir="t"/>
     </dgm:scene3d>
-    <dgm:sp3d/>
     <dgm:txPr/>
     <dgm:style>
       <a:lnRef idx="2">
         <a:scrgbClr r="0" g="0" b="0"/>
       </a:lnRef>
-      <a:fillRef idx="1">
+      <a:fillRef idx="0">
         <a:scrgbClr r="0" g="0" b="0"/>
       </a:fillRef>
       <a:effectRef idx="0">
@@ -4183,220 +5306,23 @@
       <a:fontRef idx="minor"/>
     </dgm:style>
   </dgm:styleLbl>
-  <dgm:styleLbl name="sibTrans2D1">
+  <dgm:styleLbl name="parChTrans1D4">
     <dgm:scene3d>
       <a:camera prst="orthographicFront"/>
       <a:lightRig rig="threePt" dir="t"/>
     </dgm:scene3d>
-    <dgm:sp3d/>
-    <dgm:txPr/>
-    <dgm:style>
-      <a:lnRef idx="0">
-        <a:scrgbClr r="0" g="0" b="0"/>
-      </a:lnRef>
-      <a:fillRef idx="1">
-        <a:scrgbClr r="0" g="0" b="0"/>
-      </a:fillRef>
-      <a:effectRef idx="0">
-        <a:scrgbClr r="0" g="0" b="0"/>
-      </a:effectRef>
-      <a:fontRef idx="minor">
-        <a:schemeClr val="lt1"/>
-      </a:fontRef>
-    </dgm:style>
-  </dgm:styleLbl>
-  <dgm:styleLbl name="fgSibTrans2D1">
-    <dgm:scene3d>
-      <a:camera prst="orthographicFront"/>
-      <a:lightRig rig="threePt" dir="t"/>
-    </dgm:scene3d>
-    <dgm:sp3d/>
-    <dgm:txPr/>
-    <dgm:style>
-      <a:lnRef idx="0">
-        <a:scrgbClr r="0" g="0" b="0"/>
-      </a:lnRef>
-      <a:fillRef idx="1">
-        <a:scrgbClr r="0" g="0" b="0"/>
-      </a:fillRef>
-      <a:effectRef idx="0">
-        <a:scrgbClr r="0" g="0" b="0"/>
-      </a:effectRef>
-      <a:fontRef idx="minor">
-        <a:schemeClr val="lt1"/>
-      </a:fontRef>
-    </dgm:style>
-  </dgm:styleLbl>
-  <dgm:styleLbl name="bgSibTrans2D1">
-    <dgm:scene3d>
-      <a:camera prst="orthographicFront"/>
-      <a:lightRig rig="threePt" dir="t"/>
-    </dgm:scene3d>
-    <dgm:sp3d/>
-    <dgm:txPr/>
-    <dgm:style>
-      <a:lnRef idx="0">
-        <a:scrgbClr r="0" g="0" b="0"/>
-      </a:lnRef>
-      <a:fillRef idx="1">
-        <a:scrgbClr r="0" g="0" b="0"/>
-      </a:fillRef>
-      <a:effectRef idx="0">
-        <a:scrgbClr r="0" g="0" b="0"/>
-      </a:effectRef>
-      <a:fontRef idx="minor">
-        <a:schemeClr val="lt1"/>
-      </a:fontRef>
-    </dgm:style>
-  </dgm:styleLbl>
-  <dgm:styleLbl name="sibTrans1D1">
-    <dgm:scene3d>
-      <a:camera prst="orthographicFront"/>
-      <a:lightRig rig="threePt" dir="t"/>
-    </dgm:scene3d>
-    <dgm:sp3d/>
-    <dgm:txPr/>
-    <dgm:style>
-      <a:lnRef idx="1">
-        <a:scrgbClr r="0" g="0" b="0"/>
-      </a:lnRef>
-      <a:fillRef idx="0">
-        <a:scrgbClr r="0" g="0" b="0"/>
-      </a:fillRef>
-      <a:effectRef idx="0">
-        <a:scrgbClr r="0" g="0" b="0"/>
-      </a:effectRef>
-      <a:fontRef idx="minor"/>
-    </dgm:style>
-  </dgm:styleLbl>
-  <dgm:styleLbl name="callout">
-    <dgm:scene3d>
-      <a:camera prst="orthographicFront"/>
-      <a:lightRig rig="threePt" dir="t"/>
-    </dgm:scene3d>
-    <dgm:sp3d/>
     <dgm:txPr/>
     <dgm:style>
       <a:lnRef idx="2">
         <a:scrgbClr r="0" g="0" b="0"/>
       </a:lnRef>
-      <a:fillRef idx="1">
+      <a:fillRef idx="0">
         <a:scrgbClr r="0" g="0" b="0"/>
       </a:fillRef>
       <a:effectRef idx="0">
         <a:scrgbClr r="0" g="0" b="0"/>
       </a:effectRef>
       <a:fontRef idx="minor"/>
-    </dgm:style>
-  </dgm:styleLbl>
-  <dgm:styleLbl name="asst0">
-    <dgm:scene3d>
-      <a:camera prst="orthographicFront"/>
-      <a:lightRig rig="threePt" dir="t"/>
-    </dgm:scene3d>
-    <dgm:sp3d/>
-    <dgm:txPr/>
-    <dgm:style>
-      <a:lnRef idx="2">
-        <a:scrgbClr r="0" g="0" b="0"/>
-      </a:lnRef>
-      <a:fillRef idx="1">
-        <a:scrgbClr r="0" g="0" b="0"/>
-      </a:fillRef>
-      <a:effectRef idx="0">
-        <a:scrgbClr r="0" g="0" b="0"/>
-      </a:effectRef>
-      <a:fontRef idx="minor">
-        <a:schemeClr val="lt1"/>
-      </a:fontRef>
-    </dgm:style>
-  </dgm:styleLbl>
-  <dgm:styleLbl name="asst1">
-    <dgm:scene3d>
-      <a:camera prst="orthographicFront"/>
-      <a:lightRig rig="threePt" dir="t"/>
-    </dgm:scene3d>
-    <dgm:sp3d/>
-    <dgm:txPr/>
-    <dgm:style>
-      <a:lnRef idx="2">
-        <a:scrgbClr r="0" g="0" b="0"/>
-      </a:lnRef>
-      <a:fillRef idx="1">
-        <a:scrgbClr r="0" g="0" b="0"/>
-      </a:fillRef>
-      <a:effectRef idx="0">
-        <a:scrgbClr r="0" g="0" b="0"/>
-      </a:effectRef>
-      <a:fontRef idx="minor">
-        <a:schemeClr val="lt1"/>
-      </a:fontRef>
-    </dgm:style>
-  </dgm:styleLbl>
-  <dgm:styleLbl name="asst2">
-    <dgm:scene3d>
-      <a:camera prst="orthographicFront"/>
-      <a:lightRig rig="threePt" dir="t"/>
-    </dgm:scene3d>
-    <dgm:sp3d/>
-    <dgm:txPr/>
-    <dgm:style>
-      <a:lnRef idx="2">
-        <a:scrgbClr r="0" g="0" b="0"/>
-      </a:lnRef>
-      <a:fillRef idx="1">
-        <a:scrgbClr r="0" g="0" b="0"/>
-      </a:fillRef>
-      <a:effectRef idx="0">
-        <a:scrgbClr r="0" g="0" b="0"/>
-      </a:effectRef>
-      <a:fontRef idx="minor">
-        <a:schemeClr val="lt1"/>
-      </a:fontRef>
-    </dgm:style>
-  </dgm:styleLbl>
-  <dgm:styleLbl name="asst3">
-    <dgm:scene3d>
-      <a:camera prst="orthographicFront"/>
-      <a:lightRig rig="threePt" dir="t"/>
-    </dgm:scene3d>
-    <dgm:sp3d/>
-    <dgm:txPr/>
-    <dgm:style>
-      <a:lnRef idx="2">
-        <a:scrgbClr r="0" g="0" b="0"/>
-      </a:lnRef>
-      <a:fillRef idx="1">
-        <a:scrgbClr r="0" g="0" b="0"/>
-      </a:fillRef>
-      <a:effectRef idx="0">
-        <a:scrgbClr r="0" g="0" b="0"/>
-      </a:effectRef>
-      <a:fontRef idx="minor">
-        <a:schemeClr val="lt1"/>
-      </a:fontRef>
-    </dgm:style>
-  </dgm:styleLbl>
-  <dgm:styleLbl name="asst4">
-    <dgm:scene3d>
-      <a:camera prst="orthographicFront"/>
-      <a:lightRig rig="threePt" dir="t"/>
-    </dgm:scene3d>
-    <dgm:sp3d/>
-    <dgm:txPr/>
-    <dgm:style>
-      <a:lnRef idx="2">
-        <a:scrgbClr r="0" g="0" b="0"/>
-      </a:lnRef>
-      <a:fillRef idx="1">
-        <a:scrgbClr r="0" g="0" b="0"/>
-      </a:fillRef>
-      <a:effectRef idx="0">
-        <a:scrgbClr r="0" g="0" b="0"/>
-      </a:effectRef>
-      <a:fontRef idx="minor">
-        <a:schemeClr val="lt1"/>
-      </a:fontRef>
     </dgm:style>
   </dgm:styleLbl>
   <dgm:styleLbl name="parChTrans2D1">
@@ -4404,7 +5330,6 @@
       <a:camera prst="orthographicFront"/>
       <a:lightRig rig="threePt" dir="t"/>
     </dgm:scene3d>
-    <dgm:sp3d/>
     <dgm:txPr/>
     <dgm:style>
       <a:lnRef idx="2">
@@ -4426,7 +5351,6 @@
       <a:camera prst="orthographicFront"/>
       <a:lightRig rig="threePt" dir="t"/>
     </dgm:scene3d>
-    <dgm:sp3d/>
     <dgm:txPr/>
     <dgm:style>
       <a:lnRef idx="2">
@@ -4448,7 +5372,6 @@
       <a:camera prst="orthographicFront"/>
       <a:lightRig rig="threePt" dir="t"/>
     </dgm:scene3d>
-    <dgm:sp3d/>
     <dgm:txPr/>
     <dgm:style>
       <a:lnRef idx="2">
@@ -4470,7 +5393,6 @@
       <a:camera prst="orthographicFront"/>
       <a:lightRig rig="threePt" dir="t"/>
     </dgm:scene3d>
-    <dgm:sp3d/>
     <dgm:txPr/>
     <dgm:style>
       <a:lnRef idx="2">
@@ -4487,15 +5409,14 @@
       </a:fontRef>
     </dgm:style>
   </dgm:styleLbl>
-  <dgm:styleLbl name="parChTrans1D1">
+  <dgm:styleLbl name="revTx">
     <dgm:scene3d>
       <a:camera prst="orthographicFront"/>
       <a:lightRig rig="threePt" dir="t"/>
     </dgm:scene3d>
-    <dgm:sp3d/>
     <dgm:txPr/>
     <dgm:style>
-      <a:lnRef idx="2">
+      <a:lnRef idx="0">
         <a:scrgbClr r="0" g="0" b="0"/>
       </a:lnRef>
       <a:fillRef idx="0">
@@ -4507,15 +5428,14 @@
       <a:fontRef idx="minor"/>
     </dgm:style>
   </dgm:styleLbl>
-  <dgm:styleLbl name="parChTrans1D2">
+  <dgm:styleLbl name="sibTrans1D1">
     <dgm:scene3d>
       <a:camera prst="orthographicFront"/>
       <a:lightRig rig="threePt" dir="t"/>
     </dgm:scene3d>
-    <dgm:sp3d/>
     <dgm:txPr/>
     <dgm:style>
-      <a:lnRef idx="2">
+      <a:lnRef idx="1">
         <a:scrgbClr r="0" g="0" b="0"/>
       </a:lnRef>
       <a:fillRef idx="0">
@@ -4527,18 +5447,38 @@
       <a:fontRef idx="minor"/>
     </dgm:style>
   </dgm:styleLbl>
-  <dgm:styleLbl name="parChTrans1D3">
+  <dgm:styleLbl name="sibTrans2D1">
     <dgm:scene3d>
       <a:camera prst="orthographicFront"/>
       <a:lightRig rig="threePt" dir="t"/>
     </dgm:scene3d>
-    <dgm:sp3d/>
+    <dgm:txPr/>
+    <dgm:style>
+      <a:lnRef idx="0">
+        <a:scrgbClr r="0" g="0" b="0"/>
+      </a:lnRef>
+      <a:fillRef idx="1">
+        <a:scrgbClr r="0" g="0" b="0"/>
+      </a:fillRef>
+      <a:effectRef idx="0">
+        <a:scrgbClr r="0" g="0" b="0"/>
+      </a:effectRef>
+      <a:fontRef idx="minor">
+        <a:schemeClr val="lt1"/>
+      </a:fontRef>
+    </dgm:style>
+  </dgm:styleLbl>
+  <dgm:styleLbl name="solidAlignAcc1">
+    <dgm:scene3d>
+      <a:camera prst="orthographicFront"/>
+      <a:lightRig rig="threePt" dir="t"/>
+    </dgm:scene3d>
     <dgm:txPr/>
     <dgm:style>
       <a:lnRef idx="2">
         <a:scrgbClr r="0" g="0" b="0"/>
       </a:lnRef>
-      <a:fillRef idx="0">
+      <a:fillRef idx="1">
         <a:scrgbClr r="0" g="0" b="0"/>
       </a:fillRef>
       <a:effectRef idx="0">
@@ -4547,18 +5487,17 @@
       <a:fontRef idx="minor"/>
     </dgm:style>
   </dgm:styleLbl>
-  <dgm:styleLbl name="parChTrans1D4">
+  <dgm:styleLbl name="solidBgAcc1">
     <dgm:scene3d>
       <a:camera prst="orthographicFront"/>
       <a:lightRig rig="threePt" dir="t"/>
     </dgm:scene3d>
-    <dgm:sp3d/>
     <dgm:txPr/>
     <dgm:style>
       <a:lnRef idx="2">
         <a:scrgbClr r="0" g="0" b="0"/>
       </a:lnRef>
-      <a:fillRef idx="0">
+      <a:fillRef idx="1">
         <a:scrgbClr r="0" g="0" b="0"/>
       </a:fillRef>
       <a:effectRef idx="0">
@@ -4567,52 +5506,11 @@
       <a:fontRef idx="minor"/>
     </dgm:style>
   </dgm:styleLbl>
-  <dgm:styleLbl name="fgAcc1">
+  <dgm:styleLbl name="solidFgAcc1">
     <dgm:scene3d>
       <a:camera prst="orthographicFront"/>
       <a:lightRig rig="threePt" dir="t"/>
     </dgm:scene3d>
-    <dgm:sp3d/>
-    <dgm:txPr/>
-    <dgm:style>
-      <a:lnRef idx="2">
-        <a:scrgbClr r="0" g="0" b="0"/>
-      </a:lnRef>
-      <a:fillRef idx="1">
-        <a:scrgbClr r="0" g="0" b="0"/>
-      </a:fillRef>
-      <a:effectRef idx="0">
-        <a:scrgbClr r="0" g="0" b="0"/>
-      </a:effectRef>
-      <a:fontRef idx="minor"/>
-    </dgm:style>
-  </dgm:styleLbl>
-  <dgm:styleLbl name="conFgAcc1">
-    <dgm:scene3d>
-      <a:camera prst="orthographicFront"/>
-      <a:lightRig rig="threePt" dir="t"/>
-    </dgm:scene3d>
-    <dgm:sp3d/>
-    <dgm:txPr/>
-    <dgm:style>
-      <a:lnRef idx="2">
-        <a:scrgbClr r="0" g="0" b="0"/>
-      </a:lnRef>
-      <a:fillRef idx="1">
-        <a:scrgbClr r="0" g="0" b="0"/>
-      </a:fillRef>
-      <a:effectRef idx="0">
-        <a:scrgbClr r="0" g="0" b="0"/>
-      </a:effectRef>
-      <a:fontRef idx="minor"/>
-    </dgm:style>
-  </dgm:styleLbl>
-  <dgm:styleLbl name="alignAcc1">
-    <dgm:scene3d>
-      <a:camera prst="orthographicFront"/>
-      <a:lightRig rig="threePt" dir="t"/>
-    </dgm:scene3d>
-    <dgm:sp3d/>
     <dgm:txPr/>
     <dgm:style>
       <a:lnRef idx="2">
@@ -4632,270 +5530,9 @@
       <a:camera prst="orthographicFront"/>
       <a:lightRig rig="threePt" dir="t"/>
     </dgm:scene3d>
-    <dgm:sp3d/>
     <dgm:txPr/>
     <dgm:style>
       <a:lnRef idx="1">
-        <a:scrgbClr r="0" g="0" b="0"/>
-      </a:lnRef>
-      <a:fillRef idx="1">
-        <a:scrgbClr r="0" g="0" b="0"/>
-      </a:fillRef>
-      <a:effectRef idx="0">
-        <a:scrgbClr r="0" g="0" b="0"/>
-      </a:effectRef>
-      <a:fontRef idx="minor"/>
-    </dgm:style>
-  </dgm:styleLbl>
-  <dgm:styleLbl name="bgAcc1">
-    <dgm:scene3d>
-      <a:camera prst="orthographicFront"/>
-      <a:lightRig rig="threePt" dir="t"/>
-    </dgm:scene3d>
-    <dgm:sp3d/>
-    <dgm:txPr/>
-    <dgm:style>
-      <a:lnRef idx="2">
-        <a:scrgbClr r="0" g="0" b="0"/>
-      </a:lnRef>
-      <a:fillRef idx="1">
-        <a:scrgbClr r="0" g="0" b="0"/>
-      </a:fillRef>
-      <a:effectRef idx="0">
-        <a:scrgbClr r="0" g="0" b="0"/>
-      </a:effectRef>
-      <a:fontRef idx="minor"/>
-    </dgm:style>
-  </dgm:styleLbl>
-  <dgm:styleLbl name="solidFgAcc1">
-    <dgm:scene3d>
-      <a:camera prst="orthographicFront"/>
-      <a:lightRig rig="threePt" dir="t"/>
-    </dgm:scene3d>
-    <dgm:sp3d/>
-    <dgm:txPr/>
-    <dgm:style>
-      <a:lnRef idx="2">
-        <a:scrgbClr r="0" g="0" b="0"/>
-      </a:lnRef>
-      <a:fillRef idx="1">
-        <a:scrgbClr r="0" g="0" b="0"/>
-      </a:fillRef>
-      <a:effectRef idx="0">
-        <a:scrgbClr r="0" g="0" b="0"/>
-      </a:effectRef>
-      <a:fontRef idx="minor"/>
-    </dgm:style>
-  </dgm:styleLbl>
-  <dgm:styleLbl name="solidAlignAcc1">
-    <dgm:scene3d>
-      <a:camera prst="orthographicFront"/>
-      <a:lightRig rig="threePt" dir="t"/>
-    </dgm:scene3d>
-    <dgm:sp3d/>
-    <dgm:txPr/>
-    <dgm:style>
-      <a:lnRef idx="2">
-        <a:scrgbClr r="0" g="0" b="0"/>
-      </a:lnRef>
-      <a:fillRef idx="1">
-        <a:scrgbClr r="0" g="0" b="0"/>
-      </a:fillRef>
-      <a:effectRef idx="0">
-        <a:scrgbClr r="0" g="0" b="0"/>
-      </a:effectRef>
-      <a:fontRef idx="minor"/>
-    </dgm:style>
-  </dgm:styleLbl>
-  <dgm:styleLbl name="solidBgAcc1">
-    <dgm:scene3d>
-      <a:camera prst="orthographicFront"/>
-      <a:lightRig rig="threePt" dir="t"/>
-    </dgm:scene3d>
-    <dgm:sp3d/>
-    <dgm:txPr/>
-    <dgm:style>
-      <a:lnRef idx="2">
-        <a:scrgbClr r="0" g="0" b="0"/>
-      </a:lnRef>
-      <a:fillRef idx="1">
-        <a:scrgbClr r="0" g="0" b="0"/>
-      </a:fillRef>
-      <a:effectRef idx="0">
-        <a:scrgbClr r="0" g="0" b="0"/>
-      </a:effectRef>
-      <a:fontRef idx="minor"/>
-    </dgm:style>
-  </dgm:styleLbl>
-  <dgm:styleLbl name="fgAccFollowNode1">
-    <dgm:scene3d>
-      <a:camera prst="orthographicFront"/>
-      <a:lightRig rig="threePt" dir="t"/>
-    </dgm:scene3d>
-    <dgm:sp3d/>
-    <dgm:txPr/>
-    <dgm:style>
-      <a:lnRef idx="2">
-        <a:scrgbClr r="0" g="0" b="0"/>
-      </a:lnRef>
-      <a:fillRef idx="1">
-        <a:scrgbClr r="0" g="0" b="0"/>
-      </a:fillRef>
-      <a:effectRef idx="0">
-        <a:scrgbClr r="0" g="0" b="0"/>
-      </a:effectRef>
-      <a:fontRef idx="minor"/>
-    </dgm:style>
-  </dgm:styleLbl>
-  <dgm:styleLbl name="alignAccFollowNode1">
-    <dgm:scene3d>
-      <a:camera prst="orthographicFront"/>
-      <a:lightRig rig="threePt" dir="t"/>
-    </dgm:scene3d>
-    <dgm:sp3d/>
-    <dgm:txPr/>
-    <dgm:style>
-      <a:lnRef idx="2">
-        <a:scrgbClr r="0" g="0" b="0"/>
-      </a:lnRef>
-      <a:fillRef idx="1">
-        <a:scrgbClr r="0" g="0" b="0"/>
-      </a:fillRef>
-      <a:effectRef idx="0">
-        <a:scrgbClr r="0" g="0" b="0"/>
-      </a:effectRef>
-      <a:fontRef idx="minor"/>
-    </dgm:style>
-  </dgm:styleLbl>
-  <dgm:styleLbl name="bgAccFollowNode1">
-    <dgm:scene3d>
-      <a:camera prst="orthographicFront"/>
-      <a:lightRig rig="threePt" dir="t"/>
-    </dgm:scene3d>
-    <dgm:sp3d/>
-    <dgm:txPr/>
-    <dgm:style>
-      <a:lnRef idx="2">
-        <a:scrgbClr r="0" g="0" b="0"/>
-      </a:lnRef>
-      <a:fillRef idx="1">
-        <a:scrgbClr r="0" g="0" b="0"/>
-      </a:fillRef>
-      <a:effectRef idx="0">
-        <a:scrgbClr r="0" g="0" b="0"/>
-      </a:effectRef>
-      <a:fontRef idx="minor"/>
-    </dgm:style>
-  </dgm:styleLbl>
-  <dgm:styleLbl name="fgAcc0">
-    <dgm:scene3d>
-      <a:camera prst="orthographicFront"/>
-      <a:lightRig rig="threePt" dir="t"/>
-    </dgm:scene3d>
-    <dgm:sp3d/>
-    <dgm:txPr/>
-    <dgm:style>
-      <a:lnRef idx="2">
-        <a:scrgbClr r="0" g="0" b="0"/>
-      </a:lnRef>
-      <a:fillRef idx="1">
-        <a:scrgbClr r="0" g="0" b="0"/>
-      </a:fillRef>
-      <a:effectRef idx="0">
-        <a:scrgbClr r="0" g="0" b="0"/>
-      </a:effectRef>
-      <a:fontRef idx="minor"/>
-    </dgm:style>
-  </dgm:styleLbl>
-  <dgm:styleLbl name="fgAcc2">
-    <dgm:scene3d>
-      <a:camera prst="orthographicFront"/>
-      <a:lightRig rig="threePt" dir="t"/>
-    </dgm:scene3d>
-    <dgm:sp3d/>
-    <dgm:txPr/>
-    <dgm:style>
-      <a:lnRef idx="2">
-        <a:scrgbClr r="0" g="0" b="0"/>
-      </a:lnRef>
-      <a:fillRef idx="1">
-        <a:scrgbClr r="0" g="0" b="0"/>
-      </a:fillRef>
-      <a:effectRef idx="0">
-        <a:scrgbClr r="0" g="0" b="0"/>
-      </a:effectRef>
-      <a:fontRef idx="minor"/>
-    </dgm:style>
-  </dgm:styleLbl>
-  <dgm:styleLbl name="fgAcc3">
-    <dgm:scene3d>
-      <a:camera prst="orthographicFront"/>
-      <a:lightRig rig="threePt" dir="t"/>
-    </dgm:scene3d>
-    <dgm:sp3d/>
-    <dgm:txPr/>
-    <dgm:style>
-      <a:lnRef idx="2">
-        <a:scrgbClr r="0" g="0" b="0"/>
-      </a:lnRef>
-      <a:fillRef idx="1">
-        <a:scrgbClr r="0" g="0" b="0"/>
-      </a:fillRef>
-      <a:effectRef idx="0">
-        <a:scrgbClr r="0" g="0" b="0"/>
-      </a:effectRef>
-      <a:fontRef idx="minor"/>
-    </dgm:style>
-  </dgm:styleLbl>
-  <dgm:styleLbl name="fgAcc4">
-    <dgm:scene3d>
-      <a:camera prst="orthographicFront"/>
-      <a:lightRig rig="threePt" dir="t"/>
-    </dgm:scene3d>
-    <dgm:sp3d/>
-    <dgm:txPr/>
-    <dgm:style>
-      <a:lnRef idx="2">
-        <a:scrgbClr r="0" g="0" b="0"/>
-      </a:lnRef>
-      <a:fillRef idx="1">
-        <a:scrgbClr r="0" g="0" b="0"/>
-      </a:fillRef>
-      <a:effectRef idx="0">
-        <a:scrgbClr r="0" g="0" b="0"/>
-      </a:effectRef>
-      <a:fontRef idx="minor"/>
-    </dgm:style>
-  </dgm:styleLbl>
-  <dgm:styleLbl name="bgShp">
-    <dgm:scene3d>
-      <a:camera prst="orthographicFront"/>
-      <a:lightRig rig="threePt" dir="t"/>
-    </dgm:scene3d>
-    <dgm:sp3d/>
-    <dgm:txPr/>
-    <dgm:style>
-      <a:lnRef idx="0">
-        <a:scrgbClr r="0" g="0" b="0"/>
-      </a:lnRef>
-      <a:fillRef idx="1">
-        <a:scrgbClr r="0" g="0" b="0"/>
-      </a:fillRef>
-      <a:effectRef idx="0">
-        <a:scrgbClr r="0" g="0" b="0"/>
-      </a:effectRef>
-      <a:fontRef idx="minor"/>
-    </dgm:style>
-  </dgm:styleLbl>
-  <dgm:styleLbl name="dkBgShp">
-    <dgm:scene3d>
-      <a:camera prst="orthographicFront"/>
-      <a:lightRig rig="threePt" dir="t"/>
-    </dgm:scene3d>
-    <dgm:sp3d/>
-    <dgm:txPr/>
-    <dgm:style>
-      <a:lnRef idx="0">
         <a:scrgbClr r="0" g="0" b="0"/>
       </a:lnRef>
       <a:fillRef idx="1">
@@ -4912,7 +5549,6 @@
       <a:camera prst="orthographicFront"/>
       <a:lightRig rig="threePt" dir="t"/>
     </dgm:scene3d>
-    <dgm:sp3d/>
     <dgm:txPr/>
     <dgm:style>
       <a:lnRef idx="0">
@@ -4927,12 +5563,11 @@
       <a:fontRef idx="minor"/>
     </dgm:style>
   </dgm:styleLbl>
-  <dgm:styleLbl name="fgShp">
+  <dgm:styleLbl name="vennNode1">
     <dgm:scene3d>
       <a:camera prst="orthographicFront"/>
       <a:lightRig rig="threePt" dir="t"/>
     </dgm:scene3d>
-    <dgm:sp3d/>
     <dgm:txPr/>
     <dgm:style>
       <a:lnRef idx="2">
@@ -4944,27 +5579,9 @@
       <a:effectRef idx="0">
         <a:scrgbClr r="0" g="0" b="0"/>
       </a:effectRef>
-      <a:fontRef idx="minor"/>
-    </dgm:style>
-  </dgm:styleLbl>
-  <dgm:styleLbl name="revTx">
-    <dgm:scene3d>
-      <a:camera prst="orthographicFront"/>
-      <a:lightRig rig="threePt" dir="t"/>
-    </dgm:scene3d>
-    <dgm:sp3d/>
-    <dgm:txPr/>
-    <dgm:style>
-      <a:lnRef idx="0">
-        <a:scrgbClr r="0" g="0" b="0"/>
-      </a:lnRef>
-      <a:fillRef idx="0">
-        <a:scrgbClr r="0" g="0" b="0"/>
-      </a:fillRef>
-      <a:effectRef idx="0">
-        <a:scrgbClr r="0" g="0" b="0"/>
-      </a:effectRef>
-      <a:fontRef idx="minor"/>
+      <a:fontRef idx="minor">
+        <a:schemeClr val="tx1"/>
+      </a:fontRef>
     </dgm:style>
   </dgm:styleLbl>
 </dgm:styleDef>
@@ -4981,15 +5598,503 @@
     <a:camera prst="orthographicFront"/>
     <a:lightRig rig="threePt" dir="t"/>
   </dgm:scene3d>
-  <dgm:styleLbl name="node0">
+  <dgm:styleLbl name="alignAcc1">
     <dgm:scene3d>
       <a:camera prst="orthographicFront"/>
       <a:lightRig rig="threePt" dir="t"/>
     </dgm:scene3d>
-    <dgm:sp3d/>
     <dgm:txPr/>
     <dgm:style>
       <a:lnRef idx="2">
+        <a:scrgbClr r="0" g="0" b="0"/>
+      </a:lnRef>
+      <a:fillRef idx="1">
+        <a:scrgbClr r="0" g="0" b="0"/>
+      </a:fillRef>
+      <a:effectRef idx="0">
+        <a:scrgbClr r="0" g="0" b="0"/>
+      </a:effectRef>
+      <a:fontRef idx="minor"/>
+    </dgm:style>
+  </dgm:styleLbl>
+  <dgm:styleLbl name="alignAccFollowNode1">
+    <dgm:scene3d>
+      <a:camera prst="orthographicFront"/>
+      <a:lightRig rig="threePt" dir="t"/>
+    </dgm:scene3d>
+    <dgm:txPr/>
+    <dgm:style>
+      <a:lnRef idx="2">
+        <a:scrgbClr r="0" g="0" b="0"/>
+      </a:lnRef>
+      <a:fillRef idx="1">
+        <a:scrgbClr r="0" g="0" b="0"/>
+      </a:fillRef>
+      <a:effectRef idx="0">
+        <a:scrgbClr r="0" g="0" b="0"/>
+      </a:effectRef>
+      <a:fontRef idx="minor"/>
+    </dgm:style>
+  </dgm:styleLbl>
+  <dgm:styleLbl name="alignImgPlace1">
+    <dgm:scene3d>
+      <a:camera prst="orthographicFront"/>
+      <a:lightRig rig="threePt" dir="t"/>
+    </dgm:scene3d>
+    <dgm:txPr/>
+    <dgm:style>
+      <a:lnRef idx="2">
+        <a:scrgbClr r="0" g="0" b="0"/>
+      </a:lnRef>
+      <a:fillRef idx="1">
+        <a:scrgbClr r="0" g="0" b="0"/>
+      </a:fillRef>
+      <a:effectRef idx="0">
+        <a:scrgbClr r="0" g="0" b="0"/>
+      </a:effectRef>
+      <a:fontRef idx="minor"/>
+    </dgm:style>
+  </dgm:styleLbl>
+  <dgm:styleLbl name="alignNode1">
+    <dgm:scene3d>
+      <a:camera prst="orthographicFront"/>
+      <a:lightRig rig="threePt" dir="t"/>
+    </dgm:scene3d>
+    <dgm:txPr/>
+    <dgm:style>
+      <a:lnRef idx="2">
+        <a:scrgbClr r="0" g="0" b="0"/>
+      </a:lnRef>
+      <a:fillRef idx="1">
+        <a:scrgbClr r="0" g="0" b="0"/>
+      </a:fillRef>
+      <a:effectRef idx="0">
+        <a:scrgbClr r="0" g="0" b="0"/>
+      </a:effectRef>
+      <a:fontRef idx="minor">
+        <a:schemeClr val="lt1"/>
+      </a:fontRef>
+    </dgm:style>
+  </dgm:styleLbl>
+  <dgm:styleLbl name="asst0">
+    <dgm:scene3d>
+      <a:camera prst="orthographicFront"/>
+      <a:lightRig rig="threePt" dir="t"/>
+    </dgm:scene3d>
+    <dgm:txPr/>
+    <dgm:style>
+      <a:lnRef idx="2">
+        <a:scrgbClr r="0" g="0" b="0"/>
+      </a:lnRef>
+      <a:fillRef idx="1">
+        <a:scrgbClr r="0" g="0" b="0"/>
+      </a:fillRef>
+      <a:effectRef idx="0">
+        <a:scrgbClr r="0" g="0" b="0"/>
+      </a:effectRef>
+      <a:fontRef idx="minor">
+        <a:schemeClr val="lt1"/>
+      </a:fontRef>
+    </dgm:style>
+  </dgm:styleLbl>
+  <dgm:styleLbl name="asst1">
+    <dgm:scene3d>
+      <a:camera prst="orthographicFront"/>
+      <a:lightRig rig="threePt" dir="t"/>
+    </dgm:scene3d>
+    <dgm:txPr/>
+    <dgm:style>
+      <a:lnRef idx="2">
+        <a:scrgbClr r="0" g="0" b="0"/>
+      </a:lnRef>
+      <a:fillRef idx="1">
+        <a:scrgbClr r="0" g="0" b="0"/>
+      </a:fillRef>
+      <a:effectRef idx="0">
+        <a:scrgbClr r="0" g="0" b="0"/>
+      </a:effectRef>
+      <a:fontRef idx="minor">
+        <a:schemeClr val="lt1"/>
+      </a:fontRef>
+    </dgm:style>
+  </dgm:styleLbl>
+  <dgm:styleLbl name="asst2">
+    <dgm:scene3d>
+      <a:camera prst="orthographicFront"/>
+      <a:lightRig rig="threePt" dir="t"/>
+    </dgm:scene3d>
+    <dgm:txPr/>
+    <dgm:style>
+      <a:lnRef idx="2">
+        <a:scrgbClr r="0" g="0" b="0"/>
+      </a:lnRef>
+      <a:fillRef idx="1">
+        <a:scrgbClr r="0" g="0" b="0"/>
+      </a:fillRef>
+      <a:effectRef idx="0">
+        <a:scrgbClr r="0" g="0" b="0"/>
+      </a:effectRef>
+      <a:fontRef idx="minor">
+        <a:schemeClr val="lt1"/>
+      </a:fontRef>
+    </dgm:style>
+  </dgm:styleLbl>
+  <dgm:styleLbl name="asst3">
+    <dgm:scene3d>
+      <a:camera prst="orthographicFront"/>
+      <a:lightRig rig="threePt" dir="t"/>
+    </dgm:scene3d>
+    <dgm:txPr/>
+    <dgm:style>
+      <a:lnRef idx="2">
+        <a:scrgbClr r="0" g="0" b="0"/>
+      </a:lnRef>
+      <a:fillRef idx="1">
+        <a:scrgbClr r="0" g="0" b="0"/>
+      </a:fillRef>
+      <a:effectRef idx="0">
+        <a:scrgbClr r="0" g="0" b="0"/>
+      </a:effectRef>
+      <a:fontRef idx="minor">
+        <a:schemeClr val="lt1"/>
+      </a:fontRef>
+    </dgm:style>
+  </dgm:styleLbl>
+  <dgm:styleLbl name="asst4">
+    <dgm:scene3d>
+      <a:camera prst="orthographicFront"/>
+      <a:lightRig rig="threePt" dir="t"/>
+    </dgm:scene3d>
+    <dgm:txPr/>
+    <dgm:style>
+      <a:lnRef idx="2">
+        <a:scrgbClr r="0" g="0" b="0"/>
+      </a:lnRef>
+      <a:fillRef idx="1">
+        <a:scrgbClr r="0" g="0" b="0"/>
+      </a:fillRef>
+      <a:effectRef idx="0">
+        <a:scrgbClr r="0" g="0" b="0"/>
+      </a:effectRef>
+      <a:fontRef idx="minor">
+        <a:schemeClr val="lt1"/>
+      </a:fontRef>
+    </dgm:style>
+  </dgm:styleLbl>
+  <dgm:styleLbl name="bgAcc1">
+    <dgm:scene3d>
+      <a:camera prst="orthographicFront"/>
+      <a:lightRig rig="threePt" dir="t"/>
+    </dgm:scene3d>
+    <dgm:txPr/>
+    <dgm:style>
+      <a:lnRef idx="2">
+        <a:scrgbClr r="0" g="0" b="0"/>
+      </a:lnRef>
+      <a:fillRef idx="1">
+        <a:scrgbClr r="0" g="0" b="0"/>
+      </a:fillRef>
+      <a:effectRef idx="0">
+        <a:scrgbClr r="0" g="0" b="0"/>
+      </a:effectRef>
+      <a:fontRef idx="minor"/>
+    </dgm:style>
+  </dgm:styleLbl>
+  <dgm:styleLbl name="bgAccFollowNode1">
+    <dgm:scene3d>
+      <a:camera prst="orthographicFront"/>
+      <a:lightRig rig="threePt" dir="t"/>
+    </dgm:scene3d>
+    <dgm:txPr/>
+    <dgm:style>
+      <a:lnRef idx="2">
+        <a:scrgbClr r="0" g="0" b="0"/>
+      </a:lnRef>
+      <a:fillRef idx="1">
+        <a:scrgbClr r="0" g="0" b="0"/>
+      </a:fillRef>
+      <a:effectRef idx="0">
+        <a:scrgbClr r="0" g="0" b="0"/>
+      </a:effectRef>
+      <a:fontRef idx="minor"/>
+    </dgm:style>
+  </dgm:styleLbl>
+  <dgm:styleLbl name="bgImgPlace1">
+    <dgm:scene3d>
+      <a:camera prst="orthographicFront"/>
+      <a:lightRig rig="threePt" dir="t"/>
+    </dgm:scene3d>
+    <dgm:txPr/>
+    <dgm:style>
+      <a:lnRef idx="2">
+        <a:scrgbClr r="0" g="0" b="0"/>
+      </a:lnRef>
+      <a:fillRef idx="1">
+        <a:scrgbClr r="0" g="0" b="0"/>
+      </a:fillRef>
+      <a:effectRef idx="0">
+        <a:scrgbClr r="0" g="0" b="0"/>
+      </a:effectRef>
+      <a:fontRef idx="minor"/>
+    </dgm:style>
+  </dgm:styleLbl>
+  <dgm:styleLbl name="bgShp">
+    <dgm:scene3d>
+      <a:camera prst="orthographicFront"/>
+      <a:lightRig rig="threePt" dir="t"/>
+    </dgm:scene3d>
+    <dgm:txPr/>
+    <dgm:style>
+      <a:lnRef idx="0">
+        <a:scrgbClr r="0" g="0" b="0"/>
+      </a:lnRef>
+      <a:fillRef idx="1">
+        <a:scrgbClr r="0" g="0" b="0"/>
+      </a:fillRef>
+      <a:effectRef idx="0">
+        <a:scrgbClr r="0" g="0" b="0"/>
+      </a:effectRef>
+      <a:fontRef idx="minor"/>
+    </dgm:style>
+  </dgm:styleLbl>
+  <dgm:styleLbl name="bgSibTrans2D1">
+    <dgm:scene3d>
+      <a:camera prst="orthographicFront"/>
+      <a:lightRig rig="threePt" dir="t"/>
+    </dgm:scene3d>
+    <dgm:txPr/>
+    <dgm:style>
+      <a:lnRef idx="0">
+        <a:scrgbClr r="0" g="0" b="0"/>
+      </a:lnRef>
+      <a:fillRef idx="1">
+        <a:scrgbClr r="0" g="0" b="0"/>
+      </a:fillRef>
+      <a:effectRef idx="0">
+        <a:scrgbClr r="0" g="0" b="0"/>
+      </a:effectRef>
+      <a:fontRef idx="minor">
+        <a:schemeClr val="lt1"/>
+      </a:fontRef>
+    </dgm:style>
+  </dgm:styleLbl>
+  <dgm:styleLbl name="callout">
+    <dgm:scene3d>
+      <a:camera prst="orthographicFront"/>
+      <a:lightRig rig="threePt" dir="t"/>
+    </dgm:scene3d>
+    <dgm:txPr/>
+    <dgm:style>
+      <a:lnRef idx="2">
+        <a:scrgbClr r="0" g="0" b="0"/>
+      </a:lnRef>
+      <a:fillRef idx="1">
+        <a:scrgbClr r="0" g="0" b="0"/>
+      </a:fillRef>
+      <a:effectRef idx="0">
+        <a:scrgbClr r="0" g="0" b="0"/>
+      </a:effectRef>
+      <a:fontRef idx="minor"/>
+    </dgm:style>
+  </dgm:styleLbl>
+  <dgm:styleLbl name="conFgAcc1">
+    <dgm:scene3d>
+      <a:camera prst="orthographicFront"/>
+      <a:lightRig rig="threePt" dir="t"/>
+    </dgm:scene3d>
+    <dgm:txPr/>
+    <dgm:style>
+      <a:lnRef idx="2">
+        <a:scrgbClr r="0" g="0" b="0"/>
+      </a:lnRef>
+      <a:fillRef idx="1">
+        <a:scrgbClr r="0" g="0" b="0"/>
+      </a:fillRef>
+      <a:effectRef idx="0">
+        <a:scrgbClr r="0" g="0" b="0"/>
+      </a:effectRef>
+      <a:fontRef idx="minor"/>
+    </dgm:style>
+  </dgm:styleLbl>
+  <dgm:styleLbl name="dkBgShp">
+    <dgm:scene3d>
+      <a:camera prst="orthographicFront"/>
+      <a:lightRig rig="threePt" dir="t"/>
+    </dgm:scene3d>
+    <dgm:txPr/>
+    <dgm:style>
+      <a:lnRef idx="0">
+        <a:scrgbClr r="0" g="0" b="0"/>
+      </a:lnRef>
+      <a:fillRef idx="1">
+        <a:scrgbClr r="0" g="0" b="0"/>
+      </a:fillRef>
+      <a:effectRef idx="0">
+        <a:scrgbClr r="0" g="0" b="0"/>
+      </a:effectRef>
+      <a:fontRef idx="minor"/>
+    </dgm:style>
+  </dgm:styleLbl>
+  <dgm:styleLbl name="fgAcc0">
+    <dgm:scene3d>
+      <a:camera prst="orthographicFront"/>
+      <a:lightRig rig="threePt" dir="t"/>
+    </dgm:scene3d>
+    <dgm:txPr/>
+    <dgm:style>
+      <a:lnRef idx="2">
+        <a:scrgbClr r="0" g="0" b="0"/>
+      </a:lnRef>
+      <a:fillRef idx="1">
+        <a:scrgbClr r="0" g="0" b="0"/>
+      </a:fillRef>
+      <a:effectRef idx="0">
+        <a:scrgbClr r="0" g="0" b="0"/>
+      </a:effectRef>
+      <a:fontRef idx="minor"/>
+    </dgm:style>
+  </dgm:styleLbl>
+  <dgm:styleLbl name="fgAcc1">
+    <dgm:scene3d>
+      <a:camera prst="orthographicFront"/>
+      <a:lightRig rig="threePt" dir="t"/>
+    </dgm:scene3d>
+    <dgm:txPr/>
+    <dgm:style>
+      <a:lnRef idx="2">
+        <a:scrgbClr r="0" g="0" b="0"/>
+      </a:lnRef>
+      <a:fillRef idx="1">
+        <a:scrgbClr r="0" g="0" b="0"/>
+      </a:fillRef>
+      <a:effectRef idx="0">
+        <a:scrgbClr r="0" g="0" b="0"/>
+      </a:effectRef>
+      <a:fontRef idx="minor"/>
+    </dgm:style>
+  </dgm:styleLbl>
+  <dgm:styleLbl name="fgAcc2">
+    <dgm:scene3d>
+      <a:camera prst="orthographicFront"/>
+      <a:lightRig rig="threePt" dir="t"/>
+    </dgm:scene3d>
+    <dgm:txPr/>
+    <dgm:style>
+      <a:lnRef idx="2">
+        <a:scrgbClr r="0" g="0" b="0"/>
+      </a:lnRef>
+      <a:fillRef idx="1">
+        <a:scrgbClr r="0" g="0" b="0"/>
+      </a:fillRef>
+      <a:effectRef idx="0">
+        <a:scrgbClr r="0" g="0" b="0"/>
+      </a:effectRef>
+      <a:fontRef idx="minor"/>
+    </dgm:style>
+  </dgm:styleLbl>
+  <dgm:styleLbl name="fgAcc3">
+    <dgm:scene3d>
+      <a:camera prst="orthographicFront"/>
+      <a:lightRig rig="threePt" dir="t"/>
+    </dgm:scene3d>
+    <dgm:txPr/>
+    <dgm:style>
+      <a:lnRef idx="2">
+        <a:scrgbClr r="0" g="0" b="0"/>
+      </a:lnRef>
+      <a:fillRef idx="1">
+        <a:scrgbClr r="0" g="0" b="0"/>
+      </a:fillRef>
+      <a:effectRef idx="0">
+        <a:scrgbClr r="0" g="0" b="0"/>
+      </a:effectRef>
+      <a:fontRef idx="minor"/>
+    </dgm:style>
+  </dgm:styleLbl>
+  <dgm:styleLbl name="fgAcc4">
+    <dgm:scene3d>
+      <a:camera prst="orthographicFront"/>
+      <a:lightRig rig="threePt" dir="t"/>
+    </dgm:scene3d>
+    <dgm:txPr/>
+    <dgm:style>
+      <a:lnRef idx="2">
+        <a:scrgbClr r="0" g="0" b="0"/>
+      </a:lnRef>
+      <a:fillRef idx="1">
+        <a:scrgbClr r="0" g="0" b="0"/>
+      </a:fillRef>
+      <a:effectRef idx="0">
+        <a:scrgbClr r="0" g="0" b="0"/>
+      </a:effectRef>
+      <a:fontRef idx="minor"/>
+    </dgm:style>
+  </dgm:styleLbl>
+  <dgm:styleLbl name="fgAccFollowNode1">
+    <dgm:scene3d>
+      <a:camera prst="orthographicFront"/>
+      <a:lightRig rig="threePt" dir="t"/>
+    </dgm:scene3d>
+    <dgm:txPr/>
+    <dgm:style>
+      <a:lnRef idx="2">
+        <a:scrgbClr r="0" g="0" b="0"/>
+      </a:lnRef>
+      <a:fillRef idx="1">
+        <a:scrgbClr r="0" g="0" b="0"/>
+      </a:fillRef>
+      <a:effectRef idx="0">
+        <a:scrgbClr r="0" g="0" b="0"/>
+      </a:effectRef>
+      <a:fontRef idx="minor"/>
+    </dgm:style>
+  </dgm:styleLbl>
+  <dgm:styleLbl name="fgImgPlace1">
+    <dgm:scene3d>
+      <a:camera prst="orthographicFront"/>
+      <a:lightRig rig="threePt" dir="t"/>
+    </dgm:scene3d>
+    <dgm:txPr/>
+    <dgm:style>
+      <a:lnRef idx="2">
+        <a:scrgbClr r="0" g="0" b="0"/>
+      </a:lnRef>
+      <a:fillRef idx="1">
+        <a:scrgbClr r="0" g="0" b="0"/>
+      </a:fillRef>
+      <a:effectRef idx="0">
+        <a:scrgbClr r="0" g="0" b="0"/>
+      </a:effectRef>
+      <a:fontRef idx="minor"/>
+    </dgm:style>
+  </dgm:styleLbl>
+  <dgm:styleLbl name="fgShp">
+    <dgm:scene3d>
+      <a:camera prst="orthographicFront"/>
+      <a:lightRig rig="threePt" dir="t"/>
+    </dgm:scene3d>
+    <dgm:txPr/>
+    <dgm:style>
+      <a:lnRef idx="2">
+        <a:scrgbClr r="0" g="0" b="0"/>
+      </a:lnRef>
+      <a:fillRef idx="1">
+        <a:scrgbClr r="0" g="0" b="0"/>
+      </a:fillRef>
+      <a:effectRef idx="0">
+        <a:scrgbClr r="0" g="0" b="0"/>
+      </a:effectRef>
+      <a:fontRef idx="minor"/>
+    </dgm:style>
+  </dgm:styleLbl>
+  <dgm:styleLbl name="fgSibTrans2D1">
+    <dgm:scene3d>
+      <a:camera prst="orthographicFront"/>
+      <a:lightRig rig="threePt" dir="t"/>
+    </dgm:scene3d>
+    <dgm:txPr/>
+    <dgm:style>
+      <a:lnRef idx="0">
         <a:scrgbClr r="0" g="0" b="0"/>
       </a:lnRef>
       <a:fillRef idx="1">
@@ -5008,7 +6113,6 @@
       <a:camera prst="orthographicFront"/>
       <a:lightRig rig="threePt" dir="t"/>
     </dgm:scene3d>
-    <dgm:sp3d/>
     <dgm:txPr/>
     <dgm:style>
       <a:lnRef idx="2">
@@ -5025,34 +6129,11 @@
       </a:fontRef>
     </dgm:style>
   </dgm:styleLbl>
-  <dgm:styleLbl name="vennNode1">
+  <dgm:styleLbl name="node0">
     <dgm:scene3d>
       <a:camera prst="orthographicFront"/>
       <a:lightRig rig="threePt" dir="t"/>
     </dgm:scene3d>
-    <dgm:sp3d/>
-    <dgm:txPr/>
-    <dgm:style>
-      <a:lnRef idx="2">
-        <a:scrgbClr r="0" g="0" b="0"/>
-      </a:lnRef>
-      <a:fillRef idx="1">
-        <a:scrgbClr r="0" g="0" b="0"/>
-      </a:fillRef>
-      <a:effectRef idx="0">
-        <a:scrgbClr r="0" g="0" b="0"/>
-      </a:effectRef>
-      <a:fontRef idx="minor">
-        <a:schemeClr val="tx1"/>
-      </a:fontRef>
-    </dgm:style>
-  </dgm:styleLbl>
-  <dgm:styleLbl name="alignNode1">
-    <dgm:scene3d>
-      <a:camera prst="orthographicFront"/>
-      <a:lightRig rig="threePt" dir="t"/>
-    </dgm:scene3d>
-    <dgm:sp3d/>
     <dgm:txPr/>
     <dgm:style>
       <a:lnRef idx="2">
@@ -5074,7 +6155,6 @@
       <a:camera prst="orthographicFront"/>
       <a:lightRig rig="threePt" dir="t"/>
     </dgm:scene3d>
-    <dgm:sp3d/>
     <dgm:txPr/>
     <dgm:style>
       <a:lnRef idx="2">
@@ -5096,7 +6176,6 @@
       <a:camera prst="orthographicFront"/>
       <a:lightRig rig="threePt" dir="t"/>
     </dgm:scene3d>
-    <dgm:sp3d/>
     <dgm:txPr/>
     <dgm:style>
       <a:lnRef idx="2">
@@ -5118,7 +6197,6 @@
       <a:camera prst="orthographicFront"/>
       <a:lightRig rig="threePt" dir="t"/>
     </dgm:scene3d>
-    <dgm:sp3d/>
     <dgm:txPr/>
     <dgm:style>
       <a:lnRef idx="2">
@@ -5140,7 +6218,6 @@
       <a:camera prst="orthographicFront"/>
       <a:lightRig rig="threePt" dir="t"/>
     </dgm:scene3d>
-    <dgm:sp3d/>
     <dgm:txPr/>
     <dgm:style>
       <a:lnRef idx="2">
@@ -5157,18 +6234,17 @@
       </a:fontRef>
     </dgm:style>
   </dgm:styleLbl>
-  <dgm:styleLbl name="fgImgPlace1">
+  <dgm:styleLbl name="parChTrans1D1">
     <dgm:scene3d>
       <a:camera prst="orthographicFront"/>
       <a:lightRig rig="threePt" dir="t"/>
     </dgm:scene3d>
-    <dgm:sp3d/>
     <dgm:txPr/>
     <dgm:style>
       <a:lnRef idx="2">
         <a:scrgbClr r="0" g="0" b="0"/>
       </a:lnRef>
-      <a:fillRef idx="1">
+      <a:fillRef idx="0">
         <a:scrgbClr r="0" g="0" b="0"/>
       </a:fillRef>
       <a:effectRef idx="0">
@@ -5177,18 +6253,17 @@
       <a:fontRef idx="minor"/>
     </dgm:style>
   </dgm:styleLbl>
-  <dgm:styleLbl name="alignImgPlace1">
+  <dgm:styleLbl name="parChTrans1D2">
     <dgm:scene3d>
       <a:camera prst="orthographicFront"/>
       <a:lightRig rig="threePt" dir="t"/>
     </dgm:scene3d>
-    <dgm:sp3d/>
     <dgm:txPr/>
     <dgm:style>
       <a:lnRef idx="2">
         <a:scrgbClr r="0" g="0" b="0"/>
       </a:lnRef>
-      <a:fillRef idx="1">
+      <a:fillRef idx="0">
         <a:scrgbClr r="0" g="0" b="0"/>
       </a:fillRef>
       <a:effectRef idx="0">
@@ -5197,18 +6272,17 @@
       <a:fontRef idx="minor"/>
     </dgm:style>
   </dgm:styleLbl>
-  <dgm:styleLbl name="bgImgPlace1">
+  <dgm:styleLbl name="parChTrans1D3">
     <dgm:scene3d>
       <a:camera prst="orthographicFront"/>
       <a:lightRig rig="threePt" dir="t"/>
     </dgm:scene3d>
-    <dgm:sp3d/>
     <dgm:txPr/>
     <dgm:style>
       <a:lnRef idx="2">
         <a:scrgbClr r="0" g="0" b="0"/>
       </a:lnRef>
-      <a:fillRef idx="1">
+      <a:fillRef idx="0">
         <a:scrgbClr r="0" g="0" b="0"/>
       </a:fillRef>
       <a:effectRef idx="0">
@@ -5217,220 +6291,23 @@
       <a:fontRef idx="minor"/>
     </dgm:style>
   </dgm:styleLbl>
-  <dgm:styleLbl name="sibTrans2D1">
+  <dgm:styleLbl name="parChTrans1D4">
     <dgm:scene3d>
       <a:camera prst="orthographicFront"/>
       <a:lightRig rig="threePt" dir="t"/>
     </dgm:scene3d>
-    <dgm:sp3d/>
-    <dgm:txPr/>
-    <dgm:style>
-      <a:lnRef idx="0">
-        <a:scrgbClr r="0" g="0" b="0"/>
-      </a:lnRef>
-      <a:fillRef idx="1">
-        <a:scrgbClr r="0" g="0" b="0"/>
-      </a:fillRef>
-      <a:effectRef idx="0">
-        <a:scrgbClr r="0" g="0" b="0"/>
-      </a:effectRef>
-      <a:fontRef idx="minor">
-        <a:schemeClr val="lt1"/>
-      </a:fontRef>
-    </dgm:style>
-  </dgm:styleLbl>
-  <dgm:styleLbl name="fgSibTrans2D1">
-    <dgm:scene3d>
-      <a:camera prst="orthographicFront"/>
-      <a:lightRig rig="threePt" dir="t"/>
-    </dgm:scene3d>
-    <dgm:sp3d/>
-    <dgm:txPr/>
-    <dgm:style>
-      <a:lnRef idx="0">
-        <a:scrgbClr r="0" g="0" b="0"/>
-      </a:lnRef>
-      <a:fillRef idx="1">
-        <a:scrgbClr r="0" g="0" b="0"/>
-      </a:fillRef>
-      <a:effectRef idx="0">
-        <a:scrgbClr r="0" g="0" b="0"/>
-      </a:effectRef>
-      <a:fontRef idx="minor">
-        <a:schemeClr val="lt1"/>
-      </a:fontRef>
-    </dgm:style>
-  </dgm:styleLbl>
-  <dgm:styleLbl name="bgSibTrans2D1">
-    <dgm:scene3d>
-      <a:camera prst="orthographicFront"/>
-      <a:lightRig rig="threePt" dir="t"/>
-    </dgm:scene3d>
-    <dgm:sp3d/>
-    <dgm:txPr/>
-    <dgm:style>
-      <a:lnRef idx="0">
-        <a:scrgbClr r="0" g="0" b="0"/>
-      </a:lnRef>
-      <a:fillRef idx="1">
-        <a:scrgbClr r="0" g="0" b="0"/>
-      </a:fillRef>
-      <a:effectRef idx="0">
-        <a:scrgbClr r="0" g="0" b="0"/>
-      </a:effectRef>
-      <a:fontRef idx="minor">
-        <a:schemeClr val="lt1"/>
-      </a:fontRef>
-    </dgm:style>
-  </dgm:styleLbl>
-  <dgm:styleLbl name="sibTrans1D1">
-    <dgm:scene3d>
-      <a:camera prst="orthographicFront"/>
-      <a:lightRig rig="threePt" dir="t"/>
-    </dgm:scene3d>
-    <dgm:sp3d/>
-    <dgm:txPr/>
-    <dgm:style>
-      <a:lnRef idx="1">
-        <a:scrgbClr r="0" g="0" b="0"/>
-      </a:lnRef>
-      <a:fillRef idx="0">
-        <a:scrgbClr r="0" g="0" b="0"/>
-      </a:fillRef>
-      <a:effectRef idx="0">
-        <a:scrgbClr r="0" g="0" b="0"/>
-      </a:effectRef>
-      <a:fontRef idx="minor"/>
-    </dgm:style>
-  </dgm:styleLbl>
-  <dgm:styleLbl name="callout">
-    <dgm:scene3d>
-      <a:camera prst="orthographicFront"/>
-      <a:lightRig rig="threePt" dir="t"/>
-    </dgm:scene3d>
-    <dgm:sp3d/>
     <dgm:txPr/>
     <dgm:style>
       <a:lnRef idx="2">
         <a:scrgbClr r="0" g="0" b="0"/>
       </a:lnRef>
-      <a:fillRef idx="1">
+      <a:fillRef idx="0">
         <a:scrgbClr r="0" g="0" b="0"/>
       </a:fillRef>
       <a:effectRef idx="0">
         <a:scrgbClr r="0" g="0" b="0"/>
       </a:effectRef>
       <a:fontRef idx="minor"/>
-    </dgm:style>
-  </dgm:styleLbl>
-  <dgm:styleLbl name="asst0">
-    <dgm:scene3d>
-      <a:camera prst="orthographicFront"/>
-      <a:lightRig rig="threePt" dir="t"/>
-    </dgm:scene3d>
-    <dgm:sp3d/>
-    <dgm:txPr/>
-    <dgm:style>
-      <a:lnRef idx="2">
-        <a:scrgbClr r="0" g="0" b="0"/>
-      </a:lnRef>
-      <a:fillRef idx="1">
-        <a:scrgbClr r="0" g="0" b="0"/>
-      </a:fillRef>
-      <a:effectRef idx="0">
-        <a:scrgbClr r="0" g="0" b="0"/>
-      </a:effectRef>
-      <a:fontRef idx="minor">
-        <a:schemeClr val="lt1"/>
-      </a:fontRef>
-    </dgm:style>
-  </dgm:styleLbl>
-  <dgm:styleLbl name="asst1">
-    <dgm:scene3d>
-      <a:camera prst="orthographicFront"/>
-      <a:lightRig rig="threePt" dir="t"/>
-    </dgm:scene3d>
-    <dgm:sp3d/>
-    <dgm:txPr/>
-    <dgm:style>
-      <a:lnRef idx="2">
-        <a:scrgbClr r="0" g="0" b="0"/>
-      </a:lnRef>
-      <a:fillRef idx="1">
-        <a:scrgbClr r="0" g="0" b="0"/>
-      </a:fillRef>
-      <a:effectRef idx="0">
-        <a:scrgbClr r="0" g="0" b="0"/>
-      </a:effectRef>
-      <a:fontRef idx="minor">
-        <a:schemeClr val="lt1"/>
-      </a:fontRef>
-    </dgm:style>
-  </dgm:styleLbl>
-  <dgm:styleLbl name="asst2">
-    <dgm:scene3d>
-      <a:camera prst="orthographicFront"/>
-      <a:lightRig rig="threePt" dir="t"/>
-    </dgm:scene3d>
-    <dgm:sp3d/>
-    <dgm:txPr/>
-    <dgm:style>
-      <a:lnRef idx="2">
-        <a:scrgbClr r="0" g="0" b="0"/>
-      </a:lnRef>
-      <a:fillRef idx="1">
-        <a:scrgbClr r="0" g="0" b="0"/>
-      </a:fillRef>
-      <a:effectRef idx="0">
-        <a:scrgbClr r="0" g="0" b="0"/>
-      </a:effectRef>
-      <a:fontRef idx="minor">
-        <a:schemeClr val="lt1"/>
-      </a:fontRef>
-    </dgm:style>
-  </dgm:styleLbl>
-  <dgm:styleLbl name="asst3">
-    <dgm:scene3d>
-      <a:camera prst="orthographicFront"/>
-      <a:lightRig rig="threePt" dir="t"/>
-    </dgm:scene3d>
-    <dgm:sp3d/>
-    <dgm:txPr/>
-    <dgm:style>
-      <a:lnRef idx="2">
-        <a:scrgbClr r="0" g="0" b="0"/>
-      </a:lnRef>
-      <a:fillRef idx="1">
-        <a:scrgbClr r="0" g="0" b="0"/>
-      </a:fillRef>
-      <a:effectRef idx="0">
-        <a:scrgbClr r="0" g="0" b="0"/>
-      </a:effectRef>
-      <a:fontRef idx="minor">
-        <a:schemeClr val="lt1"/>
-      </a:fontRef>
-    </dgm:style>
-  </dgm:styleLbl>
-  <dgm:styleLbl name="asst4">
-    <dgm:scene3d>
-      <a:camera prst="orthographicFront"/>
-      <a:lightRig rig="threePt" dir="t"/>
-    </dgm:scene3d>
-    <dgm:sp3d/>
-    <dgm:txPr/>
-    <dgm:style>
-      <a:lnRef idx="2">
-        <a:scrgbClr r="0" g="0" b="0"/>
-      </a:lnRef>
-      <a:fillRef idx="1">
-        <a:scrgbClr r="0" g="0" b="0"/>
-      </a:fillRef>
-      <a:effectRef idx="0">
-        <a:scrgbClr r="0" g="0" b="0"/>
-      </a:effectRef>
-      <a:fontRef idx="minor">
-        <a:schemeClr val="lt1"/>
-      </a:fontRef>
     </dgm:style>
   </dgm:styleLbl>
   <dgm:styleLbl name="parChTrans2D1">
@@ -5438,7 +6315,6 @@
       <a:camera prst="orthographicFront"/>
       <a:lightRig rig="threePt" dir="t"/>
     </dgm:scene3d>
-    <dgm:sp3d/>
     <dgm:txPr/>
     <dgm:style>
       <a:lnRef idx="2">
@@ -5460,7 +6336,6 @@
       <a:camera prst="orthographicFront"/>
       <a:lightRig rig="threePt" dir="t"/>
     </dgm:scene3d>
-    <dgm:sp3d/>
     <dgm:txPr/>
     <dgm:style>
       <a:lnRef idx="2">
@@ -5482,7 +6357,6 @@
       <a:camera prst="orthographicFront"/>
       <a:lightRig rig="threePt" dir="t"/>
     </dgm:scene3d>
-    <dgm:sp3d/>
     <dgm:txPr/>
     <dgm:style>
       <a:lnRef idx="2">
@@ -5504,7 +6378,6 @@
       <a:camera prst="orthographicFront"/>
       <a:lightRig rig="threePt" dir="t"/>
     </dgm:scene3d>
-    <dgm:sp3d/>
     <dgm:txPr/>
     <dgm:style>
       <a:lnRef idx="2">
@@ -5521,15 +6394,14 @@
       </a:fontRef>
     </dgm:style>
   </dgm:styleLbl>
-  <dgm:styleLbl name="parChTrans1D1">
+  <dgm:styleLbl name="revTx">
     <dgm:scene3d>
       <a:camera prst="orthographicFront"/>
       <a:lightRig rig="threePt" dir="t"/>
     </dgm:scene3d>
-    <dgm:sp3d/>
     <dgm:txPr/>
     <dgm:style>
-      <a:lnRef idx="2">
+      <a:lnRef idx="0">
         <a:scrgbClr r="0" g="0" b="0"/>
       </a:lnRef>
       <a:fillRef idx="0">
@@ -5541,15 +6413,14 @@
       <a:fontRef idx="minor"/>
     </dgm:style>
   </dgm:styleLbl>
-  <dgm:styleLbl name="parChTrans1D2">
+  <dgm:styleLbl name="sibTrans1D1">
     <dgm:scene3d>
       <a:camera prst="orthographicFront"/>
       <a:lightRig rig="threePt" dir="t"/>
     </dgm:scene3d>
-    <dgm:sp3d/>
     <dgm:txPr/>
     <dgm:style>
-      <a:lnRef idx="2">
+      <a:lnRef idx="1">
         <a:scrgbClr r="0" g="0" b="0"/>
       </a:lnRef>
       <a:fillRef idx="0">
@@ -5561,18 +6432,38 @@
       <a:fontRef idx="minor"/>
     </dgm:style>
   </dgm:styleLbl>
-  <dgm:styleLbl name="parChTrans1D3">
+  <dgm:styleLbl name="sibTrans2D1">
     <dgm:scene3d>
       <a:camera prst="orthographicFront"/>
       <a:lightRig rig="threePt" dir="t"/>
     </dgm:scene3d>
-    <dgm:sp3d/>
+    <dgm:txPr/>
+    <dgm:style>
+      <a:lnRef idx="0">
+        <a:scrgbClr r="0" g="0" b="0"/>
+      </a:lnRef>
+      <a:fillRef idx="1">
+        <a:scrgbClr r="0" g="0" b="0"/>
+      </a:fillRef>
+      <a:effectRef idx="0">
+        <a:scrgbClr r="0" g="0" b="0"/>
+      </a:effectRef>
+      <a:fontRef idx="minor">
+        <a:schemeClr val="lt1"/>
+      </a:fontRef>
+    </dgm:style>
+  </dgm:styleLbl>
+  <dgm:styleLbl name="solidAlignAcc1">
+    <dgm:scene3d>
+      <a:camera prst="orthographicFront"/>
+      <a:lightRig rig="threePt" dir="t"/>
+    </dgm:scene3d>
     <dgm:txPr/>
     <dgm:style>
       <a:lnRef idx="2">
         <a:scrgbClr r="0" g="0" b="0"/>
       </a:lnRef>
-      <a:fillRef idx="0">
+      <a:fillRef idx="1">
         <a:scrgbClr r="0" g="0" b="0"/>
       </a:fillRef>
       <a:effectRef idx="0">
@@ -5581,18 +6472,17 @@
       <a:fontRef idx="minor"/>
     </dgm:style>
   </dgm:styleLbl>
-  <dgm:styleLbl name="parChTrans1D4">
+  <dgm:styleLbl name="solidBgAcc1">
     <dgm:scene3d>
       <a:camera prst="orthographicFront"/>
       <a:lightRig rig="threePt" dir="t"/>
     </dgm:scene3d>
-    <dgm:sp3d/>
     <dgm:txPr/>
     <dgm:style>
       <a:lnRef idx="2">
         <a:scrgbClr r="0" g="0" b="0"/>
       </a:lnRef>
-      <a:fillRef idx="0">
+      <a:fillRef idx="1">
         <a:scrgbClr r="0" g="0" b="0"/>
       </a:fillRef>
       <a:effectRef idx="0">
@@ -5601,52 +6491,11 @@
       <a:fontRef idx="minor"/>
     </dgm:style>
   </dgm:styleLbl>
-  <dgm:styleLbl name="fgAcc1">
+  <dgm:styleLbl name="solidFgAcc1">
     <dgm:scene3d>
       <a:camera prst="orthographicFront"/>
       <a:lightRig rig="threePt" dir="t"/>
     </dgm:scene3d>
-    <dgm:sp3d/>
-    <dgm:txPr/>
-    <dgm:style>
-      <a:lnRef idx="2">
-        <a:scrgbClr r="0" g="0" b="0"/>
-      </a:lnRef>
-      <a:fillRef idx="1">
-        <a:scrgbClr r="0" g="0" b="0"/>
-      </a:fillRef>
-      <a:effectRef idx="0">
-        <a:scrgbClr r="0" g="0" b="0"/>
-      </a:effectRef>
-      <a:fontRef idx="minor"/>
-    </dgm:style>
-  </dgm:styleLbl>
-  <dgm:styleLbl name="conFgAcc1">
-    <dgm:scene3d>
-      <a:camera prst="orthographicFront"/>
-      <a:lightRig rig="threePt" dir="t"/>
-    </dgm:scene3d>
-    <dgm:sp3d/>
-    <dgm:txPr/>
-    <dgm:style>
-      <a:lnRef idx="2">
-        <a:scrgbClr r="0" g="0" b="0"/>
-      </a:lnRef>
-      <a:fillRef idx="1">
-        <a:scrgbClr r="0" g="0" b="0"/>
-      </a:fillRef>
-      <a:effectRef idx="0">
-        <a:scrgbClr r="0" g="0" b="0"/>
-      </a:effectRef>
-      <a:fontRef idx="minor"/>
-    </dgm:style>
-  </dgm:styleLbl>
-  <dgm:styleLbl name="alignAcc1">
-    <dgm:scene3d>
-      <a:camera prst="orthographicFront"/>
-      <a:lightRig rig="threePt" dir="t"/>
-    </dgm:scene3d>
-    <dgm:sp3d/>
     <dgm:txPr/>
     <dgm:style>
       <a:lnRef idx="2">
@@ -5666,270 +6515,9 @@
       <a:camera prst="orthographicFront"/>
       <a:lightRig rig="threePt" dir="t"/>
     </dgm:scene3d>
-    <dgm:sp3d/>
     <dgm:txPr/>
     <dgm:style>
       <a:lnRef idx="1">
-        <a:scrgbClr r="0" g="0" b="0"/>
-      </a:lnRef>
-      <a:fillRef idx="1">
-        <a:scrgbClr r="0" g="0" b="0"/>
-      </a:fillRef>
-      <a:effectRef idx="0">
-        <a:scrgbClr r="0" g="0" b="0"/>
-      </a:effectRef>
-      <a:fontRef idx="minor"/>
-    </dgm:style>
-  </dgm:styleLbl>
-  <dgm:styleLbl name="bgAcc1">
-    <dgm:scene3d>
-      <a:camera prst="orthographicFront"/>
-      <a:lightRig rig="threePt" dir="t"/>
-    </dgm:scene3d>
-    <dgm:sp3d/>
-    <dgm:txPr/>
-    <dgm:style>
-      <a:lnRef idx="2">
-        <a:scrgbClr r="0" g="0" b="0"/>
-      </a:lnRef>
-      <a:fillRef idx="1">
-        <a:scrgbClr r="0" g="0" b="0"/>
-      </a:fillRef>
-      <a:effectRef idx="0">
-        <a:scrgbClr r="0" g="0" b="0"/>
-      </a:effectRef>
-      <a:fontRef idx="minor"/>
-    </dgm:style>
-  </dgm:styleLbl>
-  <dgm:styleLbl name="solidFgAcc1">
-    <dgm:scene3d>
-      <a:camera prst="orthographicFront"/>
-      <a:lightRig rig="threePt" dir="t"/>
-    </dgm:scene3d>
-    <dgm:sp3d/>
-    <dgm:txPr/>
-    <dgm:style>
-      <a:lnRef idx="2">
-        <a:scrgbClr r="0" g="0" b="0"/>
-      </a:lnRef>
-      <a:fillRef idx="1">
-        <a:scrgbClr r="0" g="0" b="0"/>
-      </a:fillRef>
-      <a:effectRef idx="0">
-        <a:scrgbClr r="0" g="0" b="0"/>
-      </a:effectRef>
-      <a:fontRef idx="minor"/>
-    </dgm:style>
-  </dgm:styleLbl>
-  <dgm:styleLbl name="solidAlignAcc1">
-    <dgm:scene3d>
-      <a:camera prst="orthographicFront"/>
-      <a:lightRig rig="threePt" dir="t"/>
-    </dgm:scene3d>
-    <dgm:sp3d/>
-    <dgm:txPr/>
-    <dgm:style>
-      <a:lnRef idx="2">
-        <a:scrgbClr r="0" g="0" b="0"/>
-      </a:lnRef>
-      <a:fillRef idx="1">
-        <a:scrgbClr r="0" g="0" b="0"/>
-      </a:fillRef>
-      <a:effectRef idx="0">
-        <a:scrgbClr r="0" g="0" b="0"/>
-      </a:effectRef>
-      <a:fontRef idx="minor"/>
-    </dgm:style>
-  </dgm:styleLbl>
-  <dgm:styleLbl name="solidBgAcc1">
-    <dgm:scene3d>
-      <a:camera prst="orthographicFront"/>
-      <a:lightRig rig="threePt" dir="t"/>
-    </dgm:scene3d>
-    <dgm:sp3d/>
-    <dgm:txPr/>
-    <dgm:style>
-      <a:lnRef idx="2">
-        <a:scrgbClr r="0" g="0" b="0"/>
-      </a:lnRef>
-      <a:fillRef idx="1">
-        <a:scrgbClr r="0" g="0" b="0"/>
-      </a:fillRef>
-      <a:effectRef idx="0">
-        <a:scrgbClr r="0" g="0" b="0"/>
-      </a:effectRef>
-      <a:fontRef idx="minor"/>
-    </dgm:style>
-  </dgm:styleLbl>
-  <dgm:styleLbl name="fgAccFollowNode1">
-    <dgm:scene3d>
-      <a:camera prst="orthographicFront"/>
-      <a:lightRig rig="threePt" dir="t"/>
-    </dgm:scene3d>
-    <dgm:sp3d/>
-    <dgm:txPr/>
-    <dgm:style>
-      <a:lnRef idx="2">
-        <a:scrgbClr r="0" g="0" b="0"/>
-      </a:lnRef>
-      <a:fillRef idx="1">
-        <a:scrgbClr r="0" g="0" b="0"/>
-      </a:fillRef>
-      <a:effectRef idx="0">
-        <a:scrgbClr r="0" g="0" b="0"/>
-      </a:effectRef>
-      <a:fontRef idx="minor"/>
-    </dgm:style>
-  </dgm:styleLbl>
-  <dgm:styleLbl name="alignAccFollowNode1">
-    <dgm:scene3d>
-      <a:camera prst="orthographicFront"/>
-      <a:lightRig rig="threePt" dir="t"/>
-    </dgm:scene3d>
-    <dgm:sp3d/>
-    <dgm:txPr/>
-    <dgm:style>
-      <a:lnRef idx="2">
-        <a:scrgbClr r="0" g="0" b="0"/>
-      </a:lnRef>
-      <a:fillRef idx="1">
-        <a:scrgbClr r="0" g="0" b="0"/>
-      </a:fillRef>
-      <a:effectRef idx="0">
-        <a:scrgbClr r="0" g="0" b="0"/>
-      </a:effectRef>
-      <a:fontRef idx="minor"/>
-    </dgm:style>
-  </dgm:styleLbl>
-  <dgm:styleLbl name="bgAccFollowNode1">
-    <dgm:scene3d>
-      <a:camera prst="orthographicFront"/>
-      <a:lightRig rig="threePt" dir="t"/>
-    </dgm:scene3d>
-    <dgm:sp3d/>
-    <dgm:txPr/>
-    <dgm:style>
-      <a:lnRef idx="2">
-        <a:scrgbClr r="0" g="0" b="0"/>
-      </a:lnRef>
-      <a:fillRef idx="1">
-        <a:scrgbClr r="0" g="0" b="0"/>
-      </a:fillRef>
-      <a:effectRef idx="0">
-        <a:scrgbClr r="0" g="0" b="0"/>
-      </a:effectRef>
-      <a:fontRef idx="minor"/>
-    </dgm:style>
-  </dgm:styleLbl>
-  <dgm:styleLbl name="fgAcc0">
-    <dgm:scene3d>
-      <a:camera prst="orthographicFront"/>
-      <a:lightRig rig="threePt" dir="t"/>
-    </dgm:scene3d>
-    <dgm:sp3d/>
-    <dgm:txPr/>
-    <dgm:style>
-      <a:lnRef idx="2">
-        <a:scrgbClr r="0" g="0" b="0"/>
-      </a:lnRef>
-      <a:fillRef idx="1">
-        <a:scrgbClr r="0" g="0" b="0"/>
-      </a:fillRef>
-      <a:effectRef idx="0">
-        <a:scrgbClr r="0" g="0" b="0"/>
-      </a:effectRef>
-      <a:fontRef idx="minor"/>
-    </dgm:style>
-  </dgm:styleLbl>
-  <dgm:styleLbl name="fgAcc2">
-    <dgm:scene3d>
-      <a:camera prst="orthographicFront"/>
-      <a:lightRig rig="threePt" dir="t"/>
-    </dgm:scene3d>
-    <dgm:sp3d/>
-    <dgm:txPr/>
-    <dgm:style>
-      <a:lnRef idx="2">
-        <a:scrgbClr r="0" g="0" b="0"/>
-      </a:lnRef>
-      <a:fillRef idx="1">
-        <a:scrgbClr r="0" g="0" b="0"/>
-      </a:fillRef>
-      <a:effectRef idx="0">
-        <a:scrgbClr r="0" g="0" b="0"/>
-      </a:effectRef>
-      <a:fontRef idx="minor"/>
-    </dgm:style>
-  </dgm:styleLbl>
-  <dgm:styleLbl name="fgAcc3">
-    <dgm:scene3d>
-      <a:camera prst="orthographicFront"/>
-      <a:lightRig rig="threePt" dir="t"/>
-    </dgm:scene3d>
-    <dgm:sp3d/>
-    <dgm:txPr/>
-    <dgm:style>
-      <a:lnRef idx="2">
-        <a:scrgbClr r="0" g="0" b="0"/>
-      </a:lnRef>
-      <a:fillRef idx="1">
-        <a:scrgbClr r="0" g="0" b="0"/>
-      </a:fillRef>
-      <a:effectRef idx="0">
-        <a:scrgbClr r="0" g="0" b="0"/>
-      </a:effectRef>
-      <a:fontRef idx="minor"/>
-    </dgm:style>
-  </dgm:styleLbl>
-  <dgm:styleLbl name="fgAcc4">
-    <dgm:scene3d>
-      <a:camera prst="orthographicFront"/>
-      <a:lightRig rig="threePt" dir="t"/>
-    </dgm:scene3d>
-    <dgm:sp3d/>
-    <dgm:txPr/>
-    <dgm:style>
-      <a:lnRef idx="2">
-        <a:scrgbClr r="0" g="0" b="0"/>
-      </a:lnRef>
-      <a:fillRef idx="1">
-        <a:scrgbClr r="0" g="0" b="0"/>
-      </a:fillRef>
-      <a:effectRef idx="0">
-        <a:scrgbClr r="0" g="0" b="0"/>
-      </a:effectRef>
-      <a:fontRef idx="minor"/>
-    </dgm:style>
-  </dgm:styleLbl>
-  <dgm:styleLbl name="bgShp">
-    <dgm:scene3d>
-      <a:camera prst="orthographicFront"/>
-      <a:lightRig rig="threePt" dir="t"/>
-    </dgm:scene3d>
-    <dgm:sp3d/>
-    <dgm:txPr/>
-    <dgm:style>
-      <a:lnRef idx="0">
-        <a:scrgbClr r="0" g="0" b="0"/>
-      </a:lnRef>
-      <a:fillRef idx="1">
-        <a:scrgbClr r="0" g="0" b="0"/>
-      </a:fillRef>
-      <a:effectRef idx="0">
-        <a:scrgbClr r="0" g="0" b="0"/>
-      </a:effectRef>
-      <a:fontRef idx="minor"/>
-    </dgm:style>
-  </dgm:styleLbl>
-  <dgm:styleLbl name="dkBgShp">
-    <dgm:scene3d>
-      <a:camera prst="orthographicFront"/>
-      <a:lightRig rig="threePt" dir="t"/>
-    </dgm:scene3d>
-    <dgm:sp3d/>
-    <dgm:txPr/>
-    <dgm:style>
-      <a:lnRef idx="0">
         <a:scrgbClr r="0" g="0" b="0"/>
       </a:lnRef>
       <a:fillRef idx="1">
@@ -5946,7 +6534,6 @@
       <a:camera prst="orthographicFront"/>
       <a:lightRig rig="threePt" dir="t"/>
     </dgm:scene3d>
-    <dgm:sp3d/>
     <dgm:txPr/>
     <dgm:style>
       <a:lnRef idx="0">
@@ -5961,12 +6548,11 @@
       <a:fontRef idx="minor"/>
     </dgm:style>
   </dgm:styleLbl>
-  <dgm:styleLbl name="fgShp">
+  <dgm:styleLbl name="vennNode1">
     <dgm:scene3d>
       <a:camera prst="orthographicFront"/>
       <a:lightRig rig="threePt" dir="t"/>
     </dgm:scene3d>
-    <dgm:sp3d/>
     <dgm:txPr/>
     <dgm:style>
       <a:lnRef idx="2">
@@ -5978,27 +6564,9 @@
       <a:effectRef idx="0">
         <a:scrgbClr r="0" g="0" b="0"/>
       </a:effectRef>
-      <a:fontRef idx="minor"/>
-    </dgm:style>
-  </dgm:styleLbl>
-  <dgm:styleLbl name="revTx">
-    <dgm:scene3d>
-      <a:camera prst="orthographicFront"/>
-      <a:lightRig rig="threePt" dir="t"/>
-    </dgm:scene3d>
-    <dgm:sp3d/>
-    <dgm:txPr/>
-    <dgm:style>
-      <a:lnRef idx="0">
-        <a:scrgbClr r="0" g="0" b="0"/>
-      </a:lnRef>
-      <a:fillRef idx="0">
-        <a:scrgbClr r="0" g="0" b="0"/>
-      </a:fillRef>
-      <a:effectRef idx="0">
-        <a:scrgbClr r="0" g="0" b="0"/>
-      </a:effectRef>
-      <a:fontRef idx="minor"/>
+      <a:fontRef idx="minor">
+        <a:schemeClr val="tx1"/>
+      </a:fontRef>
     </dgm:style>
   </dgm:styleLbl>
 </dgm:styleDef>
@@ -6192,7 +6760,6 @@
           <a:p>
             <a:fld id="{BCA20078-376C-4EC9-9B35-3283D4F330F1}" type="datetimeFigureOut">
               <a:rPr lang="en-US" smtClean="0"/>
-              <a:t>1/25/2023</a:t>
             </a:fld>
             <a:endParaRPr lang="en-US"/>
           </a:p>
@@ -6321,18 +6888,12 @@
           <a:p>
             <a:fld id="{CAF889C2-980D-49CA-AB7C-1E654BA5E52F}" type="slidenum">
               <a:rPr lang="en-US" smtClean="0"/>
-              <a:t>‹#›</a:t>
             </a:fld>
             <a:endParaRPr lang="en-US"/>
           </a:p>
         </p:txBody>
       </p:sp>
     </p:spTree>
-    <p:extLst>
-      <p:ext uri="{BB962C8B-B14F-4D97-AF65-F5344CB8AC3E}">
-        <p14:creationId xmlns:p14="http://schemas.microsoft.com/office/powerpoint/2010/main" val="3048641564"/>
-      </p:ext>
-    </p:extLst>
   </p:cSld>
   <p:clrMapOvr>
     <a:masterClrMapping/>
@@ -6510,6 +7071,7 @@
               <a:rPr lang="en-US" smtClean="0"/>
               <a:t>Click to edit Master text styles</a:t>
             </a:r>
+            <a:endParaRPr lang="en-US" smtClean="0"/>
           </a:p>
         </p:txBody>
       </p:sp>
@@ -6530,7 +7092,6 @@
           <a:p>
             <a:fld id="{BCA20078-376C-4EC9-9B35-3283D4F330F1}" type="datetimeFigureOut">
               <a:rPr lang="en-US" smtClean="0"/>
-              <a:t>1/25/2023</a:t>
             </a:fld>
             <a:endParaRPr lang="en-US"/>
           </a:p>
@@ -6659,18 +7220,12 @@
           <a:p>
             <a:fld id="{CAF889C2-980D-49CA-AB7C-1E654BA5E52F}" type="slidenum">
               <a:rPr lang="en-US" smtClean="0"/>
-              <a:t>‹#›</a:t>
             </a:fld>
             <a:endParaRPr lang="en-US"/>
           </a:p>
         </p:txBody>
       </p:sp>
     </p:spTree>
-    <p:extLst>
-      <p:ext uri="{BB962C8B-B14F-4D97-AF65-F5344CB8AC3E}">
-        <p14:creationId xmlns:p14="http://schemas.microsoft.com/office/powerpoint/2010/main" val="2417507351"/>
-      </p:ext>
-    </p:extLst>
   </p:cSld>
   <p:clrMapOvr>
     <a:masterClrMapping/>
@@ -6789,6 +7344,7 @@
               <a:rPr lang="en-US" smtClean="0"/>
               <a:t>Click to edit Master text styles</a:t>
             </a:r>
+            <a:endParaRPr lang="en-US" smtClean="0"/>
           </a:p>
         </p:txBody>
       </p:sp>
@@ -6911,6 +7467,7 @@
               <a:rPr lang="en-US" smtClean="0"/>
               <a:t>Click to edit Master text styles</a:t>
             </a:r>
+            <a:endParaRPr lang="en-US" smtClean="0"/>
           </a:p>
         </p:txBody>
       </p:sp>
@@ -6931,7 +7488,6 @@
           <a:p>
             <a:fld id="{BCA20078-376C-4EC9-9B35-3283D4F330F1}" type="datetimeFigureOut">
               <a:rPr lang="en-US" smtClean="0"/>
-              <a:t>1/25/2023</a:t>
             </a:fld>
             <a:endParaRPr lang="en-US"/>
           </a:p>
@@ -7060,7 +7616,6 @@
           <a:p>
             <a:fld id="{CAF889C2-980D-49CA-AB7C-1E654BA5E52F}" type="slidenum">
               <a:rPr lang="en-US" smtClean="0"/>
-              <a:t>‹#›</a:t>
             </a:fld>
             <a:endParaRPr lang="en-US"/>
           </a:p>
@@ -7097,10 +7652,20 @@
                   <a:schemeClr val="accent1"/>
                 </a:solidFill>
                 <a:effectLst/>
-                <a:latin typeface="Arial"/>
+                <a:latin typeface="Arial" panose="020B0604020202020204"/>
               </a:rPr>
               <a:t>“</a:t>
             </a:r>
+            <a:endParaRPr lang="en-US" sz="8000" baseline="0" dirty="0">
+              <a:ln w="3175" cmpd="sng">
+                <a:noFill/>
+              </a:ln>
+              <a:solidFill>
+                <a:schemeClr val="accent1"/>
+              </a:solidFill>
+              <a:effectLst/>
+              <a:latin typeface="Arial" panose="020B0604020202020204"/>
+            </a:endParaRPr>
           </a:p>
         </p:txBody>
       </p:sp>
@@ -7135,19 +7700,24 @@
                   <a:schemeClr val="accent1"/>
                 </a:solidFill>
                 <a:effectLst/>
-                <a:latin typeface="Arial"/>
+                <a:latin typeface="Arial" panose="020B0604020202020204"/>
               </a:rPr>
               <a:t>”</a:t>
             </a:r>
+            <a:endParaRPr lang="en-US" sz="8000" baseline="0" dirty="0">
+              <a:ln w="3175" cmpd="sng">
+                <a:noFill/>
+              </a:ln>
+              <a:solidFill>
+                <a:schemeClr val="accent1"/>
+              </a:solidFill>
+              <a:effectLst/>
+              <a:latin typeface="Arial" panose="020B0604020202020204"/>
+            </a:endParaRPr>
           </a:p>
         </p:txBody>
       </p:sp>
     </p:spTree>
-    <p:extLst>
-      <p:ext uri="{BB962C8B-B14F-4D97-AF65-F5344CB8AC3E}">
-        <p14:creationId xmlns:p14="http://schemas.microsoft.com/office/powerpoint/2010/main" val="1896912535"/>
-      </p:ext>
-    </p:extLst>
   </p:cSld>
   <p:clrMapOvr>
     <a:masterClrMapping/>
@@ -7247,6 +7817,7 @@
               <a:rPr lang="en-US" smtClean="0"/>
               <a:t>Click to edit Master text styles</a:t>
             </a:r>
+            <a:endParaRPr lang="en-US" smtClean="0"/>
           </a:p>
         </p:txBody>
       </p:sp>
@@ -7267,7 +7838,6 @@
           <a:p>
             <a:fld id="{BCA20078-376C-4EC9-9B35-3283D4F330F1}" type="datetimeFigureOut">
               <a:rPr lang="en-US" smtClean="0"/>
-              <a:t>1/25/2023</a:t>
             </a:fld>
             <a:endParaRPr lang="en-US"/>
           </a:p>
@@ -7396,18 +7966,12 @@
           <a:p>
             <a:fld id="{CAF889C2-980D-49CA-AB7C-1E654BA5E52F}" type="slidenum">
               <a:rPr lang="en-US" smtClean="0"/>
-              <a:t>‹#›</a:t>
             </a:fld>
             <a:endParaRPr lang="en-US"/>
           </a:p>
         </p:txBody>
       </p:sp>
     </p:spTree>
-    <p:extLst>
-      <p:ext uri="{BB962C8B-B14F-4D97-AF65-F5344CB8AC3E}">
-        <p14:creationId xmlns:p14="http://schemas.microsoft.com/office/powerpoint/2010/main" val="1994771347"/>
-      </p:ext>
-    </p:extLst>
   </p:cSld>
   <p:clrMapOvr>
     <a:masterClrMapping/>
@@ -7523,6 +8087,7 @@
               <a:rPr lang="en-US" smtClean="0"/>
               <a:t>Click to edit Master text styles</a:t>
             </a:r>
+            <a:endParaRPr lang="en-US" smtClean="0"/>
           </a:p>
         </p:txBody>
       </p:sp>
@@ -7567,6 +8132,7 @@
               <a:rPr lang="en-US" smtClean="0"/>
               <a:t>Click to edit Master text styles</a:t>
             </a:r>
+            <a:endParaRPr lang="en-US" smtClean="0"/>
           </a:p>
         </p:txBody>
       </p:sp>
@@ -7587,7 +8153,6 @@
           <a:p>
             <a:fld id="{BCA20078-376C-4EC9-9B35-3283D4F330F1}" type="datetimeFigureOut">
               <a:rPr lang="en-US" smtClean="0"/>
-              <a:t>1/25/2023</a:t>
             </a:fld>
             <a:endParaRPr lang="en-US"/>
           </a:p>
@@ -7716,7 +8281,6 @@
           <a:p>
             <a:fld id="{CAF889C2-980D-49CA-AB7C-1E654BA5E52F}" type="slidenum">
               <a:rPr lang="en-US" smtClean="0"/>
-              <a:t>‹#›</a:t>
             </a:fld>
             <a:endParaRPr lang="en-US"/>
           </a:p>
@@ -7753,10 +8317,20 @@
                   <a:schemeClr val="accent1"/>
                 </a:solidFill>
                 <a:effectLst/>
-                <a:latin typeface="Arial"/>
+                <a:latin typeface="Arial" panose="020B0604020202020204"/>
               </a:rPr>
               <a:t>“</a:t>
             </a:r>
+            <a:endParaRPr lang="en-US" sz="8000" baseline="0" dirty="0">
+              <a:ln w="3175" cmpd="sng">
+                <a:noFill/>
+              </a:ln>
+              <a:solidFill>
+                <a:schemeClr val="accent1"/>
+              </a:solidFill>
+              <a:effectLst/>
+              <a:latin typeface="Arial" panose="020B0604020202020204"/>
+            </a:endParaRPr>
           </a:p>
         </p:txBody>
       </p:sp>
@@ -7791,19 +8365,24 @@
                   <a:schemeClr val="accent1"/>
                 </a:solidFill>
                 <a:effectLst/>
-                <a:latin typeface="Arial"/>
+                <a:latin typeface="Arial" panose="020B0604020202020204"/>
               </a:rPr>
               <a:t>”</a:t>
             </a:r>
+            <a:endParaRPr lang="en-US" sz="8000" baseline="0" dirty="0">
+              <a:ln w="3175" cmpd="sng">
+                <a:noFill/>
+              </a:ln>
+              <a:solidFill>
+                <a:schemeClr val="accent1"/>
+              </a:solidFill>
+              <a:effectLst/>
+              <a:latin typeface="Arial" panose="020B0604020202020204"/>
+            </a:endParaRPr>
           </a:p>
         </p:txBody>
       </p:sp>
     </p:spTree>
-    <p:extLst>
-      <p:ext uri="{BB962C8B-B14F-4D97-AF65-F5344CB8AC3E}">
-        <p14:creationId xmlns:p14="http://schemas.microsoft.com/office/powerpoint/2010/main" val="1182007087"/>
-      </p:ext>
-    </p:extLst>
   </p:cSld>
   <p:clrMapOvr>
     <a:masterClrMapping/>
@@ -7919,6 +8498,7 @@
               <a:rPr lang="en-US" smtClean="0"/>
               <a:t>Click to edit Master text styles</a:t>
             </a:r>
+            <a:endParaRPr lang="en-US" smtClean="0"/>
           </a:p>
         </p:txBody>
       </p:sp>
@@ -7963,6 +8543,7 @@
               <a:rPr lang="en-US" smtClean="0"/>
               <a:t>Click to edit Master text styles</a:t>
             </a:r>
+            <a:endParaRPr lang="en-US" smtClean="0"/>
           </a:p>
         </p:txBody>
       </p:sp>
@@ -7983,7 +8564,6 @@
           <a:p>
             <a:fld id="{BCA20078-376C-4EC9-9B35-3283D4F330F1}" type="datetimeFigureOut">
               <a:rPr lang="en-US" smtClean="0"/>
-              <a:t>1/25/2023</a:t>
             </a:fld>
             <a:endParaRPr lang="en-US"/>
           </a:p>
@@ -8112,18 +8692,12 @@
           <a:p>
             <a:fld id="{CAF889C2-980D-49CA-AB7C-1E654BA5E52F}" type="slidenum">
               <a:rPr lang="en-US" smtClean="0"/>
-              <a:t>‹#›</a:t>
             </a:fld>
             <a:endParaRPr lang="en-US"/>
           </a:p>
         </p:txBody>
       </p:sp>
     </p:spTree>
-    <p:extLst>
-      <p:ext uri="{BB962C8B-B14F-4D97-AF65-F5344CB8AC3E}">
-        <p14:creationId xmlns:p14="http://schemas.microsoft.com/office/powerpoint/2010/main" val="3370749694"/>
-      </p:ext>
-    </p:extLst>
   </p:cSld>
   <p:clrMapOvr>
     <a:masterClrMapping/>
@@ -8191,6 +8765,7 @@
               <a:rPr lang="en-US" smtClean="0"/>
               <a:t>Click to edit Master text styles</a:t>
             </a:r>
+            <a:endParaRPr lang="en-US" smtClean="0"/>
           </a:p>
           <a:p>
             <a:pPr lvl="1"/>
@@ -8198,6 +8773,7 @@
               <a:rPr lang="en-US" smtClean="0"/>
               <a:t>Second level</a:t>
             </a:r>
+            <a:endParaRPr lang="en-US" smtClean="0"/>
           </a:p>
           <a:p>
             <a:pPr lvl="2"/>
@@ -8205,6 +8781,7 @@
               <a:rPr lang="en-US" smtClean="0"/>
               <a:t>Third level</a:t>
             </a:r>
+            <a:endParaRPr lang="en-US" smtClean="0"/>
           </a:p>
           <a:p>
             <a:pPr lvl="3"/>
@@ -8212,6 +8789,7 @@
               <a:rPr lang="en-US" smtClean="0"/>
               <a:t>Fourth level</a:t>
             </a:r>
+            <a:endParaRPr lang="en-US" smtClean="0"/>
           </a:p>
           <a:p>
             <a:pPr lvl="4"/>
@@ -8240,7 +8818,6 @@
           <a:p>
             <a:fld id="{BCA20078-376C-4EC9-9B35-3283D4F330F1}" type="datetimeFigureOut">
               <a:rPr lang="en-US" smtClean="0"/>
-              <a:t>1/25/2023</a:t>
             </a:fld>
             <a:endParaRPr lang="en-US"/>
           </a:p>
@@ -8364,18 +8941,12 @@
           <a:p>
             <a:fld id="{CAF889C2-980D-49CA-AB7C-1E654BA5E52F}" type="slidenum">
               <a:rPr lang="en-US" smtClean="0"/>
-              <a:t>‹#›</a:t>
             </a:fld>
             <a:endParaRPr lang="en-US"/>
           </a:p>
         </p:txBody>
       </p:sp>
     </p:spTree>
-    <p:extLst>
-      <p:ext uri="{BB962C8B-B14F-4D97-AF65-F5344CB8AC3E}">
-        <p14:creationId xmlns:p14="http://schemas.microsoft.com/office/powerpoint/2010/main" val="1517875552"/>
-      </p:ext>
-    </p:extLst>
   </p:cSld>
   <p:clrMapOvr>
     <a:masterClrMapping/>
@@ -8453,6 +9024,7 @@
               <a:rPr lang="en-US" smtClean="0"/>
               <a:t>Click to edit Master text styles</a:t>
             </a:r>
+            <a:endParaRPr lang="en-US" smtClean="0"/>
           </a:p>
           <a:p>
             <a:pPr lvl="1"/>
@@ -8460,6 +9032,7 @@
               <a:rPr lang="en-US" smtClean="0"/>
               <a:t>Second level</a:t>
             </a:r>
+            <a:endParaRPr lang="en-US" smtClean="0"/>
           </a:p>
           <a:p>
             <a:pPr lvl="2"/>
@@ -8467,6 +9040,7 @@
               <a:rPr lang="en-US" smtClean="0"/>
               <a:t>Third level</a:t>
             </a:r>
+            <a:endParaRPr lang="en-US" smtClean="0"/>
           </a:p>
           <a:p>
             <a:pPr lvl="3"/>
@@ -8474,6 +9048,7 @@
               <a:rPr lang="en-US" smtClean="0"/>
               <a:t>Fourth level</a:t>
             </a:r>
+            <a:endParaRPr lang="en-US" smtClean="0"/>
           </a:p>
           <a:p>
             <a:pPr lvl="4"/>
@@ -8502,7 +9077,6 @@
           <a:p>
             <a:fld id="{BCA20078-376C-4EC9-9B35-3283D4F330F1}" type="datetimeFigureOut">
               <a:rPr lang="en-US" smtClean="0"/>
-              <a:t>1/25/2023</a:t>
             </a:fld>
             <a:endParaRPr lang="en-US"/>
           </a:p>
@@ -8626,18 +9200,12 @@
           <a:p>
             <a:fld id="{CAF889C2-980D-49CA-AB7C-1E654BA5E52F}" type="slidenum">
               <a:rPr lang="en-US" smtClean="0"/>
-              <a:t>‹#›</a:t>
             </a:fld>
             <a:endParaRPr lang="en-US"/>
           </a:p>
         </p:txBody>
       </p:sp>
     </p:spTree>
-    <p:extLst>
-      <p:ext uri="{BB962C8B-B14F-4D97-AF65-F5344CB8AC3E}">
-        <p14:creationId xmlns:p14="http://schemas.microsoft.com/office/powerpoint/2010/main" val="2876182192"/>
-      </p:ext>
-    </p:extLst>
   </p:cSld>
   <p:clrMapOvr>
     <a:masterClrMapping/>
@@ -8715,6 +9283,7 @@
               <a:rPr lang="en-US" smtClean="0"/>
               <a:t>Click to edit Master text styles</a:t>
             </a:r>
+            <a:endParaRPr lang="en-US" smtClean="0"/>
           </a:p>
           <a:p>
             <a:pPr lvl="1"/>
@@ -8722,6 +9291,7 @@
               <a:rPr lang="en-US" smtClean="0"/>
               <a:t>Second level</a:t>
             </a:r>
+            <a:endParaRPr lang="en-US" smtClean="0"/>
           </a:p>
           <a:p>
             <a:pPr lvl="2"/>
@@ -8729,6 +9299,7 @@
               <a:rPr lang="en-US" smtClean="0"/>
               <a:t>Third level</a:t>
             </a:r>
+            <a:endParaRPr lang="en-US" smtClean="0"/>
           </a:p>
           <a:p>
             <a:pPr lvl="3"/>
@@ -8736,6 +9307,7 @@
               <a:rPr lang="en-US" smtClean="0"/>
               <a:t>Fourth level</a:t>
             </a:r>
+            <a:endParaRPr lang="en-US" smtClean="0"/>
           </a:p>
           <a:p>
             <a:pPr lvl="4"/>
@@ -8764,7 +9336,6 @@
           <a:p>
             <a:fld id="{BCA20078-376C-4EC9-9B35-3283D4F330F1}" type="datetimeFigureOut">
               <a:rPr lang="en-US" smtClean="0"/>
-              <a:t>1/25/2023</a:t>
             </a:fld>
             <a:endParaRPr lang="en-US"/>
           </a:p>
@@ -8888,18 +9459,12 @@
           <a:p>
             <a:fld id="{CAF889C2-980D-49CA-AB7C-1E654BA5E52F}" type="slidenum">
               <a:rPr lang="en-US" smtClean="0"/>
-              <a:t>‹#›</a:t>
             </a:fld>
             <a:endParaRPr lang="en-US"/>
           </a:p>
         </p:txBody>
       </p:sp>
     </p:spTree>
-    <p:extLst>
-      <p:ext uri="{BB962C8B-B14F-4D97-AF65-F5344CB8AC3E}">
-        <p14:creationId xmlns:p14="http://schemas.microsoft.com/office/powerpoint/2010/main" val="1884651514"/>
-      </p:ext>
-    </p:extLst>
   </p:cSld>
   <p:clrMapOvr>
     <a:masterClrMapping/>
@@ -9073,6 +9638,7 @@
               <a:rPr lang="en-US" smtClean="0"/>
               <a:t>Click to edit Master text styles</a:t>
             </a:r>
+            <a:endParaRPr lang="en-US" smtClean="0"/>
           </a:p>
         </p:txBody>
       </p:sp>
@@ -9093,7 +9659,6 @@
           <a:p>
             <a:fld id="{BCA20078-376C-4EC9-9B35-3283D4F330F1}" type="datetimeFigureOut">
               <a:rPr lang="en-US" smtClean="0"/>
-              <a:t>1/25/2023</a:t>
             </a:fld>
             <a:endParaRPr lang="en-US"/>
           </a:p>
@@ -9222,18 +9787,12 @@
           <a:p>
             <a:fld id="{CAF889C2-980D-49CA-AB7C-1E654BA5E52F}" type="slidenum">
               <a:rPr lang="en-US" smtClean="0"/>
-              <a:t>‹#›</a:t>
             </a:fld>
             <a:endParaRPr lang="en-US"/>
           </a:p>
         </p:txBody>
       </p:sp>
     </p:spTree>
-    <p:extLst>
-      <p:ext uri="{BB962C8B-B14F-4D97-AF65-F5344CB8AC3E}">
-        <p14:creationId xmlns:p14="http://schemas.microsoft.com/office/powerpoint/2010/main" val="85441028"/>
-      </p:ext>
-    </p:extLst>
   </p:cSld>
   <p:clrMapOvr>
     <a:masterClrMapping/>
@@ -9308,6 +9867,7 @@
               <a:rPr lang="en-US" smtClean="0"/>
               <a:t>Click to edit Master text styles</a:t>
             </a:r>
+            <a:endParaRPr lang="en-US" smtClean="0"/>
           </a:p>
           <a:p>
             <a:pPr lvl="1"/>
@@ -9315,6 +9875,7 @@
               <a:rPr lang="en-US" smtClean="0"/>
               <a:t>Second level</a:t>
             </a:r>
+            <a:endParaRPr lang="en-US" smtClean="0"/>
           </a:p>
           <a:p>
             <a:pPr lvl="2"/>
@@ -9322,6 +9883,7 @@
               <a:rPr lang="en-US" smtClean="0"/>
               <a:t>Third level</a:t>
             </a:r>
+            <a:endParaRPr lang="en-US" smtClean="0"/>
           </a:p>
           <a:p>
             <a:pPr lvl="3"/>
@@ -9329,6 +9891,7 @@
               <a:rPr lang="en-US" smtClean="0"/>
               <a:t>Fourth level</a:t>
             </a:r>
+            <a:endParaRPr lang="en-US" smtClean="0"/>
           </a:p>
           <a:p>
             <a:pPr lvl="4"/>
@@ -9367,6 +9930,7 @@
               <a:rPr lang="en-US" smtClean="0"/>
               <a:t>Click to edit Master text styles</a:t>
             </a:r>
+            <a:endParaRPr lang="en-US" smtClean="0"/>
           </a:p>
           <a:p>
             <a:pPr lvl="1"/>
@@ -9374,6 +9938,7 @@
               <a:rPr lang="en-US" smtClean="0"/>
               <a:t>Second level</a:t>
             </a:r>
+            <a:endParaRPr lang="en-US" smtClean="0"/>
           </a:p>
           <a:p>
             <a:pPr lvl="2"/>
@@ -9381,6 +9946,7 @@
               <a:rPr lang="en-US" smtClean="0"/>
               <a:t>Third level</a:t>
             </a:r>
+            <a:endParaRPr lang="en-US" smtClean="0"/>
           </a:p>
           <a:p>
             <a:pPr lvl="3"/>
@@ -9388,6 +9954,7 @@
               <a:rPr lang="en-US" smtClean="0"/>
               <a:t>Fourth level</a:t>
             </a:r>
+            <a:endParaRPr lang="en-US" smtClean="0"/>
           </a:p>
           <a:p>
             <a:pPr lvl="4"/>
@@ -9416,7 +9983,6 @@
           <a:p>
             <a:fld id="{BCA20078-376C-4EC9-9B35-3283D4F330F1}" type="datetimeFigureOut">
               <a:rPr lang="en-US" smtClean="0"/>
-              <a:t>1/25/2023</a:t>
             </a:fld>
             <a:endParaRPr lang="en-US"/>
           </a:p>
@@ -9545,18 +10111,12 @@
           <a:p>
             <a:fld id="{CAF889C2-980D-49CA-AB7C-1E654BA5E52F}" type="slidenum">
               <a:rPr lang="en-US" smtClean="0"/>
-              <a:t>‹#›</a:t>
             </a:fld>
             <a:endParaRPr lang="en-US"/>
           </a:p>
         </p:txBody>
       </p:sp>
     </p:spTree>
-    <p:extLst>
-      <p:ext uri="{BB962C8B-B14F-4D97-AF65-F5344CB8AC3E}">
-        <p14:creationId xmlns:p14="http://schemas.microsoft.com/office/powerpoint/2010/main" val="1400285546"/>
-      </p:ext>
-    </p:extLst>
   </p:cSld>
   <p:clrMapOvr>
     <a:masterClrMapping/>
@@ -9668,6 +10228,7 @@
               <a:rPr lang="en-US" smtClean="0"/>
               <a:t>Click to edit Master text styles</a:t>
             </a:r>
+            <a:endParaRPr lang="en-US" smtClean="0"/>
           </a:p>
         </p:txBody>
       </p:sp>
@@ -9698,6 +10259,7 @@
               <a:rPr lang="en-US" smtClean="0"/>
               <a:t>Click to edit Master text styles</a:t>
             </a:r>
+            <a:endParaRPr lang="en-US" smtClean="0"/>
           </a:p>
           <a:p>
             <a:pPr lvl="1"/>
@@ -9705,6 +10267,7 @@
               <a:rPr lang="en-US" smtClean="0"/>
               <a:t>Second level</a:t>
             </a:r>
+            <a:endParaRPr lang="en-US" smtClean="0"/>
           </a:p>
           <a:p>
             <a:pPr lvl="2"/>
@@ -9712,6 +10275,7 @@
               <a:rPr lang="en-US" smtClean="0"/>
               <a:t>Third level</a:t>
             </a:r>
+            <a:endParaRPr lang="en-US" smtClean="0"/>
           </a:p>
           <a:p>
             <a:pPr lvl="3"/>
@@ -9719,6 +10283,7 @@
               <a:rPr lang="en-US" smtClean="0"/>
               <a:t>Fourth level</a:t>
             </a:r>
+            <a:endParaRPr lang="en-US" smtClean="0"/>
           </a:p>
           <a:p>
             <a:pPr lvl="4"/>
@@ -9794,6 +10359,7 @@
               <a:rPr lang="en-US" smtClean="0"/>
               <a:t>Click to edit Master text styles</a:t>
             </a:r>
+            <a:endParaRPr lang="en-US" smtClean="0"/>
           </a:p>
         </p:txBody>
       </p:sp>
@@ -9824,6 +10390,7 @@
               <a:rPr lang="en-US" smtClean="0"/>
               <a:t>Click to edit Master text styles</a:t>
             </a:r>
+            <a:endParaRPr lang="en-US" smtClean="0"/>
           </a:p>
           <a:p>
             <a:pPr lvl="1"/>
@@ -9831,6 +10398,7 @@
               <a:rPr lang="en-US" smtClean="0"/>
               <a:t>Second level</a:t>
             </a:r>
+            <a:endParaRPr lang="en-US" smtClean="0"/>
           </a:p>
           <a:p>
             <a:pPr lvl="2"/>
@@ -9838,6 +10406,7 @@
               <a:rPr lang="en-US" smtClean="0"/>
               <a:t>Third level</a:t>
             </a:r>
+            <a:endParaRPr lang="en-US" smtClean="0"/>
           </a:p>
           <a:p>
             <a:pPr lvl="3"/>
@@ -9845,6 +10414,7 @@
               <a:rPr lang="en-US" smtClean="0"/>
               <a:t>Fourth level</a:t>
             </a:r>
+            <a:endParaRPr lang="en-US" smtClean="0"/>
           </a:p>
           <a:p>
             <a:pPr lvl="4"/>
@@ -9873,7 +10443,6 @@
           <a:p>
             <a:fld id="{BCA20078-376C-4EC9-9B35-3283D4F330F1}" type="datetimeFigureOut">
               <a:rPr lang="en-US" smtClean="0"/>
-              <a:t>1/25/2023</a:t>
             </a:fld>
             <a:endParaRPr lang="en-US"/>
           </a:p>
@@ -10002,18 +10571,12 @@
           <a:p>
             <a:fld id="{CAF889C2-980D-49CA-AB7C-1E654BA5E52F}" type="slidenum">
               <a:rPr lang="en-US" smtClean="0"/>
-              <a:t>‹#›</a:t>
             </a:fld>
             <a:endParaRPr lang="en-US"/>
           </a:p>
         </p:txBody>
       </p:sp>
     </p:spTree>
-    <p:extLst>
-      <p:ext uri="{BB962C8B-B14F-4D97-AF65-F5344CB8AC3E}">
-        <p14:creationId xmlns:p14="http://schemas.microsoft.com/office/powerpoint/2010/main" val="2203507968"/>
-      </p:ext>
-    </p:extLst>
   </p:cSld>
   <p:clrMapOvr>
     <a:masterClrMapping/>
@@ -10078,7 +10641,6 @@
           <a:p>
             <a:fld id="{BCA20078-376C-4EC9-9B35-3283D4F330F1}" type="datetimeFigureOut">
               <a:rPr lang="en-US" smtClean="0"/>
-              <a:t>1/25/2023</a:t>
             </a:fld>
             <a:endParaRPr lang="en-US"/>
           </a:p>
@@ -10202,18 +10764,12 @@
           <a:p>
             <a:fld id="{CAF889C2-980D-49CA-AB7C-1E654BA5E52F}" type="slidenum">
               <a:rPr lang="en-US" smtClean="0"/>
-              <a:t>‹#›</a:t>
             </a:fld>
             <a:endParaRPr lang="en-US"/>
           </a:p>
         </p:txBody>
       </p:sp>
     </p:spTree>
-    <p:extLst>
-      <p:ext uri="{BB962C8B-B14F-4D97-AF65-F5344CB8AC3E}">
-        <p14:creationId xmlns:p14="http://schemas.microsoft.com/office/powerpoint/2010/main" val="3211213231"/>
-      </p:ext>
-    </p:extLst>
   </p:cSld>
   <p:clrMapOvr>
     <a:masterClrMapping/>
@@ -10255,7 +10811,6 @@
           <a:p>
             <a:fld id="{BCA20078-376C-4EC9-9B35-3283D4F330F1}" type="datetimeFigureOut">
               <a:rPr lang="en-US" smtClean="0"/>
-              <a:t>1/25/2023</a:t>
             </a:fld>
             <a:endParaRPr lang="en-US"/>
           </a:p>
@@ -10379,18 +10934,12 @@
           <a:p>
             <a:fld id="{CAF889C2-980D-49CA-AB7C-1E654BA5E52F}" type="slidenum">
               <a:rPr lang="en-US" smtClean="0"/>
-              <a:t>‹#›</a:t>
             </a:fld>
             <a:endParaRPr lang="en-US"/>
           </a:p>
         </p:txBody>
       </p:sp>
     </p:spTree>
-    <p:extLst>
-      <p:ext uri="{BB962C8B-B14F-4D97-AF65-F5344CB8AC3E}">
-        <p14:creationId xmlns:p14="http://schemas.microsoft.com/office/powerpoint/2010/main" val="3409106337"/>
-      </p:ext>
-    </p:extLst>
   </p:cSld>
   <p:clrMapOvr>
     <a:masterClrMapping/>
@@ -10474,6 +11023,7 @@
               <a:rPr lang="en-US" smtClean="0"/>
               <a:t>Click to edit Master text styles</a:t>
             </a:r>
+            <a:endParaRPr lang="en-US" smtClean="0"/>
           </a:p>
           <a:p>
             <a:pPr lvl="1"/>
@@ -10481,6 +11031,7 @@
               <a:rPr lang="en-US" smtClean="0"/>
               <a:t>Second level</a:t>
             </a:r>
+            <a:endParaRPr lang="en-US" smtClean="0"/>
           </a:p>
           <a:p>
             <a:pPr lvl="2"/>
@@ -10488,6 +11039,7 @@
               <a:rPr lang="en-US" smtClean="0"/>
               <a:t>Third level</a:t>
             </a:r>
+            <a:endParaRPr lang="en-US" smtClean="0"/>
           </a:p>
           <a:p>
             <a:pPr lvl="3"/>
@@ -10495,6 +11047,7 @@
               <a:rPr lang="en-US" smtClean="0"/>
               <a:t>Fourth level</a:t>
             </a:r>
+            <a:endParaRPr lang="en-US" smtClean="0"/>
           </a:p>
           <a:p>
             <a:pPr lvl="4"/>
@@ -10568,6 +11121,7 @@
               <a:rPr lang="en-US" smtClean="0"/>
               <a:t>Click to edit Master text styles</a:t>
             </a:r>
+            <a:endParaRPr lang="en-US" smtClean="0"/>
           </a:p>
         </p:txBody>
       </p:sp>
@@ -10588,7 +11142,6 @@
           <a:p>
             <a:fld id="{BCA20078-376C-4EC9-9B35-3283D4F330F1}" type="datetimeFigureOut">
               <a:rPr lang="en-US" smtClean="0"/>
-              <a:t>1/25/2023</a:t>
             </a:fld>
             <a:endParaRPr lang="en-US"/>
           </a:p>
@@ -10712,18 +11265,12 @@
           <a:p>
             <a:fld id="{CAF889C2-980D-49CA-AB7C-1E654BA5E52F}" type="slidenum">
               <a:rPr lang="en-US" smtClean="0"/>
-              <a:t>‹#›</a:t>
             </a:fld>
             <a:endParaRPr lang="en-US"/>
           </a:p>
         </p:txBody>
       </p:sp>
     </p:spTree>
-    <p:extLst>
-      <p:ext uri="{BB962C8B-B14F-4D97-AF65-F5344CB8AC3E}">
-        <p14:creationId xmlns:p14="http://schemas.microsoft.com/office/powerpoint/2010/main" val="206131957"/>
-      </p:ext>
-    </p:extLst>
   </p:cSld>
   <p:clrMapOvr>
     <a:masterClrMapping/>
@@ -10913,6 +11460,7 @@
               <a:rPr lang="en-US" smtClean="0"/>
               <a:t>Click to edit Master text styles</a:t>
             </a:r>
+            <a:endParaRPr lang="en-US" smtClean="0"/>
           </a:p>
         </p:txBody>
       </p:sp>
@@ -10933,7 +11481,6 @@
           <a:p>
             <a:fld id="{BCA20078-376C-4EC9-9B35-3283D4F330F1}" type="datetimeFigureOut">
               <a:rPr lang="en-US" smtClean="0"/>
-              <a:t>1/25/2023</a:t>
             </a:fld>
             <a:endParaRPr lang="en-US"/>
           </a:p>
@@ -11062,18 +11609,12 @@
           <a:p>
             <a:fld id="{CAF889C2-980D-49CA-AB7C-1E654BA5E52F}" type="slidenum">
               <a:rPr lang="en-US" smtClean="0"/>
-              <a:t>‹#›</a:t>
             </a:fld>
             <a:endParaRPr lang="en-US"/>
           </a:p>
         </p:txBody>
       </p:sp>
     </p:spTree>
-    <p:extLst>
-      <p:ext uri="{BB962C8B-B14F-4D97-AF65-F5344CB8AC3E}">
-        <p14:creationId xmlns:p14="http://schemas.microsoft.com/office/powerpoint/2010/main" val="2987669906"/>
-      </p:ext>
-    </p:extLst>
   </p:cSld>
   <p:clrMapOvr>
     <a:masterClrMapping/>
@@ -12983,6 +13524,7 @@
               <a:rPr lang="en-US" smtClean="0"/>
               <a:t>Click to edit Master text styles</a:t>
             </a:r>
+            <a:endParaRPr lang="en-US" smtClean="0"/>
           </a:p>
           <a:p>
             <a:pPr lvl="1"/>
@@ -12990,6 +13532,7 @@
               <a:rPr lang="en-US" smtClean="0"/>
               <a:t>Second level</a:t>
             </a:r>
+            <a:endParaRPr lang="en-US" smtClean="0"/>
           </a:p>
           <a:p>
             <a:pPr lvl="2"/>
@@ -12997,6 +13540,7 @@
               <a:rPr lang="en-US" smtClean="0"/>
               <a:t>Third level</a:t>
             </a:r>
+            <a:endParaRPr lang="en-US" smtClean="0"/>
           </a:p>
           <a:p>
             <a:pPr lvl="3"/>
@@ -13004,6 +13548,7 @@
               <a:rPr lang="en-US" smtClean="0"/>
               <a:t>Fourth level</a:t>
             </a:r>
+            <a:endParaRPr lang="en-US" smtClean="0"/>
           </a:p>
           <a:p>
             <a:pPr lvl="4"/>
@@ -13050,7 +13595,6 @@
           <a:p>
             <a:fld id="{BCA20078-376C-4EC9-9B35-3283D4F330F1}" type="datetimeFigureOut">
               <a:rPr lang="en-US" smtClean="0"/>
-              <a:t>1/25/2023</a:t>
             </a:fld>
             <a:endParaRPr lang="en-US"/>
           </a:p>
@@ -13126,37 +13670,31 @@
           <a:p>
             <a:fld id="{CAF889C2-980D-49CA-AB7C-1E654BA5E52F}" type="slidenum">
               <a:rPr lang="en-US" smtClean="0"/>
-              <a:t>‹#›</a:t>
             </a:fld>
             <a:endParaRPr lang="en-US"/>
           </a:p>
         </p:txBody>
       </p:sp>
     </p:spTree>
-    <p:extLst>
-      <p:ext uri="{BB962C8B-B14F-4D97-AF65-F5344CB8AC3E}">
-        <p14:creationId xmlns:p14="http://schemas.microsoft.com/office/powerpoint/2010/main" val="1151386301"/>
-      </p:ext>
-    </p:extLst>
   </p:cSld>
   <p:clrMap bg1="lt1" tx1="dk1" bg2="lt2" tx2="dk2" accent1="accent1" accent2="accent2" accent3="accent3" accent4="accent4" accent5="accent5" accent6="accent6" hlink="hlink" folHlink="folHlink"/>
   <p:sldLayoutIdLst>
-    <p:sldLayoutId id="2147483852" r:id="rId1"/>
-    <p:sldLayoutId id="2147483853" r:id="rId2"/>
-    <p:sldLayoutId id="2147483854" r:id="rId3"/>
-    <p:sldLayoutId id="2147483855" r:id="rId4"/>
-    <p:sldLayoutId id="2147483856" r:id="rId5"/>
-    <p:sldLayoutId id="2147483857" r:id="rId6"/>
-    <p:sldLayoutId id="2147483858" r:id="rId7"/>
-    <p:sldLayoutId id="2147483859" r:id="rId8"/>
-    <p:sldLayoutId id="2147483860" r:id="rId9"/>
-    <p:sldLayoutId id="2147483861" r:id="rId10"/>
-    <p:sldLayoutId id="2147483862" r:id="rId11"/>
-    <p:sldLayoutId id="2147483863" r:id="rId12"/>
-    <p:sldLayoutId id="2147483864" r:id="rId13"/>
-    <p:sldLayoutId id="2147483865" r:id="rId14"/>
-    <p:sldLayoutId id="2147483866" r:id="rId15"/>
-    <p:sldLayoutId id="2147483867" r:id="rId16"/>
+    <p:sldLayoutId id="2147483649" r:id="rId1"/>
+    <p:sldLayoutId id="2147483650" r:id="rId2"/>
+    <p:sldLayoutId id="2147483651" r:id="rId3"/>
+    <p:sldLayoutId id="2147483652" r:id="rId4"/>
+    <p:sldLayoutId id="2147483653" r:id="rId5"/>
+    <p:sldLayoutId id="2147483654" r:id="rId6"/>
+    <p:sldLayoutId id="2147483655" r:id="rId7"/>
+    <p:sldLayoutId id="2147483656" r:id="rId8"/>
+    <p:sldLayoutId id="2147483657" r:id="rId9"/>
+    <p:sldLayoutId id="2147483658" r:id="rId10"/>
+    <p:sldLayoutId id="2147483659" r:id="rId11"/>
+    <p:sldLayoutId id="2147483660" r:id="rId12"/>
+    <p:sldLayoutId id="2147483661" r:id="rId13"/>
+    <p:sldLayoutId id="2147483662" r:id="rId14"/>
+    <p:sldLayoutId id="2147483663" r:id="rId15"/>
+    <p:sldLayoutId id="2147483664" r:id="rId16"/>
   </p:sldLayoutIdLst>
   <p:txStyles>
     <p:titleStyle>
@@ -13245,7 +13783,7 @@
         <a:buClr>
           <a:schemeClr val="accent1"/>
         </a:buClr>
-        <a:buFont typeface="Wingdings 3" charset="2"/>
+        <a:buFont typeface="Wingdings 3" panose="05040102010807070707" charset="2"/>
         <a:buChar char=""/>
         <a:defRPr sz="1800" kern="1200">
           <a:solidFill>
@@ -13269,7 +13807,7 @@
         <a:buClr>
           <a:schemeClr val="accent1"/>
         </a:buClr>
-        <a:buFont typeface="Wingdings 3" charset="2"/>
+        <a:buFont typeface="Wingdings 3" panose="05040102010807070707" charset="2"/>
         <a:buChar char=""/>
         <a:defRPr sz="1600" kern="1200">
           <a:solidFill>
@@ -13293,7 +13831,7 @@
         <a:buClr>
           <a:schemeClr val="accent1"/>
         </a:buClr>
-        <a:buFont typeface="Wingdings 3" charset="2"/>
+        <a:buFont typeface="Wingdings 3" panose="05040102010807070707" charset="2"/>
         <a:buChar char=""/>
         <a:defRPr sz="1400" kern="1200">
           <a:solidFill>
@@ -13317,7 +13855,7 @@
         <a:buClr>
           <a:schemeClr val="accent1"/>
         </a:buClr>
-        <a:buFont typeface="Wingdings 3" charset="2"/>
+        <a:buFont typeface="Wingdings 3" panose="05040102010807070707" charset="2"/>
         <a:buChar char=""/>
         <a:defRPr sz="1200" kern="1200">
           <a:solidFill>
@@ -13341,7 +13879,7 @@
         <a:buClr>
           <a:schemeClr val="accent1"/>
         </a:buClr>
-        <a:buFont typeface="Wingdings 3" charset="2"/>
+        <a:buFont typeface="Wingdings 3" panose="05040102010807070707" charset="2"/>
         <a:buChar char=""/>
         <a:defRPr sz="1200" kern="1200">
           <a:solidFill>
@@ -13365,7 +13903,7 @@
         <a:buClr>
           <a:schemeClr val="accent1"/>
         </a:buClr>
-        <a:buFont typeface="Wingdings 3" charset="2"/>
+        <a:buFont typeface="Wingdings 3" panose="05040102010807070707" charset="2"/>
         <a:buChar char=""/>
         <a:defRPr sz="1200" kern="1200">
           <a:solidFill>
@@ -13389,7 +13927,7 @@
         <a:buClr>
           <a:schemeClr val="accent1"/>
         </a:buClr>
-        <a:buFont typeface="Wingdings 3" charset="2"/>
+        <a:buFont typeface="Wingdings 3" panose="05040102010807070707" charset="2"/>
         <a:buChar char=""/>
         <a:defRPr sz="1200" kern="1200">
           <a:solidFill>
@@ -13413,7 +13951,7 @@
         <a:buClr>
           <a:schemeClr val="accent1"/>
         </a:buClr>
-        <a:buFont typeface="Wingdings 3" charset="2"/>
+        <a:buFont typeface="Wingdings 3" panose="05040102010807070707" charset="2"/>
         <a:buChar char=""/>
         <a:defRPr sz="1200" kern="1200">
           <a:solidFill>
@@ -13437,7 +13975,7 @@
         <a:buClr>
           <a:schemeClr val="accent1"/>
         </a:buClr>
-        <a:buFont typeface="Wingdings 3" charset="2"/>
+        <a:buFont typeface="Wingdings 3" panose="05040102010807070707" charset="2"/>
         <a:buChar char=""/>
         <a:defRPr sz="1200" kern="1200">
           <a:solidFill>
@@ -13610,7 +14148,7 @@
           <a:p>
             <a:r>
               <a:rPr lang="en-US" dirty="0" smtClean="0">
-                <a:hlinkClick r:id="rId2"/>
+                <a:hlinkClick r:id="rId1"/>
               </a:rPr>
               <a:t>Sobia.Iftikhar@nu.edu.pk</a:t>
             </a:r>
@@ -13618,6 +14156,7 @@
               <a:rPr lang="en-US" dirty="0" smtClean="0"/>
               <a:t>                         Week 01</a:t>
             </a:r>
+            <a:endParaRPr lang="en-US" dirty="0" smtClean="0"/>
           </a:p>
           <a:p>
             <a:r>
@@ -13641,6 +14180,10 @@
               </a:rPr>
               <a:t> BSE-6B</a:t>
             </a:r>
+            <a:endParaRPr lang="en-US" sz="1600" dirty="0" smtClean="0">
+              <a:latin typeface="Times New Roman" panose="02020603050405020304" pitchFamily="18" charset="0"/>
+              <a:cs typeface="Times New Roman" panose="02020603050405020304" pitchFamily="18" charset="0"/>
+            </a:endParaRPr>
           </a:p>
           <a:p>
             <a:r>
@@ -13675,11 +14218,6 @@
         </p:txBody>
       </p:sp>
     </p:spTree>
-    <p:extLst>
-      <p:ext uri="{BB962C8B-B14F-4D97-AF65-F5344CB8AC3E}">
-        <p14:creationId xmlns:p14="http://schemas.microsoft.com/office/powerpoint/2010/main" val="598754883"/>
-      </p:ext>
-    </p:extLst>
   </p:cSld>
   <p:clrMapOvr>
     <a:masterClrMapping/>
@@ -13790,6 +14328,10 @@
               </a:rPr>
               <a:t>There may arise a situation in your business where you have to make a decision between buying new inventory and hiring new employees to tackle a rise in demand. While the rising demand will require you to purchase more inventory, hiring new employees is a long-term gain as it can boost the production capabilities of a business.</a:t>
             </a:r>
+            <a:endParaRPr lang="en-US" dirty="0">
+              <a:latin typeface="Times New Roman" panose="02020603050405020304" pitchFamily="18" charset="0"/>
+              <a:cs typeface="Times New Roman" panose="02020603050405020304" pitchFamily="18" charset="0"/>
+            </a:endParaRPr>
           </a:p>
           <a:p>
             <a:pPr algn="just"/>
@@ -13800,6 +14342,10 @@
               </a:rPr>
               <a:t>However, let us say there is a sudden influx of a new trend in the market. If you want to cash in on this trend, it is ideal to stock the required items quickly to earn as much revenue as possible until this trend lasts. On the other hand, if you decide to hire new employees to increase your productivity, you may not be able to meet your requirements due to urgency and a lack of time. Training new employees and helping them align with the business objective will take time and in the meanwhile, the trend may die down. The opportunity cost of hiring new employees in this situation is high and not a decision business owners would take.</a:t>
             </a:r>
+            <a:endParaRPr lang="en-US" dirty="0">
+              <a:latin typeface="Times New Roman" panose="02020603050405020304" pitchFamily="18" charset="0"/>
+              <a:cs typeface="Times New Roman" panose="02020603050405020304" pitchFamily="18" charset="0"/>
+            </a:endParaRPr>
           </a:p>
           <a:p>
             <a:pPr algn="just"/>
@@ -13811,11 +14357,6 @@
         </p:txBody>
       </p:sp>
     </p:spTree>
-    <p:extLst>
-      <p:ext uri="{BB962C8B-B14F-4D97-AF65-F5344CB8AC3E}">
-        <p14:creationId xmlns:p14="http://schemas.microsoft.com/office/powerpoint/2010/main" val="2662739693"/>
-      </p:ext>
-    </p:extLst>
   </p:cSld>
   <p:clrMapOvr>
     <a:masterClrMapping/>
@@ -13888,6 +14429,7 @@
               <a:rPr lang="en-US" dirty="0"/>
               <a:t>Here is a simplified example of how Business Process looks like.</a:t>
             </a:r>
+            <a:endParaRPr lang="en-US" dirty="0"/>
           </a:p>
           <a:p>
             <a:pPr fontAlgn="base"/>
@@ -13899,6 +14441,7 @@
               <a:rPr lang="en-US" dirty="0"/>
               <a:t>: Marketing</a:t>
             </a:r>
+            <a:endParaRPr lang="en-US" dirty="0"/>
           </a:p>
           <a:p>
             <a:pPr fontAlgn="base"/>
@@ -13910,6 +14453,7 @@
               <a:rPr lang="en-US" dirty="0"/>
               <a:t>: Ad agency</a:t>
             </a:r>
+            <a:endParaRPr lang="en-US" dirty="0"/>
           </a:p>
           <a:p>
             <a:pPr fontAlgn="base"/>
@@ -13921,6 +14465,7 @@
               <a:rPr lang="en-US" dirty="0"/>
               <a:t>: Ad creation</a:t>
             </a:r>
+            <a:endParaRPr lang="en-US" dirty="0"/>
           </a:p>
           <a:p>
             <a:pPr fontAlgn="base"/>
@@ -13928,6 +14473,7 @@
               <a:rPr lang="en-US" dirty="0"/>
               <a:t>Marketing agency processes can be a bit tricky as there is more qualitative output to be delivered. Here are the steps of an ad creation process:</a:t>
             </a:r>
+            <a:endParaRPr lang="en-US" dirty="0"/>
           </a:p>
           <a:p>
             <a:pPr fontAlgn="base"/>
@@ -13935,6 +14481,7 @@
               <a:rPr lang="en-US" dirty="0"/>
               <a:t>Understanding client requirements</a:t>
             </a:r>
+            <a:endParaRPr lang="en-US" dirty="0"/>
           </a:p>
           <a:p>
             <a:pPr fontAlgn="base"/>
@@ -13942,6 +14489,7 @@
               <a:rPr lang="en-US" dirty="0"/>
               <a:t>Brainstorming idea for the ad</a:t>
             </a:r>
+            <a:endParaRPr lang="en-US" dirty="0"/>
           </a:p>
           <a:p>
             <a:pPr fontAlgn="base"/>
@@ -13949,6 +14497,7 @@
               <a:rPr lang="en-US" dirty="0"/>
               <a:t>Preparing a campaign</a:t>
             </a:r>
+            <a:endParaRPr lang="en-US" dirty="0"/>
           </a:p>
           <a:p>
             <a:pPr fontAlgn="base"/>
@@ -13956,6 +14505,7 @@
               <a:rPr lang="en-US" dirty="0"/>
               <a:t>Pitching the idea to the client</a:t>
             </a:r>
+            <a:endParaRPr lang="en-US" dirty="0"/>
           </a:p>
           <a:p>
             <a:pPr fontAlgn="base"/>
@@ -13963,6 +14513,7 @@
               <a:rPr lang="en-US" dirty="0"/>
               <a:t>Getting the approval</a:t>
             </a:r>
+            <a:endParaRPr lang="en-US" dirty="0"/>
           </a:p>
           <a:p>
             <a:pPr fontAlgn="base"/>
@@ -13970,6 +14521,7 @@
               <a:rPr lang="en-US" dirty="0"/>
               <a:t>Making necessary changes</a:t>
             </a:r>
+            <a:endParaRPr lang="en-US" dirty="0"/>
           </a:p>
           <a:p>
             <a:pPr fontAlgn="base"/>
@@ -13977,6 +14529,7 @@
               <a:rPr lang="en-US" dirty="0"/>
               <a:t>Providing the deliverables</a:t>
             </a:r>
+            <a:endParaRPr lang="en-US" dirty="0"/>
           </a:p>
           <a:p>
             <a:endParaRPr lang="en-US" dirty="0"/>
@@ -13984,11 +14537,6 @@
         </p:txBody>
       </p:sp>
     </p:spTree>
-    <p:extLst>
-      <p:ext uri="{BB962C8B-B14F-4D97-AF65-F5344CB8AC3E}">
-        <p14:creationId xmlns:p14="http://schemas.microsoft.com/office/powerpoint/2010/main" val="4185294892"/>
-      </p:ext>
-    </p:extLst>
   </p:cSld>
   <p:clrMapOvr>
     <a:masterClrMapping/>
@@ -14070,6 +14618,7 @@
               <a:rPr lang="en-US" dirty="0"/>
               <a:t>: Information Technology</a:t>
             </a:r>
+            <a:endParaRPr lang="en-US" dirty="0"/>
           </a:p>
           <a:p>
             <a:pPr fontAlgn="base"/>
@@ -14081,6 +14630,7 @@
               <a:rPr lang="en-US" dirty="0"/>
               <a:t>: SaaS tool</a:t>
             </a:r>
+            <a:endParaRPr lang="en-US" dirty="0"/>
           </a:p>
           <a:p>
             <a:pPr fontAlgn="base"/>
@@ -14092,6 +14642,7 @@
               <a:rPr lang="en-US" dirty="0"/>
               <a:t>: Developing the product</a:t>
             </a:r>
+            <a:endParaRPr lang="en-US" dirty="0"/>
           </a:p>
           <a:p>
             <a:pPr fontAlgn="base"/>
@@ -14099,6 +14650,7 @@
               <a:rPr lang="en-US" dirty="0"/>
               <a:t>SaaS industry is booming and the solutions provided by these companies are value and utility-driven. Here’s how the process of developing the product looks like:</a:t>
             </a:r>
+            <a:endParaRPr lang="en-US" dirty="0"/>
           </a:p>
           <a:p>
             <a:pPr fontAlgn="base"/>
@@ -14106,6 +14658,7 @@
               <a:rPr lang="en-US" dirty="0"/>
               <a:t>Understanding market demand</a:t>
             </a:r>
+            <a:endParaRPr lang="en-US" dirty="0"/>
           </a:p>
           <a:p>
             <a:pPr fontAlgn="base"/>
@@ -14113,6 +14666,7 @@
               <a:rPr lang="en-US" dirty="0"/>
               <a:t>Finalizing a product outline</a:t>
             </a:r>
+            <a:endParaRPr lang="en-US" dirty="0"/>
           </a:p>
           <a:p>
             <a:pPr fontAlgn="base"/>
@@ -14120,6 +14674,7 @@
               <a:rPr lang="en-US" dirty="0"/>
               <a:t>Programming the backend</a:t>
             </a:r>
+            <a:endParaRPr lang="en-US" dirty="0"/>
           </a:p>
           <a:p>
             <a:pPr fontAlgn="base"/>
@@ -14127,6 +14682,7 @@
               <a:rPr lang="en-US" dirty="0"/>
               <a:t>Coordinate with the designer to program</a:t>
             </a:r>
+            <a:endParaRPr lang="en-US" dirty="0"/>
           </a:p>
           <a:p>
             <a:pPr fontAlgn="base"/>
@@ -14134,6 +14690,7 @@
               <a:rPr lang="en-US" dirty="0"/>
               <a:t>The front end and the UX</a:t>
             </a:r>
+            <a:endParaRPr lang="en-US" dirty="0"/>
           </a:p>
           <a:p>
             <a:pPr fontAlgn="base"/>
@@ -14141,6 +14698,7 @@
               <a:rPr lang="en-US" dirty="0"/>
               <a:t>Preparing an Onboarding experience</a:t>
             </a:r>
+            <a:endParaRPr lang="en-US" dirty="0"/>
           </a:p>
           <a:p>
             <a:pPr fontAlgn="base"/>
@@ -14148,6 +14706,7 @@
               <a:rPr lang="en-US" dirty="0"/>
               <a:t>Testing the product internally</a:t>
             </a:r>
+            <a:endParaRPr lang="en-US" dirty="0"/>
           </a:p>
           <a:p>
             <a:pPr fontAlgn="base"/>
@@ -14155,6 +14714,7 @@
               <a:rPr lang="en-US" dirty="0"/>
               <a:t>Solving bugs and errors</a:t>
             </a:r>
+            <a:endParaRPr lang="en-US" dirty="0"/>
           </a:p>
           <a:p>
             <a:pPr fontAlgn="base"/>
@@ -14162,6 +14722,7 @@
               <a:rPr lang="en-US" dirty="0"/>
               <a:t>Running a beta test</a:t>
             </a:r>
+            <a:endParaRPr lang="en-US" dirty="0"/>
           </a:p>
           <a:p>
             <a:pPr fontAlgn="base"/>
@@ -14169,6 +14730,7 @@
               <a:rPr lang="en-US" dirty="0"/>
               <a:t>Taking feedbacks from the users</a:t>
             </a:r>
+            <a:endParaRPr lang="en-US" dirty="0"/>
           </a:p>
           <a:p>
             <a:pPr fontAlgn="base"/>
@@ -14176,15 +14738,11 @@
               <a:rPr lang="en-US" dirty="0"/>
               <a:t>Improve further</a:t>
             </a:r>
+            <a:endParaRPr lang="en-US" dirty="0"/>
           </a:p>
         </p:txBody>
       </p:sp>
     </p:spTree>
-    <p:extLst>
-      <p:ext uri="{BB962C8B-B14F-4D97-AF65-F5344CB8AC3E}">
-        <p14:creationId xmlns:p14="http://schemas.microsoft.com/office/powerpoint/2010/main" val="2050358412"/>
-      </p:ext>
-    </p:extLst>
   </p:cSld>
   <p:clrMapOvr>
     <a:masterClrMapping/>
@@ -14254,6 +14812,10 @@
               </a:rPr>
               <a:t>Management processes</a:t>
             </a:r>
+            <a:endParaRPr lang="en-US" b="1" dirty="0">
+              <a:latin typeface="Times New Roman" panose="02020603050405020304" pitchFamily="18" charset="0"/>
+              <a:cs typeface="Times New Roman" panose="02020603050405020304" pitchFamily="18" charset="0"/>
+            </a:endParaRPr>
           </a:p>
           <a:p>
             <a:r>
@@ -14263,6 +14825,10 @@
               </a:rPr>
               <a:t>Operational Processes</a:t>
             </a:r>
+            <a:endParaRPr lang="en-US" b="1" dirty="0">
+              <a:latin typeface="Times New Roman" panose="02020603050405020304" pitchFamily="18" charset="0"/>
+              <a:cs typeface="Times New Roman" panose="02020603050405020304" pitchFamily="18" charset="0"/>
+            </a:endParaRPr>
           </a:p>
           <a:p>
             <a:r>
@@ -14288,7 +14854,7 @@
           <p:nvPr/>
         </p:nvPicPr>
         <p:blipFill>
-          <a:blip r:embed="rId2">
+          <a:blip r:embed="rId1">
             <a:extLst>
               <a:ext uri="{28A0092B-C50C-407E-A947-70E740481C1C}">
                 <a14:useLocalDpi xmlns:a14="http://schemas.microsoft.com/office/drawing/2010/main" val="0"/>
@@ -14321,11 +14887,6 @@
         </p:spPr>
       </p:pic>
     </p:spTree>
-    <p:extLst>
-      <p:ext uri="{BB962C8B-B14F-4D97-AF65-F5344CB8AC3E}">
-        <p14:creationId xmlns:p14="http://schemas.microsoft.com/office/powerpoint/2010/main" val="2024900789"/>
-      </p:ext>
-    </p:extLst>
   </p:cSld>
   <p:clrMapOvr>
     <a:masterClrMapping/>
@@ -14546,6 +15107,7 @@
               <a:rPr lang="en-US" dirty="0"/>
               <a:t>Management processes</a:t>
             </a:r>
+            <a:endParaRPr lang="en-US" dirty="0"/>
           </a:p>
         </p:txBody>
       </p:sp>
@@ -14629,6 +15191,7 @@
               <a:rPr lang="en-US" dirty="0"/>
               <a:t>".</a:t>
             </a:r>
+            <a:endParaRPr lang="en-US" dirty="0"/>
           </a:p>
           <a:p>
             <a:endParaRPr lang="en-US" dirty="0"/>
@@ -14674,6 +15237,7 @@
               <a:rPr lang="en-US" sz="1600" dirty="0"/>
               <a:t>The framework of rules and practices by which a board of directors ensures accountability, fairness, and transparency in a company's relationship with all its stakeholders (financiers, customers, management, employees, government, and the community).</a:t>
             </a:r>
+            <a:endParaRPr lang="en-US" sz="1600" dirty="0"/>
           </a:p>
         </p:txBody>
       </p:sp>
@@ -14724,15 +15288,11 @@
               <a:rPr lang="en-US" dirty="0"/>
               <a:t> is the means by which an organization sets out to achieve its desired objectives. It can simply be described as long-term business planning. </a:t>
             </a:r>
+            <a:endParaRPr lang="en-US" dirty="0"/>
           </a:p>
         </p:txBody>
       </p:sp>
     </p:spTree>
-    <p:extLst>
-      <p:ext uri="{BB962C8B-B14F-4D97-AF65-F5344CB8AC3E}">
-        <p14:creationId xmlns:p14="http://schemas.microsoft.com/office/powerpoint/2010/main" val="2137537059"/>
-      </p:ext>
-    </p:extLst>
   </p:cSld>
   <p:clrMapOvr>
     <a:masterClrMapping/>
@@ -15060,6 +15620,7 @@
               <a:rPr lang="en-US" dirty="0"/>
               <a:t>processes are directly related to the fundamental values, vision, and mission of the business. They are also known as primary processes. You need to give extra attention to these processes as they are the primary revenue streams of the company. Filling the gaps and adding necessary improvements in these processes is essential. Once you complete the evaluation of these processes, it will have a direct impact on the growth of your business.</a:t>
             </a:r>
+            <a:endParaRPr lang="en-US" dirty="0"/>
           </a:p>
           <a:p>
             <a:pPr fontAlgn="base"/>
@@ -15067,15 +15628,11 @@
               <a:rPr lang="en-US" dirty="0"/>
               <a:t>E.g., McDonald’s restaurant’s operating process would be taking orders, making food, and serving it to the customers.</a:t>
             </a:r>
+            <a:endParaRPr lang="en-US" dirty="0"/>
           </a:p>
         </p:txBody>
       </p:sp>
     </p:spTree>
-    <p:extLst>
-      <p:ext uri="{BB962C8B-B14F-4D97-AF65-F5344CB8AC3E}">
-        <p14:creationId xmlns:p14="http://schemas.microsoft.com/office/powerpoint/2010/main" val="2988062275"/>
-      </p:ext>
-    </p:extLst>
   </p:cSld>
   <p:clrMapOvr>
     <a:masterClrMapping/>
@@ -15119,10 +15676,6 @@
               <a:rPr lang="en-US" b="1" dirty="0"/>
               <a:t>Supporting Process</a:t>
             </a:r>
-            <a:r>
-              <a:rPr lang="en-US" dirty="0"/>
-              <a:t/>
-            </a:r>
             <a:br>
               <a:rPr lang="en-US" dirty="0"/>
             </a:br>
@@ -15152,6 +15705,7 @@
               <a:rPr lang="en-US" dirty="0"/>
               <a:t>These are the processes that are not directly related to the delivery of the service or product to the customer. But they help the business create an environment where the primary processes can work better. That is where the name “supporting process” comes from. These are the processes under the accounting department, human resource management department, and any other department that supports the main functions of the business.</a:t>
             </a:r>
+            <a:endParaRPr lang="en-US" dirty="0"/>
           </a:p>
           <a:p>
             <a:pPr fontAlgn="base"/>
@@ -15159,6 +15713,7 @@
               <a:rPr lang="en-US" dirty="0"/>
               <a:t>E.g., Hiring a new employee is a supporting function that helps the business expand.</a:t>
             </a:r>
+            <a:endParaRPr lang="en-US" dirty="0"/>
           </a:p>
           <a:p>
             <a:pPr fontAlgn="base"/>
@@ -15166,6 +15721,7 @@
               <a:rPr lang="en-US" dirty="0"/>
               <a:t>Let’s take a look at this example of a call center to understand all the types of these processes.</a:t>
             </a:r>
+            <a:endParaRPr lang="en-US" dirty="0"/>
           </a:p>
           <a:p>
             <a:pPr fontAlgn="base"/>
@@ -15173,6 +15729,7 @@
               <a:rPr lang="en-US" dirty="0"/>
               <a:t>Solving queries of clients on the call is the operating function. Managing the whole staff falls under managing processes. While the IT department assisting the employees at the time of any technical or hardware problems will be a supporting process.</a:t>
             </a:r>
+            <a:endParaRPr lang="en-US" dirty="0"/>
           </a:p>
           <a:p>
             <a:endParaRPr lang="en-US" dirty="0"/>
@@ -15180,11 +15737,6 @@
         </p:txBody>
       </p:sp>
     </p:spTree>
-    <p:extLst>
-      <p:ext uri="{BB962C8B-B14F-4D97-AF65-F5344CB8AC3E}">
-        <p14:creationId xmlns:p14="http://schemas.microsoft.com/office/powerpoint/2010/main" val="2884751218"/>
-      </p:ext>
-    </p:extLst>
   </p:cSld>
   <p:clrMapOvr>
     <a:masterClrMapping/>
@@ -15228,6 +15780,7 @@
               <a:rPr lang="en-US" dirty="0"/>
               <a:t>Business process Engineering</a:t>
             </a:r>
+            <a:endParaRPr lang="en-US" dirty="0"/>
           </a:p>
         </p:txBody>
       </p:sp>
@@ -15266,6 +15819,7 @@
               <a:rPr lang="en-US" dirty="0"/>
               <a:t>Business process engineering refers to the study of business processes so that they can be improved and streamlined for optimum efficiency in terms of both performance and cost.</a:t>
             </a:r>
+            <a:endParaRPr lang="en-US" dirty="0"/>
           </a:p>
           <a:p>
             <a:endParaRPr lang="en-US" dirty="0"/>
@@ -15273,11 +15827,6 @@
         </p:txBody>
       </p:sp>
     </p:spTree>
-    <p:extLst>
-      <p:ext uri="{BB962C8B-B14F-4D97-AF65-F5344CB8AC3E}">
-        <p14:creationId xmlns:p14="http://schemas.microsoft.com/office/powerpoint/2010/main" val="1721245286"/>
-      </p:ext>
-    </p:extLst>
   </p:cSld>
   <p:clrMapOvr>
     <a:masterClrMapping/>
@@ -15321,6 +15870,7 @@
               <a:rPr lang="en-US" dirty="0"/>
               <a:t>Business process Engineering</a:t>
             </a:r>
+            <a:endParaRPr lang="en-US" dirty="0"/>
           </a:p>
         </p:txBody>
       </p:sp>
@@ -15351,6 +15901,7 @@
               <a:rPr lang="en-US" dirty="0" smtClean="0"/>
               <a:t>.</a:t>
             </a:r>
+            <a:endParaRPr lang="en-US" dirty="0" smtClean="0"/>
           </a:p>
           <a:p>
             <a:r>
@@ -15369,6 +15920,7 @@
               <a:rPr lang="en-US" dirty="0"/>
               <a:t>architecture </a:t>
             </a:r>
+            <a:endParaRPr lang="en-US" dirty="0"/>
           </a:p>
           <a:p>
             <a:pPr lvl="1"/>
@@ -15392,15 +15944,11 @@
               <a:rPr lang="en-US" dirty="0"/>
               <a:t>infrastructure</a:t>
             </a:r>
+            <a:endParaRPr lang="en-US" dirty="0"/>
           </a:p>
         </p:txBody>
       </p:sp>
     </p:spTree>
-    <p:extLst>
-      <p:ext uri="{BB962C8B-B14F-4D97-AF65-F5344CB8AC3E}">
-        <p14:creationId xmlns:p14="http://schemas.microsoft.com/office/powerpoint/2010/main" val="4129491345"/>
-      </p:ext>
-    </p:extLst>
   </p:cSld>
   <p:clrMapOvr>
     <a:masterClrMapping/>
@@ -15475,6 +16023,7 @@
               <a:rPr lang="en-US" dirty="0" smtClean="0"/>
               <a:t>).</a:t>
             </a:r>
+            <a:endParaRPr lang="en-US" dirty="0" smtClean="0"/>
           </a:p>
           <a:p>
             <a:r>
@@ -15485,6 +16034,7 @@
               <a:rPr lang="en-US" dirty="0" smtClean="0"/>
               <a:t>)</a:t>
             </a:r>
+            <a:endParaRPr lang="en-US" dirty="0" smtClean="0"/>
           </a:p>
           <a:p>
             <a:r>
@@ -15495,21 +16045,18 @@
               <a:rPr lang="en-US" dirty="0" smtClean="0"/>
               <a:t>Plan</a:t>
             </a:r>
+            <a:endParaRPr lang="en-US" dirty="0" smtClean="0"/>
           </a:p>
           <a:p>
             <a:r>
               <a:rPr lang="en-US" dirty="0"/>
               <a:t>Implementation.</a:t>
             </a:r>
+            <a:endParaRPr lang="en-US" dirty="0"/>
           </a:p>
         </p:txBody>
       </p:sp>
     </p:spTree>
-    <p:extLst>
-      <p:ext uri="{BB962C8B-B14F-4D97-AF65-F5344CB8AC3E}">
-        <p14:creationId xmlns:p14="http://schemas.microsoft.com/office/powerpoint/2010/main" val="2160397736"/>
-      </p:ext>
-    </p:extLst>
   </p:cSld>
   <p:clrMapOvr>
     <a:masterClrMapping/>
@@ -15536,16 +16083,8 @@
       </p:grpSpPr>
       <p:sp>
         <p:nvSpPr>
-          <p:cNvPr id="2" name="Title 3">
-            <a:extLst>
-              <a:ext uri="{FF2B5EF4-FFF2-40B4-BE49-F238E27FC236}">
-                <a16:creationId xmlns:a16="http://schemas.microsoft.com/office/drawing/2014/main" xmlns="" id="{A2219A53-983C-4CAC-81BB-5FADEB962F35}"/>
-              </a:ext>
-            </a:extLst>
-          </p:cNvPr>
-          <p:cNvSpPr txBox="1">
-            <a:spLocks/>
-          </p:cNvSpPr>
+          <p:cNvPr id="2" name="Title 3"/>
+          <p:cNvSpPr txBox="1"/>
           <p:nvPr/>
         </p:nvSpPr>
         <p:spPr>
@@ -15655,7 +16194,7 @@
           <p:nvPr/>
         </p:nvPicPr>
         <p:blipFill>
-          <a:blip r:embed="rId2"/>
+          <a:blip r:embed="rId1"/>
           <a:stretch>
             <a:fillRect/>
           </a:stretch>
@@ -15671,11 +16210,6 @@
         </p:spPr>
       </p:pic>
     </p:spTree>
-    <p:extLst>
-      <p:ext uri="{BB962C8B-B14F-4D97-AF65-F5344CB8AC3E}">
-        <p14:creationId xmlns:p14="http://schemas.microsoft.com/office/powerpoint/2010/main" val="1474008073"/>
-      </p:ext>
-    </p:extLst>
   </p:cSld>
   <p:clrMapOvr>
     <a:masterClrMapping/>
@@ -15736,11 +16270,6 @@
           </p:cNvGraphicFramePr>
           <p:nvPr>
             <p:ph idx="1"/>
-            <p:extLst>
-              <p:ext uri="{D42A27DB-BD31-4B8C-83A1-F6EECF244321}">
-                <p14:modId xmlns:p14="http://schemas.microsoft.com/office/powerpoint/2010/main" val="1938876460"/>
-              </p:ext>
-            </p:extLst>
           </p:nvPr>
         </p:nvGraphicFramePr>
         <p:xfrm>
@@ -15749,16 +16278,11 @@
         </p:xfrm>
         <a:graphic>
           <a:graphicData uri="http://schemas.openxmlformats.org/drawingml/2006/diagram">
-            <dgm:relIds xmlns:dgm="http://schemas.openxmlformats.org/drawingml/2006/diagram" xmlns:r="http://schemas.openxmlformats.org/officeDocument/2006/relationships" r:dm="rId2" r:lo="rId3" r:qs="rId4" r:cs="rId5"/>
+            <dgm:relIds xmlns:dgm="http://schemas.openxmlformats.org/drawingml/2006/diagram" xmlns:r="http://schemas.openxmlformats.org/officeDocument/2006/relationships" r:dm="rId1" r:lo="rId2" r:qs="rId3" r:cs="rId4"/>
           </a:graphicData>
         </a:graphic>
       </p:graphicFrame>
     </p:spTree>
-    <p:extLst>
-      <p:ext uri="{BB962C8B-B14F-4D97-AF65-F5344CB8AC3E}">
-        <p14:creationId xmlns:p14="http://schemas.microsoft.com/office/powerpoint/2010/main" val="1026077450"/>
-      </p:ext>
-    </p:extLst>
   </p:cSld>
   <p:clrMapOvr>
     <a:masterClrMapping/>
@@ -15825,24 +16349,28 @@
               <a:rPr lang="en-US" dirty="0" smtClean="0"/>
               <a:t>Business Process Management</a:t>
             </a:r>
+            <a:endParaRPr lang="en-US" dirty="0" smtClean="0"/>
           </a:p>
           <a:p>
             <a:r>
               <a:rPr lang="en-US" dirty="0" smtClean="0"/>
               <a:t>Business Process Modeling</a:t>
             </a:r>
+            <a:endParaRPr lang="en-US" dirty="0" smtClean="0"/>
           </a:p>
           <a:p>
             <a:r>
               <a:rPr lang="en-US" dirty="0" smtClean="0"/>
               <a:t>Business Process Architecture</a:t>
             </a:r>
+            <a:endParaRPr lang="en-US" dirty="0" smtClean="0"/>
           </a:p>
           <a:p>
             <a:r>
               <a:rPr lang="en-US" dirty="0" smtClean="0"/>
               <a:t>Business Process Improvement</a:t>
             </a:r>
+            <a:endParaRPr lang="en-US" dirty="0" smtClean="0"/>
           </a:p>
           <a:p>
             <a:endParaRPr lang="en-US" dirty="0"/>
@@ -15850,11 +16378,6 @@
         </p:txBody>
       </p:sp>
     </p:spTree>
-    <p:extLst>
-      <p:ext uri="{BB962C8B-B14F-4D97-AF65-F5344CB8AC3E}">
-        <p14:creationId xmlns:p14="http://schemas.microsoft.com/office/powerpoint/2010/main" val="3238692921"/>
-      </p:ext>
-    </p:extLst>
   </p:cSld>
   <p:clrMapOvr>
     <a:masterClrMapping/>
@@ -15926,6 +16449,7 @@
               <a:rPr lang="en-US" dirty="0"/>
               <a:t>The achievement of an organization’s objectives through the improvement, management and control of essential business processes.</a:t>
             </a:r>
+            <a:endParaRPr lang="en-US" dirty="0"/>
           </a:p>
           <a:p>
             <a:r>
@@ -15936,6 +16460,7 @@
               <a:rPr lang="en-US" dirty="0" smtClean="0"/>
               <a:t>processes</a:t>
             </a:r>
+            <a:endParaRPr lang="en-US" dirty="0" smtClean="0"/>
           </a:p>
           <a:p>
             <a:r>
@@ -15947,11 +16472,6 @@
         </p:txBody>
       </p:sp>
     </p:spTree>
-    <p:extLst>
-      <p:ext uri="{BB962C8B-B14F-4D97-AF65-F5344CB8AC3E}">
-        <p14:creationId xmlns:p14="http://schemas.microsoft.com/office/powerpoint/2010/main" val="2823887107"/>
-      </p:ext>
-    </p:extLst>
   </p:cSld>
   <p:clrMapOvr>
     <a:masterClrMapping/>
@@ -16028,6 +16548,7 @@
               <a:rPr lang="en-US" dirty="0"/>
               <a:t>Business process management (BPM) is an organizational discipline where a company takes a step back and looks at all of these processes in total and individually. It analyzes the current state and identifies areas of improvement to create a more efficient and effective organization</a:t>
             </a:r>
+            <a:endParaRPr lang="en-US" dirty="0"/>
           </a:p>
         </p:txBody>
       </p:sp>
@@ -16040,7 +16561,7 @@
           <p:nvPr/>
         </p:nvPicPr>
         <p:blipFill>
-          <a:blip r:embed="rId2">
+          <a:blip r:embed="rId1">
             <a:extLst>
               <a:ext uri="{28A0092B-C50C-407E-A947-70E740481C1C}">
                 <a14:useLocalDpi xmlns:a14="http://schemas.microsoft.com/office/drawing/2010/main" val="0"/>
@@ -16073,11 +16594,6 @@
         </p:spPr>
       </p:pic>
     </p:spTree>
-    <p:extLst>
-      <p:ext uri="{BB962C8B-B14F-4D97-AF65-F5344CB8AC3E}">
-        <p14:creationId xmlns:p14="http://schemas.microsoft.com/office/powerpoint/2010/main" val="756727522"/>
-      </p:ext>
-    </p:extLst>
   </p:cSld>
   <p:clrMapOvr>
     <a:masterClrMapping/>
@@ -16121,6 +16637,7 @@
               <a:rPr lang="en-US" dirty="0"/>
               <a:t>What is the Purpose of Business Process Management?</a:t>
             </a:r>
+            <a:endParaRPr lang="en-US" dirty="0"/>
           </a:p>
         </p:txBody>
       </p:sp>
@@ -16135,7 +16652,7 @@
           </p:nvPr>
         </p:nvPicPr>
         <p:blipFill>
-          <a:blip r:embed="rId2">
+          <a:blip r:embed="rId1">
             <a:extLst>
               <a:ext uri="{28A0092B-C50C-407E-A947-70E740481C1C}">
                 <a14:useLocalDpi xmlns:a14="http://schemas.microsoft.com/office/drawing/2010/main" val="0"/>
@@ -16167,11 +16684,6 @@
         </p:spPr>
       </p:pic>
     </p:spTree>
-    <p:extLst>
-      <p:ext uri="{BB962C8B-B14F-4D97-AF65-F5344CB8AC3E}">
-        <p14:creationId xmlns:p14="http://schemas.microsoft.com/office/powerpoint/2010/main" val="3088113061"/>
-      </p:ext>
-    </p:extLst>
   </p:cSld>
   <p:clrMapOvr>
     <a:masterClrMapping/>
@@ -16215,6 +16727,7 @@
               <a:rPr lang="en-US" dirty="0"/>
               <a:t>Business process lifecycle </a:t>
             </a:r>
+            <a:endParaRPr lang="en-US" dirty="0"/>
           </a:p>
         </p:txBody>
       </p:sp>
@@ -16229,7 +16742,7 @@
           </p:nvPr>
         </p:nvPicPr>
         <p:blipFill>
-          <a:blip r:embed="rId2"/>
+          <a:blip r:embed="rId1"/>
           <a:stretch>
             <a:fillRect/>
           </a:stretch>
@@ -16245,11 +16758,6 @@
         </p:spPr>
       </p:pic>
     </p:spTree>
-    <p:extLst>
-      <p:ext uri="{BB962C8B-B14F-4D97-AF65-F5344CB8AC3E}">
-        <p14:creationId xmlns:p14="http://schemas.microsoft.com/office/powerpoint/2010/main" val="3669691388"/>
-      </p:ext>
-    </p:extLst>
   </p:cSld>
   <p:clrMapOvr>
     <a:masterClrMapping/>
@@ -16293,6 +16801,7 @@
               <a:rPr lang="en-US" dirty="0"/>
               <a:t>Design and Analysis</a:t>
             </a:r>
+            <a:endParaRPr lang="en-US" dirty="0"/>
           </a:p>
         </p:txBody>
       </p:sp>
@@ -16326,15 +16835,11 @@
               <a:rPr lang="en-US" dirty="0"/>
               <a:t>on these surveys, business processes are identified, reviewed, validated, and represented by business process models.</a:t>
             </a:r>
+            <a:endParaRPr lang="en-US" dirty="0"/>
           </a:p>
         </p:txBody>
       </p:sp>
     </p:spTree>
-    <p:extLst>
-      <p:ext uri="{BB962C8B-B14F-4D97-AF65-F5344CB8AC3E}">
-        <p14:creationId xmlns:p14="http://schemas.microsoft.com/office/powerpoint/2010/main" val="966460263"/>
-      </p:ext>
-    </p:extLst>
   </p:cSld>
   <p:clrMapOvr>
     <a:masterClrMapping/>
@@ -16378,6 +16883,7 @@
               <a:rPr lang="en-US" dirty="0"/>
               <a:t>Configuration</a:t>
             </a:r>
+            <a:endParaRPr lang="en-US" dirty="0"/>
           </a:p>
         </p:txBody>
       </p:sp>
@@ -16404,6 +16910,7 @@
               <a:rPr lang="en-US" dirty="0" smtClean="0"/>
               <a:t>.</a:t>
             </a:r>
+            <a:endParaRPr lang="en-US" dirty="0" smtClean="0"/>
           </a:p>
           <a:p>
             <a:endParaRPr lang="en-US" dirty="0"/>
@@ -16421,15 +16928,11 @@
               <a:rPr lang="en-US" dirty="0"/>
               <a:t>, consistency, isolation, and durability</a:t>
             </a:r>
+            <a:endParaRPr lang="en-US" dirty="0"/>
           </a:p>
         </p:txBody>
       </p:sp>
     </p:spTree>
-    <p:extLst>
-      <p:ext uri="{BB962C8B-B14F-4D97-AF65-F5344CB8AC3E}">
-        <p14:creationId xmlns:p14="http://schemas.microsoft.com/office/powerpoint/2010/main" val="3685288649"/>
-      </p:ext>
-    </p:extLst>
   </p:cSld>
   <p:clrMapOvr>
     <a:masterClrMapping/>
@@ -16510,15 +17013,11 @@
               <a:rPr lang="en-US" dirty="0"/>
               <a:t>example, user A wants to withdraw $50 from his account and then transfer it to the account of user B. Each transaction (withdrawing $50 from account A and transferring $50 to account B) is counted as separate. If the first transaction (withdrawing $50) fails because (say) the server crashes during the transaction, user A cannot transfer the money to user B.</a:t>
             </a:r>
+            <a:endParaRPr lang="en-US" dirty="0"/>
           </a:p>
         </p:txBody>
       </p:sp>
     </p:spTree>
-    <p:extLst>
-      <p:ext uri="{BB962C8B-B14F-4D97-AF65-F5344CB8AC3E}">
-        <p14:creationId xmlns:p14="http://schemas.microsoft.com/office/powerpoint/2010/main" val="2060435530"/>
-      </p:ext>
-    </p:extLst>
   </p:cSld>
   <p:clrMapOvr>
     <a:masterClrMapping/>
@@ -16562,6 +17061,7 @@
               <a:rPr lang="en-US" dirty="0"/>
               <a:t>Consistency</a:t>
             </a:r>
+            <a:endParaRPr lang="en-US" dirty="0"/>
           </a:p>
         </p:txBody>
       </p:sp>
@@ -16596,21 +17096,18 @@
               <a:rPr lang="en-US" dirty="0" smtClean="0"/>
               <a:t>database.</a:t>
             </a:r>
+            <a:endParaRPr lang="en-US" dirty="0" smtClean="0"/>
           </a:p>
           <a:p>
             <a:r>
               <a:rPr lang="en-US" dirty="0"/>
               <a:t>For example, if user A wants to withdraw $1,000 from his account, but only has a balance of $500, consistency will prevent him from withdrawing money and the transaction will be aborted</a:t>
             </a:r>
+            <a:endParaRPr lang="en-US" dirty="0"/>
           </a:p>
         </p:txBody>
       </p:sp>
     </p:spTree>
-    <p:extLst>
-      <p:ext uri="{BB962C8B-B14F-4D97-AF65-F5344CB8AC3E}">
-        <p14:creationId xmlns:p14="http://schemas.microsoft.com/office/powerpoint/2010/main" val="2528538787"/>
-      </p:ext>
-    </p:extLst>
   </p:cSld>
   <p:clrMapOvr>
     <a:masterClrMapping/>
@@ -16682,6 +17179,10 @@
               </a:rPr>
               <a:t>Business process management</a:t>
             </a:r>
+            <a:endParaRPr lang="en-US" sz="2400" dirty="0" smtClean="0">
+              <a:latin typeface="Times New Roman" panose="02020603050405020304" pitchFamily="18" charset="0"/>
+              <a:cs typeface="Times New Roman" panose="02020603050405020304" pitchFamily="18" charset="0"/>
+            </a:endParaRPr>
           </a:p>
           <a:p>
             <a:r>
@@ -16691,6 +17192,10 @@
               </a:rPr>
               <a:t>Manufacturing and services processes</a:t>
             </a:r>
+            <a:endParaRPr lang="en-US" sz="2400" dirty="0" smtClean="0">
+              <a:latin typeface="Times New Roman" panose="02020603050405020304" pitchFamily="18" charset="0"/>
+              <a:cs typeface="Times New Roman" panose="02020603050405020304" pitchFamily="18" charset="0"/>
+            </a:endParaRPr>
           </a:p>
           <a:p>
             <a:r>
@@ -16707,6 +17212,10 @@
               </a:rPr>
               <a:t>techniques</a:t>
             </a:r>
+            <a:endParaRPr lang="en-US" sz="2400" dirty="0" smtClean="0">
+              <a:latin typeface="Times New Roman" panose="02020603050405020304" pitchFamily="18" charset="0"/>
+              <a:cs typeface="Times New Roman" panose="02020603050405020304" pitchFamily="18" charset="0"/>
+            </a:endParaRPr>
           </a:p>
           <a:p>
             <a:r>
@@ -16716,6 +17225,10 @@
               </a:rPr>
               <a:t>Modelling and charting tools</a:t>
             </a:r>
+            <a:endParaRPr lang="en-US" sz="2400" dirty="0" smtClean="0">
+              <a:latin typeface="Times New Roman" panose="02020603050405020304" pitchFamily="18" charset="0"/>
+              <a:cs typeface="Times New Roman" panose="02020603050405020304" pitchFamily="18" charset="0"/>
+            </a:endParaRPr>
           </a:p>
           <a:p>
             <a:r>
@@ -16725,6 +17238,10 @@
               </a:rPr>
               <a:t>Business process outsourcing</a:t>
             </a:r>
+            <a:endParaRPr lang="en-US" sz="2400" dirty="0" smtClean="0">
+              <a:latin typeface="Times New Roman" panose="02020603050405020304" pitchFamily="18" charset="0"/>
+              <a:cs typeface="Times New Roman" panose="02020603050405020304" pitchFamily="18" charset="0"/>
+            </a:endParaRPr>
           </a:p>
           <a:p>
             <a:r>
@@ -16742,11 +17259,6 @@
         </p:txBody>
       </p:sp>
     </p:spTree>
-    <p:extLst>
-      <p:ext uri="{BB962C8B-B14F-4D97-AF65-F5344CB8AC3E}">
-        <p14:creationId xmlns:p14="http://schemas.microsoft.com/office/powerpoint/2010/main" val="812178941"/>
-      </p:ext>
-    </p:extLst>
   </p:cSld>
   <p:clrMapOvr>
     <a:masterClrMapping/>
@@ -16820,18 +17332,21 @@
               <a:rPr lang="en-US" dirty="0" smtClean="0"/>
               <a:t>interference, but it does not ensure the order of transactions.</a:t>
             </a:r>
+            <a:endParaRPr lang="en-US" dirty="0" smtClean="0"/>
           </a:p>
           <a:p>
             <a:r>
               <a:rPr lang="en-US" dirty="0"/>
               <a:t>For example, user A withdraws $100 and user B withdraws $250 from user Z’s account, which has a balance of $1,000. Since both A and B draw from Z’s account, one of the users is required to wait until the other user transaction is completed, avoiding inconsistent data.</a:t>
             </a:r>
+            <a:endParaRPr lang="en-US" dirty="0"/>
           </a:p>
           <a:p>
             <a:r>
               <a:rPr lang="en-US" dirty="0"/>
               <a:t>If B is required to wait, then B must wait until A’s transaction is completed, and Z’s account balance changes to $900. Now, B can withdraw $250 from this $900 balance</a:t>
             </a:r>
+            <a:endParaRPr lang="en-US" dirty="0"/>
           </a:p>
           <a:p>
             <a:endParaRPr lang="en-US" dirty="0"/>
@@ -16839,11 +17354,6 @@
         </p:txBody>
       </p:sp>
     </p:spTree>
-    <p:extLst>
-      <p:ext uri="{BB962C8B-B14F-4D97-AF65-F5344CB8AC3E}">
-        <p14:creationId xmlns:p14="http://schemas.microsoft.com/office/powerpoint/2010/main" val="2834699568"/>
-      </p:ext>
-    </p:extLst>
   </p:cSld>
   <p:clrMapOvr>
     <a:masterClrMapping/>
@@ -16913,18 +17423,21 @@
               <a:rPr lang="en-US" dirty="0"/>
               <a:t>Durability is a property that enforces completed transactions, guaranteeing that once each one of them has been committed, it will remain in the system even in case of subsequent failures.</a:t>
             </a:r>
+            <a:endParaRPr lang="en-US" dirty="0"/>
           </a:p>
           <a:p>
             <a:r>
               <a:rPr lang="en-US" dirty="0"/>
               <a:t>If a transaction is successful, all changes generated by it are stored permanently.</a:t>
             </a:r>
+            <a:endParaRPr lang="en-US" dirty="0"/>
           </a:p>
           <a:p>
             <a:r>
               <a:rPr lang="en-US" dirty="0"/>
               <a:t>In the above example, user B may withdraw $100 only after user A’s transaction is </a:t>
             </a:r>
+            <a:endParaRPr lang="en-US" dirty="0"/>
           </a:p>
           <a:p>
             <a:endParaRPr lang="en-US" dirty="0"/>
@@ -16932,11 +17445,6 @@
         </p:txBody>
       </p:sp>
     </p:spTree>
-    <p:extLst>
-      <p:ext uri="{BB962C8B-B14F-4D97-AF65-F5344CB8AC3E}">
-        <p14:creationId xmlns:p14="http://schemas.microsoft.com/office/powerpoint/2010/main" val="1421653739"/>
-      </p:ext>
-    </p:extLst>
   </p:cSld>
   <p:clrMapOvr>
     <a:masterClrMapping/>
@@ -16980,6 +17488,7 @@
               <a:rPr lang="en-US" dirty="0"/>
               <a:t>Enactment </a:t>
             </a:r>
+            <a:endParaRPr lang="en-US" dirty="0"/>
           </a:p>
         </p:txBody>
       </p:sp>
@@ -16993,7 +17502,12 @@
             <p:ph idx="1"/>
           </p:nvPr>
         </p:nvSpPr>
-        <p:spPr/>
+        <p:spPr>
+          <a:xfrm>
+            <a:off x="2208212" y="2105025"/>
+            <a:ext cx="8915400" cy="3777622"/>
+          </a:xfrm>
+        </p:spPr>
         <p:txBody>
           <a:bodyPr/>
           <a:lstStyle/>
@@ -17002,15 +17516,11 @@
               <a:rPr lang="en-US" dirty="0"/>
               <a:t>During business process enactment, valuable execution data is gathered, typically in some form of log file. These log files consist of ordered sets of log entries, indicating events that have occurred during business processes. Start of activity and end of activity is typical information stored in execution logs.</a:t>
             </a:r>
+            <a:endParaRPr lang="en-US" dirty="0"/>
           </a:p>
         </p:txBody>
       </p:sp>
     </p:spTree>
-    <p:extLst>
-      <p:ext uri="{BB962C8B-B14F-4D97-AF65-F5344CB8AC3E}">
-        <p14:creationId xmlns:p14="http://schemas.microsoft.com/office/powerpoint/2010/main" val="1367654826"/>
-      </p:ext>
-    </p:extLst>
   </p:cSld>
   <p:clrMapOvr>
     <a:masterClrMapping/>
@@ -17054,6 +17564,7 @@
               <a:rPr lang="en-US" dirty="0"/>
               <a:t>Evaluation</a:t>
             </a:r>
+            <a:endParaRPr lang="en-US" dirty="0"/>
           </a:p>
         </p:txBody>
       </p:sp>
@@ -17076,15 +17587,11 @@
               <a:rPr lang="en-US" dirty="0"/>
               <a:t>. Execution logs are evaluated using business activity monitoring and process mining techniques. These techniques aim at identifying the quality of business process models and the adequacy of the execution environment.</a:t>
             </a:r>
+            <a:endParaRPr lang="en-US" dirty="0"/>
           </a:p>
         </p:txBody>
       </p:sp>
     </p:spTree>
-    <p:extLst>
-      <p:ext uri="{BB962C8B-B14F-4D97-AF65-F5344CB8AC3E}">
-        <p14:creationId xmlns:p14="http://schemas.microsoft.com/office/powerpoint/2010/main" val="3547829982"/>
-      </p:ext>
-    </p:extLst>
   </p:cSld>
   <p:clrMapOvr>
     <a:masterClrMapping/>
@@ -17128,6 +17635,7 @@
               <a:rPr lang="en-US" dirty="0"/>
               <a:t>Administration and Stakeholders</a:t>
             </a:r>
+            <a:endParaRPr lang="en-US" dirty="0"/>
           </a:p>
         </p:txBody>
       </p:sp>
@@ -17256,6 +17764,7 @@
               <a:rPr lang="en-US" b="1" dirty="0" smtClean="0"/>
               <a:t>Architect</a:t>
             </a:r>
+            <a:endParaRPr lang="en-US" b="1" dirty="0" smtClean="0"/>
           </a:p>
           <a:p>
             <a:pPr lvl="1"/>
@@ -17263,15 +17772,11 @@
               <a:rPr lang="en-US" b="1" dirty="0"/>
               <a:t>Developers</a:t>
             </a:r>
+            <a:endParaRPr lang="en-US" b="1" dirty="0"/>
           </a:p>
         </p:txBody>
       </p:sp>
     </p:spTree>
-    <p:extLst>
-      <p:ext uri="{BB962C8B-B14F-4D97-AF65-F5344CB8AC3E}">
-        <p14:creationId xmlns:p14="http://schemas.microsoft.com/office/powerpoint/2010/main" val="2346768245"/>
-      </p:ext>
-    </p:extLst>
   </p:cSld>
   <p:clrMapOvr>
     <a:masterClrMapping/>
@@ -17317,10 +17822,6 @@
               <a:rPr lang="en-US" dirty="0"/>
               <a:t>BPM lifecycle</a:t>
             </a:r>
-            <a:r>
-              <a:rPr lang="en-US" b="1" dirty="0"/>
-              <a:t/>
-            </a:r>
             <a:br>
               <a:rPr lang="en-US" b="1" dirty="0"/>
             </a:br>
@@ -17356,6 +17857,7 @@
               <a:rPr lang="en-US" dirty="0" smtClean="0"/>
               <a:t>five:</a:t>
             </a:r>
+            <a:endParaRPr lang="en-US" dirty="0" smtClean="0"/>
           </a:p>
           <a:p>
             <a:pPr lvl="1"/>
@@ -17371,6 +17873,7 @@
               <a:rPr lang="en-US" b="1" dirty="0" smtClean="0"/>
               <a:t>plan: (Primary , Secondary, Management )</a:t>
             </a:r>
+            <a:endParaRPr lang="en-US" b="1" dirty="0" smtClean="0"/>
           </a:p>
           <a:p>
             <a:pPr lvl="1"/>
@@ -17390,6 +17893,7 @@
               <a:rPr lang="en-US" b="1" dirty="0"/>
               <a:t>Design the ideal model</a:t>
             </a:r>
+            <a:endParaRPr lang="en-US" b="1" dirty="0"/>
           </a:p>
           <a:p>
             <a:pPr lvl="1"/>
@@ -17397,6 +17901,7 @@
               <a:rPr lang="en-US" b="1" dirty="0"/>
               <a:t>Implement </a:t>
             </a:r>
+            <a:endParaRPr lang="en-US" b="1" dirty="0"/>
           </a:p>
           <a:p>
             <a:pPr lvl="1"/>
@@ -17404,6 +17909,7 @@
               <a:rPr lang="en-US" b="1" dirty="0"/>
               <a:t>Monitor </a:t>
             </a:r>
+            <a:endParaRPr lang="en-US" b="1" dirty="0"/>
           </a:p>
           <a:p>
             <a:pPr lvl="1"/>
@@ -17424,7 +17930,7 @@
           <p:nvPr/>
         </p:nvPicPr>
         <p:blipFill>
-          <a:blip r:embed="rId2">
+          <a:blip r:embed="rId1">
             <a:extLst>
               <a:ext uri="{28A0092B-C50C-407E-A947-70E740481C1C}">
                 <a14:useLocalDpi xmlns:a14="http://schemas.microsoft.com/office/drawing/2010/main" val="0"/>
@@ -17457,11 +17963,6 @@
         </p:spPr>
       </p:pic>
     </p:spTree>
-    <p:extLst>
-      <p:ext uri="{BB962C8B-B14F-4D97-AF65-F5344CB8AC3E}">
-        <p14:creationId xmlns:p14="http://schemas.microsoft.com/office/powerpoint/2010/main" val="3557551872"/>
-      </p:ext>
-    </p:extLst>
   </p:cSld>
   <p:clrMapOvr>
     <a:masterClrMapping/>
@@ -17505,6 +18006,7 @@
               <a:rPr lang="en-US" dirty="0"/>
               <a:t>What BPM is Not</a:t>
             </a:r>
+            <a:endParaRPr lang="en-US" dirty="0"/>
           </a:p>
         </p:txBody>
       </p:sp>
@@ -17531,6 +18033,7 @@
               <a:rPr lang="en-US" b="1" dirty="0" smtClean="0"/>
               <a:t>product</a:t>
             </a:r>
+            <a:endParaRPr lang="en-US" b="1" dirty="0" smtClean="0"/>
           </a:p>
           <a:p>
             <a:r>
@@ -17542,11 +18045,6 @@
         </p:txBody>
       </p:sp>
     </p:spTree>
-    <p:extLst>
-      <p:ext uri="{BB962C8B-B14F-4D97-AF65-F5344CB8AC3E}">
-        <p14:creationId xmlns:p14="http://schemas.microsoft.com/office/powerpoint/2010/main" val="4191534915"/>
-      </p:ext>
-    </p:extLst>
   </p:cSld>
   <p:clrMapOvr>
     <a:masterClrMapping/>
@@ -17608,7 +18106,7 @@
           <p:nvPr/>
         </p:nvPicPr>
         <p:blipFill>
-          <a:blip r:embed="rId2"/>
+          <a:blip r:embed="rId1"/>
           <a:stretch>
             <a:fillRect/>
           </a:stretch>
@@ -17632,7 +18130,7 @@
           <p:nvPr/>
         </p:nvPicPr>
         <p:blipFill>
-          <a:blip r:embed="rId3"/>
+          <a:blip r:embed="rId2"/>
           <a:stretch>
             <a:fillRect/>
           </a:stretch>
@@ -17656,9 +18154,11 @@
           <p:nvPr/>
         </p:nvPicPr>
         <p:blipFill rotWithShape="1">
-          <a:blip r:embed="rId4"/>
+          <a:blip r:embed="rId3"/>
           <a:srcRect b="7579"/>
-          <a:stretch/>
+          <a:stretch>
+            <a:fillRect/>
+          </a:stretch>
         </p:blipFill>
         <p:spPr>
           <a:xfrm>
@@ -17671,11 +18171,6 @@
         </p:spPr>
       </p:pic>
     </p:spTree>
-    <p:extLst>
-      <p:ext uri="{BB962C8B-B14F-4D97-AF65-F5344CB8AC3E}">
-        <p14:creationId xmlns:p14="http://schemas.microsoft.com/office/powerpoint/2010/main" val="2689728253"/>
-      </p:ext>
-    </p:extLst>
   </p:cSld>
   <p:clrMapOvr>
     <a:masterClrMapping/>
@@ -18078,12 +18573,14 @@
               <a:rPr lang="en-US" sz="1600" dirty="0"/>
               <a:t>A document-centric process is one where a document like a contract or legal agreement is at the heart of that process. Document-centric processes define procedures for distributing, reviewing, and validating documents.</a:t>
             </a:r>
+            <a:endParaRPr lang="en-US" sz="1600" dirty="0"/>
           </a:p>
           <a:p>
             <a:r>
               <a:rPr lang="en-US" sz="1600" dirty="0"/>
               <a:t>A good example would be the process for approving and signing customer contracts or contracts signed while procuring the services of external vendors.</a:t>
             </a:r>
+            <a:endParaRPr lang="en-US" sz="1600" dirty="0"/>
           </a:p>
         </p:txBody>
       </p:sp>
@@ -18096,7 +18593,7 @@
           <p:nvPr/>
         </p:nvPicPr>
         <p:blipFill>
-          <a:blip r:embed="rId2">
+          <a:blip r:embed="rId1">
             <a:extLst>
               <a:ext uri="{28A0092B-C50C-407E-A947-70E740481C1C}">
                 <a14:useLocalDpi xmlns:a14="http://schemas.microsoft.com/office/drawing/2010/main" val="0"/>
@@ -18129,11 +18626,6 @@
         </p:spPr>
       </p:pic>
     </p:spTree>
-    <p:extLst>
-      <p:ext uri="{BB962C8B-B14F-4D97-AF65-F5344CB8AC3E}">
-        <p14:creationId xmlns:p14="http://schemas.microsoft.com/office/powerpoint/2010/main" val="2999438176"/>
-      </p:ext>
-    </p:extLst>
   </p:cSld>
   <p:clrMapOvr>
     <a:masterClrMapping/>
@@ -18186,6 +18678,7 @@
               <a:rPr lang="en-US" dirty="0"/>
               <a:t>Human-centric processes are those that have the most involvement and interaction performed by humans. They are generally decision-based instead of rules-based processes; humans decide the process's path based on their decisions.</a:t>
             </a:r>
+            <a:endParaRPr lang="en-US" dirty="0"/>
           </a:p>
           <a:p>
             <a:endParaRPr lang="en-US" dirty="0"/>
@@ -18195,6 +18688,7 @@
               <a:rPr lang="en-US" dirty="0"/>
               <a:t>An example of a human-centric process in an organization is hiring new talent by the Human Resources team.</a:t>
             </a:r>
+            <a:endParaRPr lang="en-US" dirty="0"/>
           </a:p>
           <a:p>
             <a:endParaRPr lang="en-US" dirty="0"/>
@@ -18204,6 +18698,7 @@
               <a:rPr lang="en-US" dirty="0"/>
               <a:t>Human-centric-BPM</a:t>
             </a:r>
+            <a:endParaRPr lang="en-US" dirty="0"/>
           </a:p>
           <a:p>
             <a:endParaRPr lang="en-US" dirty="0"/>
@@ -18213,6 +18708,7 @@
               <a:rPr lang="en-US" dirty="0"/>
               <a:t>The decision-based nature of human-centric processes presents challenges where automation is concerned. Whereas automation teams are beginning to ramp up their use of intelligent automation, this type of automation is still very much in the experimental stage and not quite ready for prime time.</a:t>
             </a:r>
+            <a:endParaRPr lang="en-US" dirty="0"/>
           </a:p>
         </p:txBody>
       </p:sp>
@@ -18240,11 +18736,6 @@
         </p:txBody>
       </p:sp>
     </p:spTree>
-    <p:extLst>
-      <p:ext uri="{BB962C8B-B14F-4D97-AF65-F5344CB8AC3E}">
-        <p14:creationId xmlns:p14="http://schemas.microsoft.com/office/powerpoint/2010/main" val="2666515850"/>
-      </p:ext>
-    </p:extLst>
   </p:cSld>
   <p:clrMapOvr>
     <a:masterClrMapping/>
@@ -18301,7 +18792,7 @@
           <p:nvPr/>
         </p:nvPicPr>
         <p:blipFill>
-          <a:blip r:embed="rId2"/>
+          <a:blip r:embed="rId1"/>
           <a:stretch>
             <a:fillRect/>
           </a:stretch>
@@ -18317,11 +18808,6 @@
         </p:spPr>
       </p:pic>
     </p:spTree>
-    <p:extLst>
-      <p:ext uri="{BB962C8B-B14F-4D97-AF65-F5344CB8AC3E}">
-        <p14:creationId xmlns:p14="http://schemas.microsoft.com/office/powerpoint/2010/main" val="2425960764"/>
-      </p:ext>
-    </p:extLst>
   </p:cSld>
   <p:clrMapOvr>
     <a:masterClrMapping/>
@@ -18365,10 +18851,6 @@
               <a:rPr lang="en-US" b="1" dirty="0"/>
               <a:t>3. Integration-centric BPM</a:t>
             </a:r>
-            <a:r>
-              <a:rPr lang="en-US" dirty="0"/>
-              <a:t/>
-            </a:r>
             <a:br>
               <a:rPr lang="en-US" dirty="0"/>
             </a:br>
@@ -18395,6 +18877,7 @@
               <a:rPr lang="en-US" dirty="0"/>
               <a:t>Integration-centric processes define the transfer of information and data between different systems without significant human intervention. These processes lend themselves very well to automation, increasing the speed of execution and limiting errors based on humans' decreased involvement.</a:t>
             </a:r>
+            <a:endParaRPr lang="en-US" dirty="0"/>
           </a:p>
           <a:p>
             <a:endParaRPr lang="en-US" dirty="0"/>
@@ -18404,6 +18887,7 @@
               <a:rPr lang="en-US" dirty="0"/>
               <a:t>Integration-centric-BPM</a:t>
             </a:r>
+            <a:endParaRPr lang="en-US" dirty="0"/>
           </a:p>
           <a:p>
             <a:endParaRPr lang="en-US" dirty="0"/>
@@ -18429,6 +18913,7 @@
               <a:rPr lang="en-US" dirty="0"/>
               <a:t> with sales-based CRMs (client relationship manager) like Salesforce or Siebel to transfer data on lead generation and engagement between those two systems.</a:t>
             </a:r>
+            <a:endParaRPr lang="en-US" dirty="0"/>
           </a:p>
         </p:txBody>
       </p:sp>
@@ -18441,7 +18926,7 @@
           <p:nvPr/>
         </p:nvPicPr>
         <p:blipFill>
-          <a:blip r:embed="rId2">
+          <a:blip r:embed="rId1">
             <a:extLst>
               <a:ext uri="{28A0092B-C50C-407E-A947-70E740481C1C}">
                 <a14:useLocalDpi xmlns:a14="http://schemas.microsoft.com/office/drawing/2010/main" val="0"/>
@@ -18474,11 +18959,6 @@
         </p:spPr>
       </p:pic>
     </p:spTree>
-    <p:extLst>
-      <p:ext uri="{BB962C8B-B14F-4D97-AF65-F5344CB8AC3E}">
-        <p14:creationId xmlns:p14="http://schemas.microsoft.com/office/powerpoint/2010/main" val="2222505752"/>
-      </p:ext>
-    </p:extLst>
   </p:cSld>
   <p:clrMapOvr>
     <a:masterClrMapping/>
@@ -18524,6 +19004,7 @@
               <a:rPr lang="en-US" dirty="0"/>
               <a:t>Levels of business processes: from business strategy to implemented business processes</a:t>
             </a:r>
+            <a:endParaRPr lang="en-US" dirty="0"/>
           </a:p>
         </p:txBody>
       </p:sp>
@@ -18538,7 +19019,7 @@
           </p:nvPr>
         </p:nvPicPr>
         <p:blipFill>
-          <a:blip r:embed="rId2"/>
+          <a:blip r:embed="rId1"/>
           <a:stretch>
             <a:fillRect/>
           </a:stretch>
@@ -18578,6 +19059,7 @@
               <a:rPr lang="en-US" dirty="0"/>
               <a:t>At the highest level, the strategy of the company is specified, which describes its long-term concepts to develop</a:t>
             </a:r>
+            <a:endParaRPr lang="en-US" dirty="0"/>
           </a:p>
         </p:txBody>
       </p:sp>
@@ -18618,6 +19100,7 @@
               <a:rPr lang="en-US" dirty="0"/>
               <a:t>. Reducing the cost for supplied materials is a sample goal</a:t>
             </a:r>
+            <a:endParaRPr lang="en-US" dirty="0"/>
           </a:p>
         </p:txBody>
       </p:sp>
@@ -18646,6 +19129,7 @@
               <a:rPr lang="en-US" dirty="0"/>
               <a:t>These business processes act as supplier or consumer processes</a:t>
             </a:r>
+            <a:endParaRPr lang="en-US" dirty="0"/>
           </a:p>
         </p:txBody>
       </p:sp>
@@ -18674,6 +19158,7 @@
               <a:rPr lang="en-US" dirty="0"/>
               <a:t>the activities and their relationships are specified</a:t>
             </a:r>
+            <a:endParaRPr lang="en-US" dirty="0"/>
           </a:p>
         </p:txBody>
       </p:sp>
@@ -18702,15 +19187,11 @@
               <a:rPr lang="en-US" dirty="0"/>
               <a:t>Implemented business processes contain information on the execution of the process activities and the technical and organizational environment in which they will be executed.</a:t>
             </a:r>
+            <a:endParaRPr lang="en-US" dirty="0"/>
           </a:p>
         </p:txBody>
       </p:sp>
     </p:spTree>
-    <p:extLst>
-      <p:ext uri="{BB962C8B-B14F-4D97-AF65-F5344CB8AC3E}">
-        <p14:creationId xmlns:p14="http://schemas.microsoft.com/office/powerpoint/2010/main" val="2976285865"/>
-      </p:ext>
-    </p:extLst>
   </p:cSld>
   <p:clrMapOvr>
     <a:masterClrMapping/>
@@ -18754,6 +19235,7 @@
               <a:rPr lang="en-US" dirty="0"/>
               <a:t>Intraorganizational Processes versus Process Choreographies</a:t>
             </a:r>
+            <a:endParaRPr lang="en-US" dirty="0"/>
           </a:p>
         </p:txBody>
       </p:sp>
@@ -18780,21 +19262,18 @@
               <a:rPr lang="en-US" dirty="0" smtClean="0"/>
               <a:t>.</a:t>
             </a:r>
+            <a:endParaRPr lang="en-US" dirty="0" smtClean="0"/>
           </a:p>
           <a:p>
             <a:r>
               <a:rPr lang="en-US" dirty="0"/>
               <a:t>interact with business processes in other organizations, forming process choreographies. T</a:t>
             </a:r>
+            <a:endParaRPr lang="en-US" dirty="0"/>
           </a:p>
         </p:txBody>
       </p:sp>
     </p:spTree>
-    <p:extLst>
-      <p:ext uri="{BB962C8B-B14F-4D97-AF65-F5344CB8AC3E}">
-        <p14:creationId xmlns:p14="http://schemas.microsoft.com/office/powerpoint/2010/main" val="2985644298"/>
-      </p:ext>
-    </p:extLst>
   </p:cSld>
   <p:clrMapOvr>
     <a:masterClrMapping/>
@@ -18869,11 +19348,6 @@
         </p:txBody>
       </p:sp>
     </p:spTree>
-    <p:extLst>
-      <p:ext uri="{BB962C8B-B14F-4D97-AF65-F5344CB8AC3E}">
-        <p14:creationId xmlns:p14="http://schemas.microsoft.com/office/powerpoint/2010/main" val="1245649208"/>
-      </p:ext>
-    </p:extLst>
   </p:cSld>
   <p:clrMapOvr>
     <a:masterClrMapping/>
@@ -18930,7 +19404,7 @@
           <p:nvPr/>
         </p:nvPicPr>
         <p:blipFill>
-          <a:blip r:embed="rId2"/>
+          <a:blip r:embed="rId1"/>
           <a:stretch>
             <a:fillRect/>
           </a:stretch>
@@ -18946,11 +19420,6 @@
         </p:spPr>
       </p:pic>
     </p:spTree>
-    <p:extLst>
-      <p:ext uri="{BB962C8B-B14F-4D97-AF65-F5344CB8AC3E}">
-        <p14:creationId xmlns:p14="http://schemas.microsoft.com/office/powerpoint/2010/main" val="1510247224"/>
-      </p:ext>
-    </p:extLst>
   </p:cSld>
   <p:clrMapOvr>
     <a:masterClrMapping/>
@@ -19007,7 +19476,7 @@
           <p:nvPr/>
         </p:nvPicPr>
         <p:blipFill>
-          <a:blip r:embed="rId2"/>
+          <a:blip r:embed="rId1"/>
           <a:stretch>
             <a:fillRect/>
           </a:stretch>
@@ -19031,7 +19500,7 @@
           <p:nvPr/>
         </p:nvPicPr>
         <p:blipFill>
-          <a:blip r:embed="rId3"/>
+          <a:blip r:embed="rId2"/>
           <a:stretch>
             <a:fillRect/>
           </a:stretch>
@@ -19047,11 +19516,6 @@
         </p:spPr>
       </p:pic>
     </p:spTree>
-    <p:extLst>
-      <p:ext uri="{BB962C8B-B14F-4D97-AF65-F5344CB8AC3E}">
-        <p14:creationId xmlns:p14="http://schemas.microsoft.com/office/powerpoint/2010/main" val="1194597680"/>
-      </p:ext>
-    </p:extLst>
   </p:cSld>
   <p:clrMapOvr>
     <a:masterClrMapping/>
@@ -19160,6 +19624,7 @@
               <a:rPr lang="en-US" dirty="0"/>
               <a:t> It is the fundamental building block for several related ideas such as business process management, process automation, etc.</a:t>
             </a:r>
+            <a:endParaRPr lang="en-US" dirty="0"/>
           </a:p>
           <a:p>
             <a:r>
@@ -19177,11 +19642,6 @@
         </p:txBody>
       </p:sp>
     </p:spTree>
-    <p:extLst>
-      <p:ext uri="{BB962C8B-B14F-4D97-AF65-F5344CB8AC3E}">
-        <p14:creationId xmlns:p14="http://schemas.microsoft.com/office/powerpoint/2010/main" val="1293192719"/>
-      </p:ext>
-    </p:extLst>
   </p:cSld>
   <p:clrMapOvr>
     <a:masterClrMapping/>
@@ -19878,15 +20338,11 @@
               <a:rPr lang="en-US" dirty="0"/>
               <a:t>productivity of employees and long term growth of the business is determined by how well you have managed your business processes.</a:t>
             </a:r>
+            <a:endParaRPr lang="en-US" dirty="0"/>
           </a:p>
         </p:txBody>
       </p:sp>
     </p:spTree>
-    <p:extLst>
-      <p:ext uri="{BB962C8B-B14F-4D97-AF65-F5344CB8AC3E}">
-        <p14:creationId xmlns:p14="http://schemas.microsoft.com/office/powerpoint/2010/main" val="4073019745"/>
-      </p:ext>
-    </p:extLst>
   </p:cSld>
   <p:clrMapOvr>
     <a:masterClrMapping/>
@@ -19937,10 +20393,6 @@
               <a:rPr lang="en-US" b="1" dirty="0"/>
               <a:t>Why are business processes important?</a:t>
             </a:r>
-            <a:r>
-              <a:rPr lang="en-US" dirty="0"/>
-              <a:t/>
-            </a:r>
             <a:br>
               <a:rPr lang="en-US" dirty="0"/>
             </a:br>
@@ -19956,11 +20408,6 @@
           </p:cNvGraphicFramePr>
           <p:nvPr>
             <p:ph idx="1"/>
-            <p:extLst>
-              <p:ext uri="{D42A27DB-BD31-4B8C-83A1-F6EECF244321}">
-                <p14:modId xmlns:p14="http://schemas.microsoft.com/office/powerpoint/2010/main" val="3653159404"/>
-              </p:ext>
-            </p:extLst>
           </p:nvPr>
         </p:nvGraphicFramePr>
         <p:xfrm>
@@ -19969,16 +20416,11 @@
         </p:xfrm>
         <a:graphic>
           <a:graphicData uri="http://schemas.openxmlformats.org/drawingml/2006/diagram">
-            <dgm:relIds xmlns:dgm="http://schemas.openxmlformats.org/drawingml/2006/diagram" xmlns:r="http://schemas.openxmlformats.org/officeDocument/2006/relationships" r:dm="rId2" r:lo="rId3" r:qs="rId4" r:cs="rId5"/>
+            <dgm:relIds xmlns:dgm="http://schemas.openxmlformats.org/drawingml/2006/diagram" xmlns:r="http://schemas.openxmlformats.org/officeDocument/2006/relationships" r:dm="rId1" r:lo="rId2" r:qs="rId3" r:cs="rId4"/>
           </a:graphicData>
         </a:graphic>
       </p:graphicFrame>
     </p:spTree>
-    <p:extLst>
-      <p:ext uri="{BB962C8B-B14F-4D97-AF65-F5344CB8AC3E}">
-        <p14:creationId xmlns:p14="http://schemas.microsoft.com/office/powerpoint/2010/main" val="1871203023"/>
-      </p:ext>
-    </p:extLst>
   </p:cSld>
   <p:clrMapOvr>
     <a:masterClrMapping/>
@@ -20029,7 +20471,7 @@
     </a:clrScheme>
     <a:fontScheme name="Wisp">
       <a:majorFont>
-        <a:latin typeface="Century Gothic" panose="020B0502020202020204"/>
+        <a:latin typeface="Century Gothic"/>
         <a:ea typeface=""/>
         <a:cs typeface=""/>
         <a:font script="Jpan" typeface="メイリオ"/>
@@ -20064,7 +20506,7 @@
         <a:font script="Geor" typeface="Sylfaen"/>
       </a:majorFont>
       <a:minorFont>
-        <a:latin typeface="Century Gothic" panose="020B0502020202020204"/>
+        <a:latin typeface="Century Gothic"/>
         <a:ea typeface=""/>
         <a:cs typeface=""/>
         <a:font script="Jpan" typeface="メイリオ"/>
@@ -20219,11 +20661,9 @@
       </a:bgFillStyleLst>
     </a:fmtScheme>
   </a:themeElements>
-  <a:objectDefaults/>
-  <a:extraClrSchemeLst/>
   <a:extLst>
     <a:ext uri="{05A4C25C-085E-4340-85A3-A5531E510DB2}">
-      <thm15:themeFamily xmlns:thm15="http://schemas.microsoft.com/office/thememl/2012/main" name="Wisp" id="{7CB32D59-10C0-40DD-B7BD-2E94284A981C}" vid="{24B1A44C-C006-48B2-A4D7-E5549B3D8CD4}"/>
+      <thm15:themeFamily xmlns:thm15="http://schemas.microsoft.com/office/thememl/2012/main" name="Office Theme" id="{62F939B6-93AF-4DB8-9C6B-D6C7DFDC589F}" vid="{4A3C46E8-61CC-4603-A589-7422A47A8E4A}"/>
     </a:ext>
   </a:extLst>
 </a:theme>
